--- a/Präsentation/BinäreSuchbäume.pptx
+++ b/Präsentation/BinäreSuchbäume.pptx
@@ -5,15 +5,24 @@
     <p:sldMasterId id="2147483648" r:id="rId4"/>
   </p:sldMasterIdLst>
   <p:notesMasterIdLst>
-    <p:notesMasterId r:id="rId8"/>
+    <p:notesMasterId r:id="rId17"/>
   </p:notesMasterIdLst>
   <p:handoutMasterIdLst>
-    <p:handoutMasterId r:id="rId9"/>
+    <p:handoutMasterId r:id="rId18"/>
   </p:handoutMasterIdLst>
   <p:sldIdLst>
     <p:sldId id="256" r:id="rId5"/>
     <p:sldId id="257" r:id="rId6"/>
     <p:sldId id="258" r:id="rId7"/>
+    <p:sldId id="259" r:id="rId8"/>
+    <p:sldId id="260" r:id="rId9"/>
+    <p:sldId id="262" r:id="rId10"/>
+    <p:sldId id="263" r:id="rId11"/>
+    <p:sldId id="264" r:id="rId12"/>
+    <p:sldId id="261" r:id="rId13"/>
+    <p:sldId id="265" r:id="rId14"/>
+    <p:sldId id="266" r:id="rId15"/>
+    <p:sldId id="267" r:id="rId16"/>
   </p:sldIdLst>
   <p:sldSz cx="12192000" cy="6858000"/>
   <p:notesSz cx="6858000" cy="9144000"/>
@@ -115,7 +124,7 @@
   <p:extLst>
     <p:ext uri="{521415D9-36F7-43E2-AB2F-B90AF26B5E84}">
       <p14:sectionLst xmlns:p14="http://schemas.microsoft.com/office/powerpoint/2010/main">
-        <p14:section name="Standardabschnitt" id="{ECFF9C9A-C504-4FB5-8A71-1B05A6143824}">
+        <p14:section name="Einführung" id="{ECFF9C9A-C504-4FB5-8A71-1B05A6143824}">
           <p14:sldIdLst>
             <p14:sldId id="256"/>
           </p14:sldIdLst>
@@ -124,6 +133,23 @@
           <p14:sldIdLst>
             <p14:sldId id="257"/>
             <p14:sldId id="258"/>
+            <p14:sldId id="259"/>
+            <p14:sldId id="260"/>
+            <p14:sldId id="262"/>
+            <p14:sldId id="263"/>
+            <p14:sldId id="264"/>
+            <p14:sldId id="261"/>
+          </p14:sldIdLst>
+        </p14:section>
+        <p14:section name="Implementierung" id="{88767908-044F-4248-B69F-EC0FDF06219E}">
+          <p14:sldIdLst>
+            <p14:sldId id="265"/>
+            <p14:sldId id="266"/>
+          </p14:sldIdLst>
+        </p14:section>
+        <p14:section name="Schluss" id="{319DF366-DB69-41E0-BF52-4BD5F2D0727C}">
+          <p14:sldIdLst>
+            <p14:sldId id="267"/>
           </p14:sldIdLst>
         </p14:section>
       </p14:sectionLst>
@@ -147,6 +173,12 @@
     </p:ext>
   </p:extLst>
 </p:presentation>
+</file>
+
+<file path=ppt/commentAuthors.xml><?xml version="1.0" encoding="utf-8"?>
+<p:cmAuthorLst xmlns:a="http://schemas.openxmlformats.org/drawingml/2006/main" xmlns:r="http://schemas.openxmlformats.org/officeDocument/2006/relationships" xmlns:p="http://schemas.openxmlformats.org/presentationml/2006/main">
+  <p:cmAuthor id="2" name="Autor" initials="A" lastIdx="0" clrIdx="1"/>
+</p:cmAuthorLst>
 </file>
 
 <file path=ppt/handoutMasters/handoutMaster1.xml><?xml version="1.0" encoding="utf-8"?>
@@ -5143,7 +5175,7 @@
         </p:blipFill>
         <p:spPr>
           <a:xfrm>
-            <a:off x="6981063" y="1310656"/>
+            <a:off x="6589178" y="1297637"/>
             <a:ext cx="5210937" cy="4208604"/>
           </a:xfrm>
           <a:noFill/>
@@ -5153,6 +5185,295 @@
     <p:extLst>
       <p:ext uri="{BB962C8B-B14F-4D97-AF65-F5344CB8AC3E}">
         <p14:creationId xmlns:p14="http://schemas.microsoft.com/office/powerpoint/2010/main" val="1652133998"/>
+      </p:ext>
+    </p:extLst>
+  </p:cSld>
+  <p:clrMapOvr>
+    <a:masterClrMapping/>
+  </p:clrMapOvr>
+  <mc:AlternateContent xmlns:mc="http://schemas.openxmlformats.org/markup-compatibility/2006" xmlns:p14="http://schemas.microsoft.com/office/powerpoint/2010/main">
+    <mc:Choice Requires="p14">
+      <p:transition spd="med" p14:dur="700">
+        <p:fade/>
+      </p:transition>
+    </mc:Choice>
+    <mc:Fallback xmlns="">
+      <p:transition spd="med">
+        <p:fade/>
+      </p:transition>
+    </mc:Fallback>
+  </mc:AlternateContent>
+</p:sld>
+</file>
+
+<file path=ppt/slides/slide10.xml><?xml version="1.0" encoding="utf-8"?>
+<p:sld xmlns:a="http://schemas.openxmlformats.org/drawingml/2006/main" xmlns:r="http://schemas.openxmlformats.org/officeDocument/2006/relationships" xmlns:p="http://schemas.openxmlformats.org/presentationml/2006/main">
+  <p:cSld>
+    <p:spTree>
+      <p:nvGrpSpPr>
+        <p:cNvPr id="1" name=""/>
+        <p:cNvGrpSpPr/>
+        <p:nvPr/>
+      </p:nvGrpSpPr>
+      <p:grpSpPr>
+        <a:xfrm>
+          <a:off x="0" y="0"/>
+          <a:ext cx="0" cy="0"/>
+          <a:chOff x="0" y="0"/>
+          <a:chExt cx="0" cy="0"/>
+        </a:xfrm>
+      </p:grpSpPr>
+      <p:sp>
+        <p:nvSpPr>
+          <p:cNvPr id="5" name="Titel 4">
+            <a:extLst>
+              <a:ext uri="{FF2B5EF4-FFF2-40B4-BE49-F238E27FC236}">
+                <a16:creationId xmlns:a16="http://schemas.microsoft.com/office/drawing/2014/main" id="{5AFC45A6-2A7B-4344-B4C0-77E1C787D3B3}"/>
+              </a:ext>
+            </a:extLst>
+          </p:cNvPr>
+          <p:cNvSpPr>
+            <a:spLocks noGrp="1"/>
+          </p:cNvSpPr>
+          <p:nvPr>
+            <p:ph type="title"/>
+          </p:nvPr>
+        </p:nvSpPr>
+        <p:spPr/>
+        <p:txBody>
+          <a:bodyPr/>
+          <a:lstStyle/>
+          <a:p>
+            <a:r>
+              <a:rPr lang="de-DE" dirty="0"/>
+              <a:t>2. Implementierung </a:t>
+            </a:r>
+          </a:p>
+        </p:txBody>
+      </p:sp>
+      <p:sp>
+        <p:nvSpPr>
+          <p:cNvPr id="6" name="Textplatzhalter 5">
+            <a:extLst>
+              <a:ext uri="{FF2B5EF4-FFF2-40B4-BE49-F238E27FC236}">
+                <a16:creationId xmlns:a16="http://schemas.microsoft.com/office/drawing/2014/main" id="{2A6F9484-E6AE-463A-98DC-426D1817A005}"/>
+              </a:ext>
+            </a:extLst>
+          </p:cNvPr>
+          <p:cNvSpPr>
+            <a:spLocks noGrp="1"/>
+          </p:cNvSpPr>
+          <p:nvPr>
+            <p:ph type="body" idx="1"/>
+          </p:nvPr>
+        </p:nvSpPr>
+        <p:spPr/>
+        <p:txBody>
+          <a:bodyPr/>
+          <a:lstStyle/>
+          <a:p>
+            <a:endParaRPr lang="de-DE"/>
+          </a:p>
+        </p:txBody>
+      </p:sp>
+    </p:spTree>
+    <p:extLst>
+      <p:ext uri="{BB962C8B-B14F-4D97-AF65-F5344CB8AC3E}">
+        <p14:creationId xmlns:p14="http://schemas.microsoft.com/office/powerpoint/2010/main" val="965818194"/>
+      </p:ext>
+    </p:extLst>
+  </p:cSld>
+  <p:clrMapOvr>
+    <a:masterClrMapping/>
+  </p:clrMapOvr>
+  <mc:AlternateContent xmlns:mc="http://schemas.openxmlformats.org/markup-compatibility/2006" xmlns:p14="http://schemas.microsoft.com/office/powerpoint/2010/main">
+    <mc:Choice Requires="p14">
+      <p:transition spd="med" p14:dur="700">
+        <p:fade/>
+      </p:transition>
+    </mc:Choice>
+    <mc:Fallback xmlns="">
+      <p:transition spd="med">
+        <p:fade/>
+      </p:transition>
+    </mc:Fallback>
+  </mc:AlternateContent>
+</p:sld>
+</file>
+
+<file path=ppt/slides/slide11.xml><?xml version="1.0" encoding="utf-8"?>
+<p:sld xmlns:a="http://schemas.openxmlformats.org/drawingml/2006/main" xmlns:r="http://schemas.openxmlformats.org/officeDocument/2006/relationships" xmlns:p="http://schemas.openxmlformats.org/presentationml/2006/main">
+  <p:cSld>
+    <p:spTree>
+      <p:nvGrpSpPr>
+        <p:cNvPr id="1" name=""/>
+        <p:cNvGrpSpPr/>
+        <p:nvPr/>
+      </p:nvGrpSpPr>
+      <p:grpSpPr>
+        <a:xfrm>
+          <a:off x="0" y="0"/>
+          <a:ext cx="0" cy="0"/>
+          <a:chOff x="0" y="0"/>
+          <a:chExt cx="0" cy="0"/>
+        </a:xfrm>
+      </p:grpSpPr>
+      <p:pic>
+        <p:nvPicPr>
+          <p:cNvPr id="7" name="Grafik 6" descr="Ein Bild, das Screenshot enthält.&#10;&#10;Automatisch generierte Beschreibung">
+            <a:extLst>
+              <a:ext uri="{FF2B5EF4-FFF2-40B4-BE49-F238E27FC236}">
+                <a16:creationId xmlns:a16="http://schemas.microsoft.com/office/drawing/2014/main" id="{FDE25392-7EDA-4762-8BBC-2995D70B868A}"/>
+              </a:ext>
+            </a:extLst>
+          </p:cNvPr>
+          <p:cNvPicPr>
+            <a:picLocks noChangeAspect="1"/>
+          </p:cNvPicPr>
+          <p:nvPr/>
+        </p:nvPicPr>
+        <p:blipFill>
+          <a:blip r:embed="rId2">
+            <a:extLst>
+              <a:ext uri="{28A0092B-C50C-407E-A947-70E740481C1C}">
+                <a14:useLocalDpi xmlns:a14="http://schemas.microsoft.com/office/drawing/2010/main" val="0"/>
+              </a:ext>
+            </a:extLst>
+          </a:blip>
+          <a:stretch>
+            <a:fillRect/>
+          </a:stretch>
+        </p:blipFill>
+        <p:spPr>
+          <a:xfrm>
+            <a:off x="0" y="0"/>
+            <a:ext cx="12192000" cy="6858000"/>
+          </a:xfrm>
+          <a:prstGeom prst="rect">
+            <a:avLst/>
+          </a:prstGeom>
+        </p:spPr>
+      </p:pic>
+    </p:spTree>
+    <p:extLst>
+      <p:ext uri="{BB962C8B-B14F-4D97-AF65-F5344CB8AC3E}">
+        <p14:creationId xmlns:p14="http://schemas.microsoft.com/office/powerpoint/2010/main" val="1391829696"/>
+      </p:ext>
+    </p:extLst>
+  </p:cSld>
+  <p:clrMapOvr>
+    <a:masterClrMapping/>
+  </p:clrMapOvr>
+  <mc:AlternateContent xmlns:mc="http://schemas.openxmlformats.org/markup-compatibility/2006" xmlns:p14="http://schemas.microsoft.com/office/powerpoint/2010/main">
+    <mc:Choice Requires="p14">
+      <p:transition spd="med" p14:dur="700">
+        <p:fade/>
+      </p:transition>
+    </mc:Choice>
+    <mc:Fallback xmlns="">
+      <p:transition spd="med">
+        <p:fade/>
+      </p:transition>
+    </mc:Fallback>
+  </mc:AlternateContent>
+</p:sld>
+</file>
+
+<file path=ppt/slides/slide12.xml><?xml version="1.0" encoding="utf-8"?>
+<p:sld xmlns:a="http://schemas.openxmlformats.org/drawingml/2006/main" xmlns:r="http://schemas.openxmlformats.org/officeDocument/2006/relationships" xmlns:p="http://schemas.openxmlformats.org/presentationml/2006/main">
+  <p:cSld>
+    <p:spTree>
+      <p:nvGrpSpPr>
+        <p:cNvPr id="1" name=""/>
+        <p:cNvGrpSpPr/>
+        <p:nvPr/>
+      </p:nvGrpSpPr>
+      <p:grpSpPr>
+        <a:xfrm>
+          <a:off x="0" y="0"/>
+          <a:ext cx="0" cy="0"/>
+          <a:chOff x="0" y="0"/>
+          <a:chExt cx="0" cy="0"/>
+        </a:xfrm>
+      </p:grpSpPr>
+      <p:sp>
+        <p:nvSpPr>
+          <p:cNvPr id="2" name="Titel 1">
+            <a:extLst>
+              <a:ext uri="{FF2B5EF4-FFF2-40B4-BE49-F238E27FC236}">
+                <a16:creationId xmlns:a16="http://schemas.microsoft.com/office/drawing/2014/main" id="{70C4B581-C6D5-4C8E-A713-1B1B34F09496}"/>
+              </a:ext>
+            </a:extLst>
+          </p:cNvPr>
+          <p:cNvSpPr>
+            <a:spLocks noGrp="1"/>
+          </p:cNvSpPr>
+          <p:nvPr>
+            <p:ph type="ctrTitle"/>
+          </p:nvPr>
+        </p:nvSpPr>
+        <p:spPr/>
+        <p:txBody>
+          <a:bodyPr/>
+          <a:lstStyle/>
+          <a:p>
+            <a:r>
+              <a:rPr lang="de-DE" dirty="0"/>
+              <a:t>Viel Erfolg bei der Klausur! </a:t>
+            </a:r>
+          </a:p>
+        </p:txBody>
+      </p:sp>
+      <p:sp>
+        <p:nvSpPr>
+          <p:cNvPr id="3" name="Untertitel 2">
+            <a:extLst>
+              <a:ext uri="{FF2B5EF4-FFF2-40B4-BE49-F238E27FC236}">
+                <a16:creationId xmlns:a16="http://schemas.microsoft.com/office/drawing/2014/main" id="{330DBC3C-578E-447F-B3A5-791FB8B91E27}"/>
+              </a:ext>
+            </a:extLst>
+          </p:cNvPr>
+          <p:cNvSpPr>
+            <a:spLocks noGrp="1"/>
+          </p:cNvSpPr>
+          <p:nvPr>
+            <p:ph type="subTitle" idx="1"/>
+          </p:nvPr>
+        </p:nvSpPr>
+        <p:spPr/>
+        <p:txBody>
+          <a:bodyPr>
+            <a:normAutofit/>
+          </a:bodyPr>
+          <a:lstStyle/>
+          <a:p>
+            <a:r>
+              <a:rPr lang="de-DE" dirty="0"/>
+              <a:t>Alle Unterlagen: </a:t>
+            </a:r>
+            <a:r>
+              <a:rPr lang="de-DE" dirty="0">
+                <a:hlinkClick r:id="rId2"/>
+              </a:rPr>
+              <a:t>https://github.com/Bennet303/BinarySearchTree</a:t>
+            </a:r>
+            <a:endParaRPr lang="de-DE" dirty="0"/>
+          </a:p>
+          <a:p>
+            <a:endParaRPr lang="de-DE" dirty="0"/>
+          </a:p>
+          <a:p>
+            <a:r>
+              <a:rPr lang="de-DE" dirty="0"/>
+              <a:t>Quelle: ETH Zürich – Leitprogramm zu Binären Suchbäumen</a:t>
+            </a:r>
+          </a:p>
+        </p:txBody>
+      </p:sp>
+    </p:spTree>
+    <p:extLst>
+      <p:ext uri="{BB962C8B-B14F-4D97-AF65-F5344CB8AC3E}">
+        <p14:creationId xmlns:p14="http://schemas.microsoft.com/office/powerpoint/2010/main" val="1468698160"/>
       </p:ext>
     </p:extLst>
   </p:cSld>
@@ -5309,61 +5630,220 @@
           <a:p>
             <a:r>
               <a:rPr lang="de-DE" dirty="0"/>
-              <a:t>Binäre Bäume - Aufbau</a:t>
+              <a:t>Binäre Bäume – Aufbau</a:t>
             </a:r>
           </a:p>
         </p:txBody>
       </p:sp>
-      <p:sp>
-        <p:nvSpPr>
-          <p:cNvPr id="5" name="Inhaltsplatzhalter 4">
+      <p:pic>
+        <p:nvPicPr>
+          <p:cNvPr id="25" name="Inhaltsplatzhalter 24">
             <a:extLst>
               <a:ext uri="{FF2B5EF4-FFF2-40B4-BE49-F238E27FC236}">
-                <a16:creationId xmlns:a16="http://schemas.microsoft.com/office/drawing/2014/main" id="{80747BAF-115C-4EBD-8C06-BDD7ED1F867B}"/>
+                <a16:creationId xmlns:a16="http://schemas.microsoft.com/office/drawing/2014/main" id="{3AAB35CE-0C20-48E7-857D-3431E381AF97}"/>
               </a:ext>
             </a:extLst>
           </p:cNvPr>
-          <p:cNvSpPr>
-            <a:spLocks noGrp="1"/>
-          </p:cNvSpPr>
+          <p:cNvPicPr>
+            <a:picLocks noGrp="1" noChangeAspect="1"/>
+          </p:cNvPicPr>
           <p:nvPr>
-            <p:ph sz="half" idx="1"/>
+            <p:ph idx="1"/>
           </p:nvPr>
-        </p:nvSpPr>
-        <p:spPr/>
-        <p:txBody>
-          <a:bodyPr/>
-          <a:lstStyle/>
-          <a:p>
-            <a:endParaRPr lang="de-DE"/>
-          </a:p>
-        </p:txBody>
-      </p:sp>
-      <p:sp>
-        <p:nvSpPr>
-          <p:cNvPr id="6" name="Inhaltsplatzhalter 5">
+        </p:nvPicPr>
+        <p:blipFill rotWithShape="1">
+          <a:blip r:embed="rId2">
+            <a:extLst>
+              <a:ext uri="{28A0092B-C50C-407E-A947-70E740481C1C}">
+                <a14:useLocalDpi xmlns:a14="http://schemas.microsoft.com/office/drawing/2010/main" val="0"/>
+              </a:ext>
+            </a:extLst>
+          </a:blip>
+          <a:srcRect r="31700"/>
+          <a:stretch/>
+        </p:blipFill>
+        <p:spPr>
+          <a:xfrm>
+            <a:off x="3194066" y="1628192"/>
+            <a:ext cx="5803869" cy="4572000"/>
+          </a:xfrm>
+        </p:spPr>
+      </p:pic>
+      <p:pic>
+        <p:nvPicPr>
+          <p:cNvPr id="27" name="Grafik 26">
             <a:extLst>
               <a:ext uri="{FF2B5EF4-FFF2-40B4-BE49-F238E27FC236}">
-                <a16:creationId xmlns:a16="http://schemas.microsoft.com/office/drawing/2014/main" id="{1E9CECBD-E24D-404E-BD01-4B75B6558616}"/>
+                <a16:creationId xmlns:a16="http://schemas.microsoft.com/office/drawing/2014/main" id="{FC65FBB6-6604-43C6-90E4-E5C9FE18EBD8}"/>
               </a:ext>
             </a:extLst>
           </p:cNvPr>
-          <p:cNvSpPr>
-            <a:spLocks noGrp="1"/>
-          </p:cNvSpPr>
-          <p:nvPr>
-            <p:ph sz="half" idx="2"/>
-          </p:nvPr>
-        </p:nvSpPr>
-        <p:spPr/>
-        <p:txBody>
-          <a:bodyPr/>
-          <a:lstStyle/>
-          <a:p>
-            <a:endParaRPr lang="de-DE"/>
-          </a:p>
-        </p:txBody>
-      </p:sp>
+          <p:cNvPicPr>
+            <a:picLocks noChangeAspect="1"/>
+          </p:cNvPicPr>
+          <p:nvPr/>
+        </p:nvPicPr>
+        <p:blipFill rotWithShape="1">
+          <a:blip r:embed="rId3">
+            <a:extLst>
+              <a:ext uri="{28A0092B-C50C-407E-A947-70E740481C1C}">
+                <a14:useLocalDpi xmlns:a14="http://schemas.microsoft.com/office/drawing/2010/main" val="0"/>
+              </a:ext>
+            </a:extLst>
+          </a:blip>
+          <a:srcRect l="8170" t="53811" r="44157"/>
+          <a:stretch/>
+        </p:blipFill>
+        <p:spPr>
+          <a:xfrm>
+            <a:off x="3836021" y="4437303"/>
+            <a:ext cx="3591146" cy="1872018"/>
+          </a:xfrm>
+          <a:prstGeom prst="rect">
+            <a:avLst/>
+          </a:prstGeom>
+        </p:spPr>
+      </p:pic>
+      <p:pic>
+        <p:nvPicPr>
+          <p:cNvPr id="29" name="Grafik 28">
+            <a:extLst>
+              <a:ext uri="{FF2B5EF4-FFF2-40B4-BE49-F238E27FC236}">
+                <a16:creationId xmlns:a16="http://schemas.microsoft.com/office/drawing/2014/main" id="{C1D3ADCD-A7D7-47DD-9C66-62F6976BD67A}"/>
+              </a:ext>
+            </a:extLst>
+          </p:cNvPr>
+          <p:cNvPicPr>
+            <a:picLocks noChangeAspect="1"/>
+          </p:cNvPicPr>
+          <p:nvPr/>
+        </p:nvPicPr>
+        <p:blipFill rotWithShape="1">
+          <a:blip r:embed="rId4">
+            <a:extLst>
+              <a:ext uri="{28A0092B-C50C-407E-A947-70E740481C1C}">
+                <a14:useLocalDpi xmlns:a14="http://schemas.microsoft.com/office/drawing/2010/main" val="0"/>
+              </a:ext>
+            </a:extLst>
+          </a:blip>
+          <a:srcRect l="34703" b="45494"/>
+          <a:stretch/>
+        </p:blipFill>
+        <p:spPr>
+          <a:xfrm>
+            <a:off x="6428791" y="1603407"/>
+            <a:ext cx="5010093" cy="2250136"/>
+          </a:xfrm>
+          <a:prstGeom prst="rect">
+            <a:avLst/>
+          </a:prstGeom>
+        </p:spPr>
+      </p:pic>
+      <p:pic>
+        <p:nvPicPr>
+          <p:cNvPr id="33" name="Grafik 32">
+            <a:extLst>
+              <a:ext uri="{FF2B5EF4-FFF2-40B4-BE49-F238E27FC236}">
+                <a16:creationId xmlns:a16="http://schemas.microsoft.com/office/drawing/2014/main" id="{C39AD338-DAF0-439C-A9CD-13050295A423}"/>
+              </a:ext>
+            </a:extLst>
+          </p:cNvPr>
+          <p:cNvPicPr>
+            <a:picLocks noChangeAspect="1"/>
+          </p:cNvPicPr>
+          <p:nvPr/>
+        </p:nvPicPr>
+        <p:blipFill rotWithShape="1">
+          <a:blip r:embed="rId5">
+            <a:extLst>
+              <a:ext uri="{28A0092B-C50C-407E-A947-70E740481C1C}">
+                <a14:useLocalDpi xmlns:a14="http://schemas.microsoft.com/office/drawing/2010/main" val="0"/>
+              </a:ext>
+            </a:extLst>
+          </a:blip>
+          <a:srcRect l="60259" t="42764" b="10618"/>
+          <a:stretch/>
+        </p:blipFill>
+        <p:spPr>
+          <a:xfrm>
+            <a:off x="7576457" y="3788229"/>
+            <a:ext cx="3591146" cy="1922106"/>
+          </a:xfrm>
+          <a:prstGeom prst="rect">
+            <a:avLst/>
+          </a:prstGeom>
+        </p:spPr>
+      </p:pic>
+      <p:pic>
+        <p:nvPicPr>
+          <p:cNvPr id="35" name="Grafik 34">
+            <a:extLst>
+              <a:ext uri="{FF2B5EF4-FFF2-40B4-BE49-F238E27FC236}">
+                <a16:creationId xmlns:a16="http://schemas.microsoft.com/office/drawing/2014/main" id="{FB4504CB-1C2C-49D5-804F-1FD2B83FB039}"/>
+              </a:ext>
+            </a:extLst>
+          </p:cNvPr>
+          <p:cNvPicPr>
+            <a:picLocks noChangeAspect="1"/>
+          </p:cNvPicPr>
+          <p:nvPr/>
+        </p:nvPicPr>
+        <p:blipFill rotWithShape="1">
+          <a:blip r:embed="rId6">
+            <a:extLst>
+              <a:ext uri="{28A0092B-C50C-407E-A947-70E740481C1C}">
+                <a14:useLocalDpi xmlns:a14="http://schemas.microsoft.com/office/drawing/2010/main" val="0"/>
+              </a:ext>
+            </a:extLst>
+          </a:blip>
+          <a:srcRect r="52590" b="68092"/>
+          <a:stretch/>
+        </p:blipFill>
+        <p:spPr>
+          <a:xfrm>
+            <a:off x="1630147" y="1678213"/>
+            <a:ext cx="4150737" cy="1274664"/>
+          </a:xfrm>
+          <a:prstGeom prst="rect">
+            <a:avLst/>
+          </a:prstGeom>
+        </p:spPr>
+      </p:pic>
+      <p:pic>
+        <p:nvPicPr>
+          <p:cNvPr id="39" name="Grafik 38">
+            <a:extLst>
+              <a:ext uri="{FF2B5EF4-FFF2-40B4-BE49-F238E27FC236}">
+                <a16:creationId xmlns:a16="http://schemas.microsoft.com/office/drawing/2014/main" id="{AFD62A06-8FC9-44BD-8AA2-492A7582DEB8}"/>
+              </a:ext>
+            </a:extLst>
+          </p:cNvPr>
+          <p:cNvPicPr>
+            <a:picLocks noChangeAspect="1"/>
+          </p:cNvPicPr>
+          <p:nvPr/>
+        </p:nvPicPr>
+        <p:blipFill rotWithShape="1">
+          <a:blip r:embed="rId7">
+            <a:extLst>
+              <a:ext uri="{28A0092B-C50C-407E-A947-70E740481C1C}">
+                <a14:useLocalDpi xmlns:a14="http://schemas.microsoft.com/office/drawing/2010/main" val="0"/>
+              </a:ext>
+            </a:extLst>
+          </a:blip>
+          <a:srcRect l="7499" r="53255" b="50327"/>
+          <a:stretch/>
+        </p:blipFill>
+        <p:spPr>
+          <a:xfrm>
+            <a:off x="4245428" y="3171135"/>
+            <a:ext cx="3563058" cy="2057705"/>
+          </a:xfrm>
+          <a:prstGeom prst="rect">
+            <a:avLst/>
+          </a:prstGeom>
+        </p:spPr>
+      </p:pic>
     </p:spTree>
     <p:extLst>
       <p:ext uri="{BB962C8B-B14F-4D97-AF65-F5344CB8AC3E}">
@@ -5386,6 +5866,5713 @@
       </p:transition>
     </mc:Fallback>
   </mc:AlternateContent>
+  <p:timing>
+    <p:tnLst>
+      <p:par>
+        <p:cTn id="1" dur="indefinite" restart="never" nodeType="tmRoot">
+          <p:childTnLst>
+            <p:seq concurrent="1" nextAc="seek">
+              <p:cTn id="2" dur="indefinite" nodeType="mainSeq">
+                <p:childTnLst>
+                  <p:par>
+                    <p:cTn id="3" fill="hold">
+                      <p:stCondLst>
+                        <p:cond delay="indefinite"/>
+                      </p:stCondLst>
+                      <p:childTnLst>
+                        <p:par>
+                          <p:cTn id="4" fill="hold">
+                            <p:stCondLst>
+                              <p:cond delay="0"/>
+                            </p:stCondLst>
+                            <p:childTnLst>
+                              <p:par>
+                                <p:cTn id="5" presetID="1" presetClass="entr" presetSubtype="0" fill="hold" nodeType="clickEffect">
+                                  <p:stCondLst>
+                                    <p:cond delay="0"/>
+                                  </p:stCondLst>
+                                  <p:childTnLst>
+                                    <p:set>
+                                      <p:cBhvr>
+                                        <p:cTn id="6" dur="1" fill="hold">
+                                          <p:stCondLst>
+                                            <p:cond delay="0"/>
+                                          </p:stCondLst>
+                                        </p:cTn>
+                                        <p:tgtEl>
+                                          <p:spTgt spid="33"/>
+                                        </p:tgtEl>
+                                        <p:attrNameLst>
+                                          <p:attrName>style.visibility</p:attrName>
+                                        </p:attrNameLst>
+                                      </p:cBhvr>
+                                      <p:to>
+                                        <p:strVal val="visible"/>
+                                      </p:to>
+                                    </p:set>
+                                  </p:childTnLst>
+                                </p:cTn>
+                              </p:par>
+                            </p:childTnLst>
+                          </p:cTn>
+                        </p:par>
+                      </p:childTnLst>
+                    </p:cTn>
+                  </p:par>
+                  <p:par>
+                    <p:cTn id="7" fill="hold">
+                      <p:stCondLst>
+                        <p:cond delay="indefinite"/>
+                      </p:stCondLst>
+                      <p:childTnLst>
+                        <p:par>
+                          <p:cTn id="8" fill="hold">
+                            <p:stCondLst>
+                              <p:cond delay="0"/>
+                            </p:stCondLst>
+                            <p:childTnLst>
+                              <p:par>
+                                <p:cTn id="9" presetID="1" presetClass="entr" presetSubtype="0" fill="hold" nodeType="clickEffect">
+                                  <p:stCondLst>
+                                    <p:cond delay="0"/>
+                                  </p:stCondLst>
+                                  <p:childTnLst>
+                                    <p:set>
+                                      <p:cBhvr>
+                                        <p:cTn id="10" dur="1" fill="hold">
+                                          <p:stCondLst>
+                                            <p:cond delay="0"/>
+                                          </p:stCondLst>
+                                        </p:cTn>
+                                        <p:tgtEl>
+                                          <p:spTgt spid="39"/>
+                                        </p:tgtEl>
+                                        <p:attrNameLst>
+                                          <p:attrName>style.visibility</p:attrName>
+                                        </p:attrNameLst>
+                                      </p:cBhvr>
+                                      <p:to>
+                                        <p:strVal val="visible"/>
+                                      </p:to>
+                                    </p:set>
+                                  </p:childTnLst>
+                                </p:cTn>
+                              </p:par>
+                            </p:childTnLst>
+                          </p:cTn>
+                        </p:par>
+                      </p:childTnLst>
+                    </p:cTn>
+                  </p:par>
+                  <p:par>
+                    <p:cTn id="11" fill="hold">
+                      <p:stCondLst>
+                        <p:cond delay="indefinite"/>
+                      </p:stCondLst>
+                      <p:childTnLst>
+                        <p:par>
+                          <p:cTn id="12" fill="hold">
+                            <p:stCondLst>
+                              <p:cond delay="0"/>
+                            </p:stCondLst>
+                            <p:childTnLst>
+                              <p:par>
+                                <p:cTn id="13" presetID="1" presetClass="entr" presetSubtype="0" fill="hold" nodeType="clickEffect">
+                                  <p:stCondLst>
+                                    <p:cond delay="0"/>
+                                  </p:stCondLst>
+                                  <p:childTnLst>
+                                    <p:set>
+                                      <p:cBhvr>
+                                        <p:cTn id="14" dur="1" fill="hold">
+                                          <p:stCondLst>
+                                            <p:cond delay="0"/>
+                                          </p:stCondLst>
+                                        </p:cTn>
+                                        <p:tgtEl>
+                                          <p:spTgt spid="35"/>
+                                        </p:tgtEl>
+                                        <p:attrNameLst>
+                                          <p:attrName>style.visibility</p:attrName>
+                                        </p:attrNameLst>
+                                      </p:cBhvr>
+                                      <p:to>
+                                        <p:strVal val="visible"/>
+                                      </p:to>
+                                    </p:set>
+                                  </p:childTnLst>
+                                </p:cTn>
+                              </p:par>
+                            </p:childTnLst>
+                          </p:cTn>
+                        </p:par>
+                      </p:childTnLst>
+                    </p:cTn>
+                  </p:par>
+                  <p:par>
+                    <p:cTn id="15" fill="hold">
+                      <p:stCondLst>
+                        <p:cond delay="indefinite"/>
+                      </p:stCondLst>
+                      <p:childTnLst>
+                        <p:par>
+                          <p:cTn id="16" fill="hold">
+                            <p:stCondLst>
+                              <p:cond delay="0"/>
+                            </p:stCondLst>
+                            <p:childTnLst>
+                              <p:par>
+                                <p:cTn id="17" presetID="1" presetClass="entr" presetSubtype="0" fill="hold" nodeType="clickEffect">
+                                  <p:stCondLst>
+                                    <p:cond delay="0"/>
+                                  </p:stCondLst>
+                                  <p:childTnLst>
+                                    <p:set>
+                                      <p:cBhvr>
+                                        <p:cTn id="18" dur="1" fill="hold">
+                                          <p:stCondLst>
+                                            <p:cond delay="0"/>
+                                          </p:stCondLst>
+                                        </p:cTn>
+                                        <p:tgtEl>
+                                          <p:spTgt spid="27"/>
+                                        </p:tgtEl>
+                                        <p:attrNameLst>
+                                          <p:attrName>style.visibility</p:attrName>
+                                        </p:attrNameLst>
+                                      </p:cBhvr>
+                                      <p:to>
+                                        <p:strVal val="visible"/>
+                                      </p:to>
+                                    </p:set>
+                                  </p:childTnLst>
+                                </p:cTn>
+                              </p:par>
+                            </p:childTnLst>
+                          </p:cTn>
+                        </p:par>
+                      </p:childTnLst>
+                    </p:cTn>
+                  </p:par>
+                  <p:par>
+                    <p:cTn id="19" fill="hold">
+                      <p:stCondLst>
+                        <p:cond delay="indefinite"/>
+                      </p:stCondLst>
+                      <p:childTnLst>
+                        <p:par>
+                          <p:cTn id="20" fill="hold">
+                            <p:stCondLst>
+                              <p:cond delay="0"/>
+                            </p:stCondLst>
+                            <p:childTnLst>
+                              <p:par>
+                                <p:cTn id="21" presetID="1" presetClass="entr" presetSubtype="0" fill="hold" nodeType="clickEffect">
+                                  <p:stCondLst>
+                                    <p:cond delay="0"/>
+                                  </p:stCondLst>
+                                  <p:childTnLst>
+                                    <p:set>
+                                      <p:cBhvr>
+                                        <p:cTn id="22" dur="1" fill="hold">
+                                          <p:stCondLst>
+                                            <p:cond delay="0"/>
+                                          </p:stCondLst>
+                                        </p:cTn>
+                                        <p:tgtEl>
+                                          <p:spTgt spid="29"/>
+                                        </p:tgtEl>
+                                        <p:attrNameLst>
+                                          <p:attrName>style.visibility</p:attrName>
+                                        </p:attrNameLst>
+                                      </p:cBhvr>
+                                      <p:to>
+                                        <p:strVal val="visible"/>
+                                      </p:to>
+                                    </p:set>
+                                  </p:childTnLst>
+                                </p:cTn>
+                              </p:par>
+                            </p:childTnLst>
+                          </p:cTn>
+                        </p:par>
+                      </p:childTnLst>
+                    </p:cTn>
+                  </p:par>
+                </p:childTnLst>
+              </p:cTn>
+              <p:prevCondLst>
+                <p:cond evt="onPrev" delay="0">
+                  <p:tgtEl>
+                    <p:sldTgt/>
+                  </p:tgtEl>
+                </p:cond>
+              </p:prevCondLst>
+              <p:nextCondLst>
+                <p:cond evt="onNext" delay="0">
+                  <p:tgtEl>
+                    <p:sldTgt/>
+                  </p:tgtEl>
+                </p:cond>
+              </p:nextCondLst>
+            </p:seq>
+          </p:childTnLst>
+        </p:cTn>
+      </p:par>
+    </p:tnLst>
+  </p:timing>
+</p:sld>
+</file>
+
+<file path=ppt/slides/slide4.xml><?xml version="1.0" encoding="utf-8"?>
+<p:sld xmlns:a="http://schemas.openxmlformats.org/drawingml/2006/main" xmlns:r="http://schemas.openxmlformats.org/officeDocument/2006/relationships" xmlns:p="http://schemas.openxmlformats.org/presentationml/2006/main">
+  <p:cSld>
+    <p:spTree>
+      <p:nvGrpSpPr>
+        <p:cNvPr id="1" name=""/>
+        <p:cNvGrpSpPr/>
+        <p:nvPr/>
+      </p:nvGrpSpPr>
+      <p:grpSpPr>
+        <a:xfrm>
+          <a:off x="0" y="0"/>
+          <a:ext cx="0" cy="0"/>
+          <a:chOff x="0" y="0"/>
+          <a:chExt cx="0" cy="0"/>
+        </a:xfrm>
+      </p:grpSpPr>
+      <p:sp>
+        <p:nvSpPr>
+          <p:cNvPr id="2" name="Titel 1">
+            <a:extLst>
+              <a:ext uri="{FF2B5EF4-FFF2-40B4-BE49-F238E27FC236}">
+                <a16:creationId xmlns:a16="http://schemas.microsoft.com/office/drawing/2014/main" id="{B32C2347-7BD6-494B-8CC8-F6E773AE53D1}"/>
+              </a:ext>
+            </a:extLst>
+          </p:cNvPr>
+          <p:cNvSpPr>
+            <a:spLocks noGrp="1"/>
+          </p:cNvSpPr>
+          <p:nvPr>
+            <p:ph type="title"/>
+          </p:nvPr>
+        </p:nvSpPr>
+        <p:spPr/>
+        <p:txBody>
+          <a:bodyPr>
+            <a:normAutofit/>
+          </a:bodyPr>
+          <a:lstStyle/>
+          <a:p>
+            <a:r>
+              <a:rPr lang="de-DE" sz="2800" dirty="0"/>
+              <a:t>Binäre Bäume – Eigenschaften </a:t>
+            </a:r>
+          </a:p>
+        </p:txBody>
+      </p:sp>
+      <p:pic>
+        <p:nvPicPr>
+          <p:cNvPr id="11" name="Inhaltsplatzhalter 10">
+            <a:extLst>
+              <a:ext uri="{FF2B5EF4-FFF2-40B4-BE49-F238E27FC236}">
+                <a16:creationId xmlns:a16="http://schemas.microsoft.com/office/drawing/2014/main" id="{D9338157-7FB6-4BEA-B735-4695FDF227D0}"/>
+              </a:ext>
+            </a:extLst>
+          </p:cNvPr>
+          <p:cNvPicPr>
+            <a:picLocks noGrp="1" noChangeAspect="1"/>
+          </p:cNvPicPr>
+          <p:nvPr>
+            <p:ph idx="1"/>
+          </p:nvPr>
+        </p:nvPicPr>
+        <p:blipFill rotWithShape="1">
+          <a:blip r:embed="rId2">
+            <a:extLst>
+              <a:ext uri="{28A0092B-C50C-407E-A947-70E740481C1C}">
+                <a14:useLocalDpi xmlns:a14="http://schemas.microsoft.com/office/drawing/2010/main" val="0"/>
+              </a:ext>
+            </a:extLst>
+          </a:blip>
+          <a:srcRect l="45980" r="12209"/>
+          <a:stretch/>
+        </p:blipFill>
+        <p:spPr>
+          <a:xfrm>
+            <a:off x="6702554" y="2040714"/>
+            <a:ext cx="4078845" cy="3697611"/>
+          </a:xfrm>
+        </p:spPr>
+      </p:pic>
+      <p:sp>
+        <p:nvSpPr>
+          <p:cNvPr id="7" name="Textplatzhalter 6">
+            <a:extLst>
+              <a:ext uri="{FF2B5EF4-FFF2-40B4-BE49-F238E27FC236}">
+                <a16:creationId xmlns:a16="http://schemas.microsoft.com/office/drawing/2014/main" id="{F526D86F-35DC-4965-88EA-5C2700432B81}"/>
+              </a:ext>
+            </a:extLst>
+          </p:cNvPr>
+          <p:cNvSpPr>
+            <a:spLocks noGrp="1"/>
+          </p:cNvSpPr>
+          <p:nvPr>
+            <p:ph type="body" sz="half" idx="2"/>
+          </p:nvPr>
+        </p:nvSpPr>
+        <p:spPr/>
+        <p:txBody>
+          <a:bodyPr>
+            <a:normAutofit/>
+          </a:bodyPr>
+          <a:lstStyle/>
+          <a:p>
+            <a:r>
+              <a:rPr lang="de-DE" dirty="0"/>
+              <a:t>Knoten:</a:t>
+            </a:r>
+          </a:p>
+          <a:p>
+            <a:pPr marL="285750" indent="-285750">
+              <a:buFont typeface="Arial" panose="020B0604020202020204" pitchFamily="34" charset="0"/>
+              <a:buChar char="•"/>
+            </a:pPr>
+            <a:r>
+              <a:rPr lang="de-DE" dirty="0"/>
+              <a:t>Tiefe = Knoten auf dem Pfad zur Wurzel</a:t>
+            </a:r>
+          </a:p>
+          <a:p>
+            <a:pPr marL="285750" indent="-285750">
+              <a:buFont typeface="Arial" panose="020B0604020202020204" pitchFamily="34" charset="0"/>
+              <a:buChar char="•"/>
+            </a:pPr>
+            <a:r>
+              <a:rPr lang="de-DE" dirty="0"/>
+              <a:t>Grad = Anzahl Nachfolger</a:t>
+            </a:r>
+          </a:p>
+          <a:p>
+            <a:endParaRPr lang="de-DE" dirty="0"/>
+          </a:p>
+          <a:p>
+            <a:r>
+              <a:rPr lang="de-DE" dirty="0"/>
+              <a:t>Bäume:</a:t>
+            </a:r>
+          </a:p>
+          <a:p>
+            <a:pPr marL="285750" indent="-285750">
+              <a:buFont typeface="Arial" panose="020B0604020202020204" pitchFamily="34" charset="0"/>
+              <a:buChar char="•"/>
+            </a:pPr>
+            <a:r>
+              <a:rPr lang="de-DE" dirty="0"/>
+              <a:t>Höhe = höchste Tiefe eines Knotens</a:t>
+            </a:r>
+          </a:p>
+          <a:p>
+            <a:pPr marL="285750" indent="-285750">
+              <a:buFont typeface="Arial" panose="020B0604020202020204" pitchFamily="34" charset="0"/>
+              <a:buChar char="•"/>
+            </a:pPr>
+            <a:r>
+              <a:rPr lang="de-DE" dirty="0"/>
+              <a:t>Ordnung = max. Anzahl Nachfolger eines Knotens</a:t>
+            </a:r>
+          </a:p>
+          <a:p>
+            <a:pPr marL="285750" indent="-285750">
+              <a:buFont typeface="Arial" panose="020B0604020202020204" pitchFamily="34" charset="0"/>
+              <a:buChar char="•"/>
+            </a:pPr>
+            <a:r>
+              <a:rPr lang="de-DE" dirty="0"/>
+              <a:t>Ausgefüllt = Jeder innere Knoten hat max. Nachfolger</a:t>
+            </a:r>
+          </a:p>
+          <a:p>
+            <a:pPr marL="285750" indent="-285750">
+              <a:buFont typeface="Arial" panose="020B0604020202020204" pitchFamily="34" charset="0"/>
+              <a:buChar char="•"/>
+            </a:pPr>
+            <a:r>
+              <a:rPr lang="de-DE" dirty="0"/>
+              <a:t>Vollständig = Jedes Niveau hat max. Knoten</a:t>
+            </a:r>
+          </a:p>
+          <a:p>
+            <a:pPr marL="285750" indent="-285750">
+              <a:buFont typeface="Arial" panose="020B0604020202020204" pitchFamily="34" charset="0"/>
+              <a:buChar char="•"/>
+            </a:pPr>
+            <a:endParaRPr lang="de-DE" dirty="0"/>
+          </a:p>
+        </p:txBody>
+      </p:sp>
+      <p:grpSp>
+        <p:nvGrpSpPr>
+          <p:cNvPr id="15" name="Gruppieren 14">
+            <a:extLst>
+              <a:ext uri="{FF2B5EF4-FFF2-40B4-BE49-F238E27FC236}">
+                <a16:creationId xmlns:a16="http://schemas.microsoft.com/office/drawing/2014/main" id="{3B86E495-C5C0-415A-AC74-EAF3FCD23DC4}"/>
+              </a:ext>
+            </a:extLst>
+          </p:cNvPr>
+          <p:cNvGrpSpPr/>
+          <p:nvPr/>
+        </p:nvGrpSpPr>
+        <p:grpSpPr>
+          <a:xfrm>
+            <a:off x="6563182" y="2035543"/>
+            <a:ext cx="4904728" cy="4036115"/>
+            <a:chOff x="6571926" y="2027149"/>
+            <a:chExt cx="4904728" cy="4036115"/>
+          </a:xfrm>
+        </p:grpSpPr>
+        <p:pic>
+          <p:nvPicPr>
+            <p:cNvPr id="13" name="Grafik 12">
+              <a:extLst>
+                <a:ext uri="{FF2B5EF4-FFF2-40B4-BE49-F238E27FC236}">
+                  <a16:creationId xmlns:a16="http://schemas.microsoft.com/office/drawing/2014/main" id="{126A3736-00E8-4512-9C96-C59E683ED854}"/>
+                </a:ext>
+              </a:extLst>
+            </p:cNvPr>
+            <p:cNvPicPr>
+              <a:picLocks noChangeAspect="1"/>
+            </p:cNvPicPr>
+            <p:nvPr/>
+          </p:nvPicPr>
+          <p:blipFill rotWithShape="1">
+            <a:blip r:embed="rId3">
+              <a:extLst>
+                <a:ext uri="{28A0092B-C50C-407E-A947-70E740481C1C}">
+                  <a14:useLocalDpi xmlns:a14="http://schemas.microsoft.com/office/drawing/2010/main" val="0"/>
+                </a:ext>
+              </a:extLst>
+            </a:blip>
+            <a:srcRect r="50000"/>
+            <a:stretch/>
+          </p:blipFill>
+          <p:spPr>
+            <a:xfrm>
+              <a:off x="6571926" y="2027149"/>
+              <a:ext cx="4904728" cy="3718101"/>
+            </a:xfrm>
+            <a:prstGeom prst="rect">
+              <a:avLst/>
+            </a:prstGeom>
+          </p:spPr>
+        </p:pic>
+        <p:sp>
+          <p:nvSpPr>
+            <p:cNvPr id="14" name="Textfeld 13">
+              <a:extLst>
+                <a:ext uri="{FF2B5EF4-FFF2-40B4-BE49-F238E27FC236}">
+                  <a16:creationId xmlns:a16="http://schemas.microsoft.com/office/drawing/2014/main" id="{8CE3E64C-FD9F-4CCA-87BD-37D24F4D1C82}"/>
+                </a:ext>
+              </a:extLst>
+            </p:cNvPr>
+            <p:cNvSpPr txBox="1"/>
+            <p:nvPr/>
+          </p:nvSpPr>
+          <p:spPr>
+            <a:xfrm>
+              <a:off x="7103569" y="5693932"/>
+              <a:ext cx="3841441" cy="369332"/>
+            </a:xfrm>
+            <a:prstGeom prst="rect">
+              <a:avLst/>
+            </a:prstGeom>
+            <a:noFill/>
+          </p:spPr>
+          <p:txBody>
+            <a:bodyPr wrap="square" rtlCol="0">
+              <a:spAutoFit/>
+            </a:bodyPr>
+            <a:lstStyle/>
+            <a:p>
+              <a:r>
+                <a:rPr lang="de-DE" dirty="0"/>
+                <a:t>Ein vollständiger Baum 2. Ordnung</a:t>
+              </a:r>
+            </a:p>
+          </p:txBody>
+        </p:sp>
+      </p:grpSp>
+      <p:sp>
+        <p:nvSpPr>
+          <p:cNvPr id="16" name="Textfeld 15">
+            <a:extLst>
+              <a:ext uri="{FF2B5EF4-FFF2-40B4-BE49-F238E27FC236}">
+                <a16:creationId xmlns:a16="http://schemas.microsoft.com/office/drawing/2014/main" id="{0D4274D9-F8F5-4B05-9507-B6FFADE68B26}"/>
+              </a:ext>
+            </a:extLst>
+          </p:cNvPr>
+          <p:cNvSpPr txBox="1"/>
+          <p:nvPr/>
+        </p:nvSpPr>
+        <p:spPr>
+          <a:xfrm>
+            <a:off x="7088501" y="5702326"/>
+            <a:ext cx="3770332" cy="369332"/>
+          </a:xfrm>
+          <a:prstGeom prst="rect">
+            <a:avLst/>
+          </a:prstGeom>
+          <a:noFill/>
+        </p:spPr>
+        <p:txBody>
+          <a:bodyPr wrap="square" rtlCol="0">
+            <a:spAutoFit/>
+          </a:bodyPr>
+          <a:lstStyle/>
+          <a:p>
+            <a:r>
+              <a:rPr lang="de-DE" dirty="0"/>
+              <a:t>Ein ausgefüllter Baum 2. Ordnung</a:t>
+            </a:r>
+          </a:p>
+        </p:txBody>
+      </p:sp>
+    </p:spTree>
+    <p:extLst>
+      <p:ext uri="{BB962C8B-B14F-4D97-AF65-F5344CB8AC3E}">
+        <p14:creationId xmlns:p14="http://schemas.microsoft.com/office/powerpoint/2010/main" val="860458269"/>
+      </p:ext>
+    </p:extLst>
+  </p:cSld>
+  <p:clrMapOvr>
+    <a:masterClrMapping/>
+  </p:clrMapOvr>
+  <mc:AlternateContent xmlns:mc="http://schemas.openxmlformats.org/markup-compatibility/2006" xmlns:p14="http://schemas.microsoft.com/office/powerpoint/2010/main">
+    <mc:Choice Requires="p14">
+      <p:transition spd="med" p14:dur="700">
+        <p:fade/>
+      </p:transition>
+    </mc:Choice>
+    <mc:Fallback xmlns="">
+      <p:transition spd="med">
+        <p:fade/>
+      </p:transition>
+    </mc:Fallback>
+  </mc:AlternateContent>
+  <p:timing>
+    <p:tnLst>
+      <p:par>
+        <p:cTn id="1" dur="indefinite" restart="never" nodeType="tmRoot">
+          <p:childTnLst>
+            <p:seq concurrent="1" nextAc="seek">
+              <p:cTn id="2" dur="indefinite" nodeType="mainSeq">
+                <p:childTnLst>
+                  <p:par>
+                    <p:cTn id="3" fill="hold">
+                      <p:stCondLst>
+                        <p:cond delay="indefinite"/>
+                      </p:stCondLst>
+                      <p:childTnLst>
+                        <p:par>
+                          <p:cTn id="4" fill="hold">
+                            <p:stCondLst>
+                              <p:cond delay="0"/>
+                            </p:stCondLst>
+                            <p:childTnLst>
+                              <p:par>
+                                <p:cTn id="5" presetID="1" presetClass="entr" presetSubtype="0" fill="hold" nodeType="clickEffect">
+                                  <p:stCondLst>
+                                    <p:cond delay="0"/>
+                                  </p:stCondLst>
+                                  <p:childTnLst>
+                                    <p:set>
+                                      <p:cBhvr>
+                                        <p:cTn id="6" dur="1" fill="hold">
+                                          <p:stCondLst>
+                                            <p:cond delay="0"/>
+                                          </p:stCondLst>
+                                        </p:cTn>
+                                        <p:tgtEl>
+                                          <p:spTgt spid="7">
+                                            <p:txEl>
+                                              <p:pRg st="1" end="1"/>
+                                            </p:txEl>
+                                          </p:spTgt>
+                                        </p:tgtEl>
+                                        <p:attrNameLst>
+                                          <p:attrName>style.visibility</p:attrName>
+                                        </p:attrNameLst>
+                                      </p:cBhvr>
+                                      <p:to>
+                                        <p:strVal val="visible"/>
+                                      </p:to>
+                                    </p:set>
+                                  </p:childTnLst>
+                                </p:cTn>
+                              </p:par>
+                            </p:childTnLst>
+                          </p:cTn>
+                        </p:par>
+                      </p:childTnLst>
+                    </p:cTn>
+                  </p:par>
+                  <p:par>
+                    <p:cTn id="7" fill="hold">
+                      <p:stCondLst>
+                        <p:cond delay="indefinite"/>
+                      </p:stCondLst>
+                      <p:childTnLst>
+                        <p:par>
+                          <p:cTn id="8" fill="hold">
+                            <p:stCondLst>
+                              <p:cond delay="0"/>
+                            </p:stCondLst>
+                            <p:childTnLst>
+                              <p:par>
+                                <p:cTn id="9" presetID="1" presetClass="entr" presetSubtype="0" fill="hold" nodeType="clickEffect">
+                                  <p:stCondLst>
+                                    <p:cond delay="0"/>
+                                  </p:stCondLst>
+                                  <p:childTnLst>
+                                    <p:set>
+                                      <p:cBhvr>
+                                        <p:cTn id="10" dur="1" fill="hold">
+                                          <p:stCondLst>
+                                            <p:cond delay="0"/>
+                                          </p:stCondLst>
+                                        </p:cTn>
+                                        <p:tgtEl>
+                                          <p:spTgt spid="7">
+                                            <p:txEl>
+                                              <p:pRg st="2" end="2"/>
+                                            </p:txEl>
+                                          </p:spTgt>
+                                        </p:tgtEl>
+                                        <p:attrNameLst>
+                                          <p:attrName>style.visibility</p:attrName>
+                                        </p:attrNameLst>
+                                      </p:cBhvr>
+                                      <p:to>
+                                        <p:strVal val="visible"/>
+                                      </p:to>
+                                    </p:set>
+                                  </p:childTnLst>
+                                </p:cTn>
+                              </p:par>
+                            </p:childTnLst>
+                          </p:cTn>
+                        </p:par>
+                      </p:childTnLst>
+                    </p:cTn>
+                  </p:par>
+                  <p:par>
+                    <p:cTn id="11" fill="hold">
+                      <p:stCondLst>
+                        <p:cond delay="indefinite"/>
+                      </p:stCondLst>
+                      <p:childTnLst>
+                        <p:par>
+                          <p:cTn id="12" fill="hold">
+                            <p:stCondLst>
+                              <p:cond delay="0"/>
+                            </p:stCondLst>
+                            <p:childTnLst>
+                              <p:par>
+                                <p:cTn id="13" presetID="1" presetClass="entr" presetSubtype="0" fill="hold" nodeType="clickEffect">
+                                  <p:stCondLst>
+                                    <p:cond delay="0"/>
+                                  </p:stCondLst>
+                                  <p:childTnLst>
+                                    <p:set>
+                                      <p:cBhvr>
+                                        <p:cTn id="14" dur="1" fill="hold">
+                                          <p:stCondLst>
+                                            <p:cond delay="0"/>
+                                          </p:stCondLst>
+                                        </p:cTn>
+                                        <p:tgtEl>
+                                          <p:spTgt spid="7">
+                                            <p:txEl>
+                                              <p:pRg st="4" end="4"/>
+                                            </p:txEl>
+                                          </p:spTgt>
+                                        </p:tgtEl>
+                                        <p:attrNameLst>
+                                          <p:attrName>style.visibility</p:attrName>
+                                        </p:attrNameLst>
+                                      </p:cBhvr>
+                                      <p:to>
+                                        <p:strVal val="visible"/>
+                                      </p:to>
+                                    </p:set>
+                                  </p:childTnLst>
+                                </p:cTn>
+                              </p:par>
+                            </p:childTnLst>
+                          </p:cTn>
+                        </p:par>
+                      </p:childTnLst>
+                    </p:cTn>
+                  </p:par>
+                  <p:par>
+                    <p:cTn id="15" fill="hold">
+                      <p:stCondLst>
+                        <p:cond delay="indefinite"/>
+                      </p:stCondLst>
+                      <p:childTnLst>
+                        <p:par>
+                          <p:cTn id="16" fill="hold">
+                            <p:stCondLst>
+                              <p:cond delay="0"/>
+                            </p:stCondLst>
+                            <p:childTnLst>
+                              <p:par>
+                                <p:cTn id="17" presetID="1" presetClass="entr" presetSubtype="0" fill="hold" nodeType="clickEffect">
+                                  <p:stCondLst>
+                                    <p:cond delay="0"/>
+                                  </p:stCondLst>
+                                  <p:childTnLst>
+                                    <p:set>
+                                      <p:cBhvr>
+                                        <p:cTn id="18" dur="1" fill="hold">
+                                          <p:stCondLst>
+                                            <p:cond delay="0"/>
+                                          </p:stCondLst>
+                                        </p:cTn>
+                                        <p:tgtEl>
+                                          <p:spTgt spid="7">
+                                            <p:txEl>
+                                              <p:pRg st="5" end="5"/>
+                                            </p:txEl>
+                                          </p:spTgt>
+                                        </p:tgtEl>
+                                        <p:attrNameLst>
+                                          <p:attrName>style.visibility</p:attrName>
+                                        </p:attrNameLst>
+                                      </p:cBhvr>
+                                      <p:to>
+                                        <p:strVal val="visible"/>
+                                      </p:to>
+                                    </p:set>
+                                  </p:childTnLst>
+                                </p:cTn>
+                              </p:par>
+                            </p:childTnLst>
+                          </p:cTn>
+                        </p:par>
+                      </p:childTnLst>
+                    </p:cTn>
+                  </p:par>
+                  <p:par>
+                    <p:cTn id="19" fill="hold">
+                      <p:stCondLst>
+                        <p:cond delay="indefinite"/>
+                      </p:stCondLst>
+                      <p:childTnLst>
+                        <p:par>
+                          <p:cTn id="20" fill="hold">
+                            <p:stCondLst>
+                              <p:cond delay="0"/>
+                            </p:stCondLst>
+                            <p:childTnLst>
+                              <p:par>
+                                <p:cTn id="21" presetID="1" presetClass="entr" presetSubtype="0" fill="hold" nodeType="clickEffect">
+                                  <p:stCondLst>
+                                    <p:cond delay="0"/>
+                                  </p:stCondLst>
+                                  <p:childTnLst>
+                                    <p:set>
+                                      <p:cBhvr>
+                                        <p:cTn id="22" dur="1" fill="hold">
+                                          <p:stCondLst>
+                                            <p:cond delay="0"/>
+                                          </p:stCondLst>
+                                        </p:cTn>
+                                        <p:tgtEl>
+                                          <p:spTgt spid="7">
+                                            <p:txEl>
+                                              <p:pRg st="6" end="6"/>
+                                            </p:txEl>
+                                          </p:spTgt>
+                                        </p:tgtEl>
+                                        <p:attrNameLst>
+                                          <p:attrName>style.visibility</p:attrName>
+                                        </p:attrNameLst>
+                                      </p:cBhvr>
+                                      <p:to>
+                                        <p:strVal val="visible"/>
+                                      </p:to>
+                                    </p:set>
+                                  </p:childTnLst>
+                                </p:cTn>
+                              </p:par>
+                            </p:childTnLst>
+                          </p:cTn>
+                        </p:par>
+                      </p:childTnLst>
+                    </p:cTn>
+                  </p:par>
+                  <p:par>
+                    <p:cTn id="23" fill="hold">
+                      <p:stCondLst>
+                        <p:cond delay="indefinite"/>
+                      </p:stCondLst>
+                      <p:childTnLst>
+                        <p:par>
+                          <p:cTn id="24" fill="hold">
+                            <p:stCondLst>
+                              <p:cond delay="0"/>
+                            </p:stCondLst>
+                            <p:childTnLst>
+                              <p:par>
+                                <p:cTn id="25" presetID="1" presetClass="entr" presetSubtype="0" fill="hold" nodeType="clickEffect">
+                                  <p:stCondLst>
+                                    <p:cond delay="0"/>
+                                  </p:stCondLst>
+                                  <p:childTnLst>
+                                    <p:set>
+                                      <p:cBhvr>
+                                        <p:cTn id="26" dur="1" fill="hold">
+                                          <p:stCondLst>
+                                            <p:cond delay="0"/>
+                                          </p:stCondLst>
+                                        </p:cTn>
+                                        <p:tgtEl>
+                                          <p:spTgt spid="7">
+                                            <p:txEl>
+                                              <p:pRg st="7" end="7"/>
+                                            </p:txEl>
+                                          </p:spTgt>
+                                        </p:tgtEl>
+                                        <p:attrNameLst>
+                                          <p:attrName>style.visibility</p:attrName>
+                                        </p:attrNameLst>
+                                      </p:cBhvr>
+                                      <p:to>
+                                        <p:strVal val="visible"/>
+                                      </p:to>
+                                    </p:set>
+                                  </p:childTnLst>
+                                </p:cTn>
+                              </p:par>
+                            </p:childTnLst>
+                          </p:cTn>
+                        </p:par>
+                      </p:childTnLst>
+                    </p:cTn>
+                  </p:par>
+                  <p:par>
+                    <p:cTn id="27" fill="hold">
+                      <p:stCondLst>
+                        <p:cond delay="indefinite"/>
+                      </p:stCondLst>
+                      <p:childTnLst>
+                        <p:par>
+                          <p:cTn id="28" fill="hold">
+                            <p:stCondLst>
+                              <p:cond delay="0"/>
+                            </p:stCondLst>
+                            <p:childTnLst>
+                              <p:par>
+                                <p:cTn id="29" presetID="1" presetClass="exit" presetSubtype="0" fill="hold" grpId="0" nodeType="clickEffect">
+                                  <p:stCondLst>
+                                    <p:cond delay="0"/>
+                                  </p:stCondLst>
+                                  <p:childTnLst>
+                                    <p:set>
+                                      <p:cBhvr>
+                                        <p:cTn id="30" dur="1" fill="hold">
+                                          <p:stCondLst>
+                                            <p:cond delay="0"/>
+                                          </p:stCondLst>
+                                        </p:cTn>
+                                        <p:tgtEl>
+                                          <p:spTgt spid="16"/>
+                                        </p:tgtEl>
+                                        <p:attrNameLst>
+                                          <p:attrName>style.visibility</p:attrName>
+                                        </p:attrNameLst>
+                                      </p:cBhvr>
+                                      <p:to>
+                                        <p:strVal val="hidden"/>
+                                      </p:to>
+                                    </p:set>
+                                  </p:childTnLst>
+                                </p:cTn>
+                              </p:par>
+                              <p:par>
+                                <p:cTn id="31" presetID="1" presetClass="exit" presetSubtype="0" fill="hold" nodeType="withEffect">
+                                  <p:stCondLst>
+                                    <p:cond delay="0"/>
+                                  </p:stCondLst>
+                                  <p:childTnLst>
+                                    <p:set>
+                                      <p:cBhvr>
+                                        <p:cTn id="32" dur="1" fill="hold">
+                                          <p:stCondLst>
+                                            <p:cond delay="0"/>
+                                          </p:stCondLst>
+                                        </p:cTn>
+                                        <p:tgtEl>
+                                          <p:spTgt spid="11"/>
+                                        </p:tgtEl>
+                                        <p:attrNameLst>
+                                          <p:attrName>style.visibility</p:attrName>
+                                        </p:attrNameLst>
+                                      </p:cBhvr>
+                                      <p:to>
+                                        <p:strVal val="hidden"/>
+                                      </p:to>
+                                    </p:set>
+                                  </p:childTnLst>
+                                </p:cTn>
+                              </p:par>
+                            </p:childTnLst>
+                          </p:cTn>
+                        </p:par>
+                      </p:childTnLst>
+                    </p:cTn>
+                  </p:par>
+                  <p:par>
+                    <p:cTn id="33" fill="hold">
+                      <p:stCondLst>
+                        <p:cond delay="indefinite"/>
+                      </p:stCondLst>
+                      <p:childTnLst>
+                        <p:par>
+                          <p:cTn id="34" fill="hold">
+                            <p:stCondLst>
+                              <p:cond delay="0"/>
+                            </p:stCondLst>
+                            <p:childTnLst>
+                              <p:par>
+                                <p:cTn id="35" presetID="10" presetClass="entr" presetSubtype="0" fill="hold" nodeType="clickEffect">
+                                  <p:stCondLst>
+                                    <p:cond delay="0"/>
+                                  </p:stCondLst>
+                                  <p:childTnLst>
+                                    <p:set>
+                                      <p:cBhvr>
+                                        <p:cTn id="36" dur="1" fill="hold">
+                                          <p:stCondLst>
+                                            <p:cond delay="0"/>
+                                          </p:stCondLst>
+                                        </p:cTn>
+                                        <p:tgtEl>
+                                          <p:spTgt spid="7">
+                                            <p:txEl>
+                                              <p:pRg st="8" end="8"/>
+                                            </p:txEl>
+                                          </p:spTgt>
+                                        </p:tgtEl>
+                                        <p:attrNameLst>
+                                          <p:attrName>style.visibility</p:attrName>
+                                        </p:attrNameLst>
+                                      </p:cBhvr>
+                                      <p:to>
+                                        <p:strVal val="visible"/>
+                                      </p:to>
+                                    </p:set>
+                                    <p:animEffect transition="in" filter="fade">
+                                      <p:cBhvr>
+                                        <p:cTn id="37" dur="500"/>
+                                        <p:tgtEl>
+                                          <p:spTgt spid="7">
+                                            <p:txEl>
+                                              <p:pRg st="8" end="8"/>
+                                            </p:txEl>
+                                          </p:spTgt>
+                                        </p:tgtEl>
+                                      </p:cBhvr>
+                                    </p:animEffect>
+                                  </p:childTnLst>
+                                </p:cTn>
+                              </p:par>
+                              <p:par>
+                                <p:cTn id="38" presetID="1" presetClass="entr" presetSubtype="0" fill="hold" nodeType="withEffect">
+                                  <p:stCondLst>
+                                    <p:cond delay="0"/>
+                                  </p:stCondLst>
+                                  <p:childTnLst>
+                                    <p:set>
+                                      <p:cBhvr>
+                                        <p:cTn id="39" dur="1" fill="hold">
+                                          <p:stCondLst>
+                                            <p:cond delay="0"/>
+                                          </p:stCondLst>
+                                        </p:cTn>
+                                        <p:tgtEl>
+                                          <p:spTgt spid="15"/>
+                                        </p:tgtEl>
+                                        <p:attrNameLst>
+                                          <p:attrName>style.visibility</p:attrName>
+                                        </p:attrNameLst>
+                                      </p:cBhvr>
+                                      <p:to>
+                                        <p:strVal val="visible"/>
+                                      </p:to>
+                                    </p:set>
+                                  </p:childTnLst>
+                                </p:cTn>
+                              </p:par>
+                            </p:childTnLst>
+                          </p:cTn>
+                        </p:par>
+                      </p:childTnLst>
+                    </p:cTn>
+                  </p:par>
+                </p:childTnLst>
+              </p:cTn>
+              <p:prevCondLst>
+                <p:cond evt="onPrev" delay="0">
+                  <p:tgtEl>
+                    <p:sldTgt/>
+                  </p:tgtEl>
+                </p:cond>
+              </p:prevCondLst>
+              <p:nextCondLst>
+                <p:cond evt="onNext" delay="0">
+                  <p:tgtEl>
+                    <p:sldTgt/>
+                  </p:tgtEl>
+                </p:cond>
+              </p:nextCondLst>
+            </p:seq>
+          </p:childTnLst>
+        </p:cTn>
+      </p:par>
+    </p:tnLst>
+    <p:bldLst>
+      <p:bldP spid="16" grpId="0"/>
+    </p:bldLst>
+  </p:timing>
+</p:sld>
+</file>
+
+<file path=ppt/slides/slide5.xml><?xml version="1.0" encoding="utf-8"?>
+<p:sld xmlns:a="http://schemas.openxmlformats.org/drawingml/2006/main" xmlns:r="http://schemas.openxmlformats.org/officeDocument/2006/relationships" xmlns:p="http://schemas.openxmlformats.org/presentationml/2006/main">
+  <p:cSld>
+    <p:spTree>
+      <p:nvGrpSpPr>
+        <p:cNvPr id="1" name=""/>
+        <p:cNvGrpSpPr/>
+        <p:nvPr/>
+      </p:nvGrpSpPr>
+      <p:grpSpPr>
+        <a:xfrm>
+          <a:off x="0" y="0"/>
+          <a:ext cx="0" cy="0"/>
+          <a:chOff x="0" y="0"/>
+          <a:chExt cx="0" cy="0"/>
+        </a:xfrm>
+      </p:grpSpPr>
+      <p:sp>
+        <p:nvSpPr>
+          <p:cNvPr id="5" name="Titel 4">
+            <a:extLst>
+              <a:ext uri="{FF2B5EF4-FFF2-40B4-BE49-F238E27FC236}">
+                <a16:creationId xmlns:a16="http://schemas.microsoft.com/office/drawing/2014/main" id="{575666D3-21F4-4EC1-97DF-5B2A391AB222}"/>
+              </a:ext>
+            </a:extLst>
+          </p:cNvPr>
+          <p:cNvSpPr>
+            <a:spLocks noGrp="1"/>
+          </p:cNvSpPr>
+          <p:nvPr>
+            <p:ph type="title"/>
+          </p:nvPr>
+        </p:nvSpPr>
+        <p:spPr/>
+        <p:txBody>
+          <a:bodyPr/>
+          <a:lstStyle/>
+          <a:p>
+            <a:r>
+              <a:rPr lang="de-DE" dirty="0"/>
+              <a:t>Binäre Suchbäume </a:t>
+            </a:r>
+          </a:p>
+        </p:txBody>
+      </p:sp>
+      <p:sp>
+        <p:nvSpPr>
+          <p:cNvPr id="7" name="Inhaltsplatzhalter 6">
+            <a:extLst>
+              <a:ext uri="{FF2B5EF4-FFF2-40B4-BE49-F238E27FC236}">
+                <a16:creationId xmlns:a16="http://schemas.microsoft.com/office/drawing/2014/main" id="{19C73A4B-71E3-4E85-AD9D-64BE78E64BF3}"/>
+              </a:ext>
+            </a:extLst>
+          </p:cNvPr>
+          <p:cNvSpPr>
+            <a:spLocks noGrp="1"/>
+          </p:cNvSpPr>
+          <p:nvPr>
+            <p:ph sz="half" idx="1"/>
+          </p:nvPr>
+        </p:nvSpPr>
+        <p:spPr>
+          <a:xfrm>
+            <a:off x="1104900" y="1600200"/>
+            <a:ext cx="4914900" cy="4571999"/>
+          </a:xfrm>
+        </p:spPr>
+        <p:txBody>
+          <a:bodyPr>
+            <a:normAutofit/>
+          </a:bodyPr>
+          <a:lstStyle/>
+          <a:p>
+            <a:pPr marL="0" indent="0">
+              <a:buNone/>
+            </a:pPr>
+            <a:r>
+              <a:rPr lang="de-DE" dirty="0"/>
+              <a:t>Binärer Baum mit Einschränkungen:</a:t>
+            </a:r>
+          </a:p>
+          <a:p>
+            <a:pPr>
+              <a:buFont typeface="Arial" panose="020B0604020202020204" pitchFamily="34" charset="0"/>
+              <a:buChar char="•"/>
+            </a:pPr>
+            <a:r>
+              <a:rPr lang="de-DE" dirty="0"/>
+              <a:t>Jeder Knoten hat einen Schlüssel</a:t>
+            </a:r>
+          </a:p>
+          <a:p>
+            <a:pPr>
+              <a:buFont typeface="Arial" panose="020B0604020202020204" pitchFamily="34" charset="0"/>
+              <a:buChar char="•"/>
+            </a:pPr>
+            <a:r>
+              <a:rPr lang="de-DE" dirty="0"/>
+              <a:t>Knoten im linken Teilbaum sind kleiner als Wurzel</a:t>
+            </a:r>
+          </a:p>
+          <a:p>
+            <a:pPr>
+              <a:buFont typeface="Arial" panose="020B0604020202020204" pitchFamily="34" charset="0"/>
+              <a:buChar char="•"/>
+            </a:pPr>
+            <a:r>
+              <a:rPr lang="de-DE" dirty="0"/>
+              <a:t>Knoten im rechten Teilbaum sind größer als Wurzel</a:t>
+            </a:r>
+          </a:p>
+        </p:txBody>
+      </p:sp>
+      <p:pic>
+        <p:nvPicPr>
+          <p:cNvPr id="10" name="Inhaltsplatzhalter 9" descr="Ein Bild, das Objekt, Uhr enthält.&#10;&#10;Automatisch generierte Beschreibung">
+            <a:extLst>
+              <a:ext uri="{FF2B5EF4-FFF2-40B4-BE49-F238E27FC236}">
+                <a16:creationId xmlns:a16="http://schemas.microsoft.com/office/drawing/2014/main" id="{B07C07FC-C5A9-4D1B-91F8-433E562F4C55}"/>
+              </a:ext>
+            </a:extLst>
+          </p:cNvPr>
+          <p:cNvPicPr>
+            <a:picLocks noGrp="1" noChangeAspect="1"/>
+          </p:cNvPicPr>
+          <p:nvPr>
+            <p:ph sz="half" idx="2"/>
+          </p:nvPr>
+        </p:nvPicPr>
+        <p:blipFill>
+          <a:blip r:embed="rId2" cstate="print">
+            <a:extLst>
+              <a:ext uri="{28A0092B-C50C-407E-A947-70E740481C1C}">
+                <a14:useLocalDpi xmlns:a14="http://schemas.microsoft.com/office/drawing/2010/main" val="0"/>
+              </a:ext>
+            </a:extLst>
+          </a:blip>
+          <a:stretch>
+            <a:fillRect/>
+          </a:stretch>
+        </p:blipFill>
+        <p:spPr>
+          <a:xfrm>
+            <a:off x="6981632" y="1173162"/>
+            <a:ext cx="3550294" cy="2592540"/>
+          </a:xfrm>
+        </p:spPr>
+      </p:pic>
+      <p:pic>
+        <p:nvPicPr>
+          <p:cNvPr id="12" name="Grafik 11" descr="Ein Bild, das Objekt enthält.&#10;&#10;Automatisch generierte Beschreibung">
+            <a:extLst>
+              <a:ext uri="{FF2B5EF4-FFF2-40B4-BE49-F238E27FC236}">
+                <a16:creationId xmlns:a16="http://schemas.microsoft.com/office/drawing/2014/main" id="{70DE56BD-69AB-4D59-8459-B63B041022C9}"/>
+              </a:ext>
+            </a:extLst>
+          </p:cNvPr>
+          <p:cNvPicPr>
+            <a:picLocks noChangeAspect="1"/>
+          </p:cNvPicPr>
+          <p:nvPr/>
+        </p:nvPicPr>
+        <p:blipFill>
+          <a:blip r:embed="rId3" cstate="print">
+            <a:extLst>
+              <a:ext uri="{28A0092B-C50C-407E-A947-70E740481C1C}">
+                <a14:useLocalDpi xmlns:a14="http://schemas.microsoft.com/office/drawing/2010/main" val="0"/>
+              </a:ext>
+            </a:extLst>
+          </a:blip>
+          <a:stretch>
+            <a:fillRect/>
+          </a:stretch>
+        </p:blipFill>
+        <p:spPr>
+          <a:xfrm>
+            <a:off x="6981632" y="3886199"/>
+            <a:ext cx="4021742" cy="2286000"/>
+          </a:xfrm>
+          <a:prstGeom prst="rect">
+            <a:avLst/>
+          </a:prstGeom>
+        </p:spPr>
+      </p:pic>
+    </p:spTree>
+    <p:extLst>
+      <p:ext uri="{BB962C8B-B14F-4D97-AF65-F5344CB8AC3E}">
+        <p14:creationId xmlns:p14="http://schemas.microsoft.com/office/powerpoint/2010/main" val="138851324"/>
+      </p:ext>
+    </p:extLst>
+  </p:cSld>
+  <p:clrMapOvr>
+    <a:masterClrMapping/>
+  </p:clrMapOvr>
+  <mc:AlternateContent xmlns:mc="http://schemas.openxmlformats.org/markup-compatibility/2006" xmlns:p14="http://schemas.microsoft.com/office/powerpoint/2010/main">
+    <mc:Choice Requires="p14">
+      <p:transition spd="med" p14:dur="700">
+        <p:fade/>
+      </p:transition>
+    </mc:Choice>
+    <mc:Fallback xmlns="">
+      <p:transition spd="med">
+        <p:fade/>
+      </p:transition>
+    </mc:Fallback>
+  </mc:AlternateContent>
+  <p:timing>
+    <p:tnLst>
+      <p:par>
+        <p:cTn id="1" dur="indefinite" restart="never" nodeType="tmRoot">
+          <p:childTnLst>
+            <p:seq concurrent="1" nextAc="seek">
+              <p:cTn id="2" dur="indefinite" nodeType="mainSeq">
+                <p:childTnLst>
+                  <p:par>
+                    <p:cTn id="3" fill="hold">
+                      <p:stCondLst>
+                        <p:cond delay="indefinite"/>
+                      </p:stCondLst>
+                      <p:childTnLst>
+                        <p:par>
+                          <p:cTn id="4" fill="hold">
+                            <p:stCondLst>
+                              <p:cond delay="0"/>
+                            </p:stCondLst>
+                            <p:childTnLst>
+                              <p:par>
+                                <p:cTn id="5" presetID="1" presetClass="entr" presetSubtype="0" fill="hold" nodeType="clickEffect">
+                                  <p:stCondLst>
+                                    <p:cond delay="0"/>
+                                  </p:stCondLst>
+                                  <p:childTnLst>
+                                    <p:set>
+                                      <p:cBhvr>
+                                        <p:cTn id="6" dur="1" fill="hold">
+                                          <p:stCondLst>
+                                            <p:cond delay="0"/>
+                                          </p:stCondLst>
+                                        </p:cTn>
+                                        <p:tgtEl>
+                                          <p:spTgt spid="7">
+                                            <p:txEl>
+                                              <p:pRg st="0" end="0"/>
+                                            </p:txEl>
+                                          </p:spTgt>
+                                        </p:tgtEl>
+                                        <p:attrNameLst>
+                                          <p:attrName>style.visibility</p:attrName>
+                                        </p:attrNameLst>
+                                      </p:cBhvr>
+                                      <p:to>
+                                        <p:strVal val="visible"/>
+                                      </p:to>
+                                    </p:set>
+                                  </p:childTnLst>
+                                </p:cTn>
+                              </p:par>
+                            </p:childTnLst>
+                          </p:cTn>
+                        </p:par>
+                      </p:childTnLst>
+                    </p:cTn>
+                  </p:par>
+                  <p:par>
+                    <p:cTn id="7" fill="hold">
+                      <p:stCondLst>
+                        <p:cond delay="indefinite"/>
+                      </p:stCondLst>
+                      <p:childTnLst>
+                        <p:par>
+                          <p:cTn id="8" fill="hold">
+                            <p:stCondLst>
+                              <p:cond delay="0"/>
+                            </p:stCondLst>
+                            <p:childTnLst>
+                              <p:par>
+                                <p:cTn id="9" presetID="10" presetClass="entr" presetSubtype="0" fill="hold" nodeType="clickEffect">
+                                  <p:stCondLst>
+                                    <p:cond delay="0"/>
+                                  </p:stCondLst>
+                                  <p:childTnLst>
+                                    <p:set>
+                                      <p:cBhvr>
+                                        <p:cTn id="10" dur="1" fill="hold">
+                                          <p:stCondLst>
+                                            <p:cond delay="0"/>
+                                          </p:stCondLst>
+                                        </p:cTn>
+                                        <p:tgtEl>
+                                          <p:spTgt spid="10"/>
+                                        </p:tgtEl>
+                                        <p:attrNameLst>
+                                          <p:attrName>style.visibility</p:attrName>
+                                        </p:attrNameLst>
+                                      </p:cBhvr>
+                                      <p:to>
+                                        <p:strVal val="visible"/>
+                                      </p:to>
+                                    </p:set>
+                                    <p:animEffect transition="in" filter="fade">
+                                      <p:cBhvr>
+                                        <p:cTn id="11" dur="500"/>
+                                        <p:tgtEl>
+                                          <p:spTgt spid="10"/>
+                                        </p:tgtEl>
+                                      </p:cBhvr>
+                                    </p:animEffect>
+                                  </p:childTnLst>
+                                </p:cTn>
+                              </p:par>
+                              <p:par>
+                                <p:cTn id="12" presetID="10" presetClass="entr" presetSubtype="0" fill="hold" nodeType="withEffect">
+                                  <p:stCondLst>
+                                    <p:cond delay="0"/>
+                                  </p:stCondLst>
+                                  <p:childTnLst>
+                                    <p:set>
+                                      <p:cBhvr>
+                                        <p:cTn id="13" dur="1" fill="hold">
+                                          <p:stCondLst>
+                                            <p:cond delay="0"/>
+                                          </p:stCondLst>
+                                        </p:cTn>
+                                        <p:tgtEl>
+                                          <p:spTgt spid="12"/>
+                                        </p:tgtEl>
+                                        <p:attrNameLst>
+                                          <p:attrName>style.visibility</p:attrName>
+                                        </p:attrNameLst>
+                                      </p:cBhvr>
+                                      <p:to>
+                                        <p:strVal val="visible"/>
+                                      </p:to>
+                                    </p:set>
+                                    <p:animEffect transition="in" filter="fade">
+                                      <p:cBhvr>
+                                        <p:cTn id="14" dur="500"/>
+                                        <p:tgtEl>
+                                          <p:spTgt spid="12"/>
+                                        </p:tgtEl>
+                                      </p:cBhvr>
+                                    </p:animEffect>
+                                  </p:childTnLst>
+                                </p:cTn>
+                              </p:par>
+                            </p:childTnLst>
+                          </p:cTn>
+                        </p:par>
+                      </p:childTnLst>
+                    </p:cTn>
+                  </p:par>
+                  <p:par>
+                    <p:cTn id="15" fill="hold">
+                      <p:stCondLst>
+                        <p:cond delay="indefinite"/>
+                      </p:stCondLst>
+                      <p:childTnLst>
+                        <p:par>
+                          <p:cTn id="16" fill="hold">
+                            <p:stCondLst>
+                              <p:cond delay="0"/>
+                            </p:stCondLst>
+                            <p:childTnLst>
+                              <p:par>
+                                <p:cTn id="17" presetID="1" presetClass="entr" presetSubtype="0" fill="hold" nodeType="clickEffect">
+                                  <p:stCondLst>
+                                    <p:cond delay="0"/>
+                                  </p:stCondLst>
+                                  <p:childTnLst>
+                                    <p:set>
+                                      <p:cBhvr>
+                                        <p:cTn id="18" dur="1" fill="hold">
+                                          <p:stCondLst>
+                                            <p:cond delay="0"/>
+                                          </p:stCondLst>
+                                        </p:cTn>
+                                        <p:tgtEl>
+                                          <p:spTgt spid="7">
+                                            <p:txEl>
+                                              <p:pRg st="1" end="1"/>
+                                            </p:txEl>
+                                          </p:spTgt>
+                                        </p:tgtEl>
+                                        <p:attrNameLst>
+                                          <p:attrName>style.visibility</p:attrName>
+                                        </p:attrNameLst>
+                                      </p:cBhvr>
+                                      <p:to>
+                                        <p:strVal val="visible"/>
+                                      </p:to>
+                                    </p:set>
+                                  </p:childTnLst>
+                                </p:cTn>
+                              </p:par>
+                            </p:childTnLst>
+                          </p:cTn>
+                        </p:par>
+                      </p:childTnLst>
+                    </p:cTn>
+                  </p:par>
+                  <p:par>
+                    <p:cTn id="19" fill="hold">
+                      <p:stCondLst>
+                        <p:cond delay="indefinite"/>
+                      </p:stCondLst>
+                      <p:childTnLst>
+                        <p:par>
+                          <p:cTn id="20" fill="hold">
+                            <p:stCondLst>
+                              <p:cond delay="0"/>
+                            </p:stCondLst>
+                            <p:childTnLst>
+                              <p:par>
+                                <p:cTn id="21" presetID="1" presetClass="entr" presetSubtype="0" fill="hold" nodeType="clickEffect">
+                                  <p:stCondLst>
+                                    <p:cond delay="0"/>
+                                  </p:stCondLst>
+                                  <p:childTnLst>
+                                    <p:set>
+                                      <p:cBhvr>
+                                        <p:cTn id="22" dur="1" fill="hold">
+                                          <p:stCondLst>
+                                            <p:cond delay="0"/>
+                                          </p:stCondLst>
+                                        </p:cTn>
+                                        <p:tgtEl>
+                                          <p:spTgt spid="7">
+                                            <p:txEl>
+                                              <p:pRg st="2" end="2"/>
+                                            </p:txEl>
+                                          </p:spTgt>
+                                        </p:tgtEl>
+                                        <p:attrNameLst>
+                                          <p:attrName>style.visibility</p:attrName>
+                                        </p:attrNameLst>
+                                      </p:cBhvr>
+                                      <p:to>
+                                        <p:strVal val="visible"/>
+                                      </p:to>
+                                    </p:set>
+                                  </p:childTnLst>
+                                </p:cTn>
+                              </p:par>
+                            </p:childTnLst>
+                          </p:cTn>
+                        </p:par>
+                      </p:childTnLst>
+                    </p:cTn>
+                  </p:par>
+                  <p:par>
+                    <p:cTn id="23" fill="hold">
+                      <p:stCondLst>
+                        <p:cond delay="indefinite"/>
+                      </p:stCondLst>
+                      <p:childTnLst>
+                        <p:par>
+                          <p:cTn id="24" fill="hold">
+                            <p:stCondLst>
+                              <p:cond delay="0"/>
+                            </p:stCondLst>
+                            <p:childTnLst>
+                              <p:par>
+                                <p:cTn id="25" presetID="1" presetClass="entr" presetSubtype="0" fill="hold" nodeType="clickEffect">
+                                  <p:stCondLst>
+                                    <p:cond delay="0"/>
+                                  </p:stCondLst>
+                                  <p:childTnLst>
+                                    <p:set>
+                                      <p:cBhvr>
+                                        <p:cTn id="26" dur="1" fill="hold">
+                                          <p:stCondLst>
+                                            <p:cond delay="0"/>
+                                          </p:stCondLst>
+                                        </p:cTn>
+                                        <p:tgtEl>
+                                          <p:spTgt spid="7">
+                                            <p:txEl>
+                                              <p:pRg st="3" end="3"/>
+                                            </p:txEl>
+                                          </p:spTgt>
+                                        </p:tgtEl>
+                                        <p:attrNameLst>
+                                          <p:attrName>style.visibility</p:attrName>
+                                        </p:attrNameLst>
+                                      </p:cBhvr>
+                                      <p:to>
+                                        <p:strVal val="visible"/>
+                                      </p:to>
+                                    </p:set>
+                                  </p:childTnLst>
+                                </p:cTn>
+                              </p:par>
+                            </p:childTnLst>
+                          </p:cTn>
+                        </p:par>
+                      </p:childTnLst>
+                    </p:cTn>
+                  </p:par>
+                </p:childTnLst>
+              </p:cTn>
+              <p:prevCondLst>
+                <p:cond evt="onPrev" delay="0">
+                  <p:tgtEl>
+                    <p:sldTgt/>
+                  </p:tgtEl>
+                </p:cond>
+              </p:prevCondLst>
+              <p:nextCondLst>
+                <p:cond evt="onNext" delay="0">
+                  <p:tgtEl>
+                    <p:sldTgt/>
+                  </p:tgtEl>
+                </p:cond>
+              </p:nextCondLst>
+            </p:seq>
+          </p:childTnLst>
+        </p:cTn>
+      </p:par>
+    </p:tnLst>
+  </p:timing>
+</p:sld>
+</file>
+
+<file path=ppt/slides/slide6.xml><?xml version="1.0" encoding="utf-8"?>
+<p:sld xmlns:a="http://schemas.openxmlformats.org/drawingml/2006/main" xmlns:r="http://schemas.openxmlformats.org/officeDocument/2006/relationships" xmlns:p="http://schemas.openxmlformats.org/presentationml/2006/main">
+  <p:cSld>
+    <p:spTree>
+      <p:nvGrpSpPr>
+        <p:cNvPr id="1" name=""/>
+        <p:cNvGrpSpPr/>
+        <p:nvPr/>
+      </p:nvGrpSpPr>
+      <p:grpSpPr>
+        <a:xfrm>
+          <a:off x="0" y="0"/>
+          <a:ext cx="0" cy="0"/>
+          <a:chOff x="0" y="0"/>
+          <a:chExt cx="0" cy="0"/>
+        </a:xfrm>
+      </p:grpSpPr>
+      <p:sp>
+        <p:nvSpPr>
+          <p:cNvPr id="2" name="Titel 1">
+            <a:extLst>
+              <a:ext uri="{FF2B5EF4-FFF2-40B4-BE49-F238E27FC236}">
+                <a16:creationId xmlns:a16="http://schemas.microsoft.com/office/drawing/2014/main" id="{A4213354-32D3-41DA-8366-D4D372361231}"/>
+              </a:ext>
+            </a:extLst>
+          </p:cNvPr>
+          <p:cNvSpPr>
+            <a:spLocks noGrp="1"/>
+          </p:cNvSpPr>
+          <p:nvPr>
+            <p:ph type="title"/>
+          </p:nvPr>
+        </p:nvSpPr>
+        <p:spPr/>
+        <p:txBody>
+          <a:bodyPr/>
+          <a:lstStyle/>
+          <a:p>
+            <a:r>
+              <a:rPr lang="de-DE" dirty="0"/>
+              <a:t>Binärer Suchbaum – Suchen eines Elements</a:t>
+            </a:r>
+          </a:p>
+        </p:txBody>
+      </p:sp>
+      <p:sp>
+        <p:nvSpPr>
+          <p:cNvPr id="3" name="Inhaltsplatzhalter 2">
+            <a:extLst>
+              <a:ext uri="{FF2B5EF4-FFF2-40B4-BE49-F238E27FC236}">
+                <a16:creationId xmlns:a16="http://schemas.microsoft.com/office/drawing/2014/main" id="{141F2BB6-6620-454D-9450-8CAE6CF99E71}"/>
+              </a:ext>
+            </a:extLst>
+          </p:cNvPr>
+          <p:cNvSpPr>
+            <a:spLocks noGrp="1"/>
+          </p:cNvSpPr>
+          <p:nvPr>
+            <p:ph sz="half" idx="1"/>
+          </p:nvPr>
+        </p:nvSpPr>
+        <p:spPr/>
+        <p:txBody>
+          <a:bodyPr/>
+          <a:lstStyle/>
+          <a:p>
+            <a:pPr>
+              <a:buFont typeface="Arial" panose="020B0604020202020204" pitchFamily="34" charset="0"/>
+              <a:buChar char="•"/>
+            </a:pPr>
+            <a:r>
+              <a:rPr lang="de-DE" dirty="0"/>
+              <a:t>Suche funktioniert über den Index / Schlüssel</a:t>
+            </a:r>
+          </a:p>
+          <a:p>
+            <a:pPr>
+              <a:buFont typeface="Arial" panose="020B0604020202020204" pitchFamily="34" charset="0"/>
+              <a:buChar char="•"/>
+            </a:pPr>
+            <a:r>
+              <a:rPr lang="de-DE" dirty="0"/>
+              <a:t>Maximale Laufzeit: Höhe + 1</a:t>
+            </a:r>
+          </a:p>
+          <a:p>
+            <a:pPr>
+              <a:buFont typeface="Arial" panose="020B0604020202020204" pitchFamily="34" charset="0"/>
+              <a:buChar char="•"/>
+            </a:pPr>
+            <a:r>
+              <a:rPr lang="de-DE" dirty="0"/>
+              <a:t>Je geringer die Höhe, desto effektiver (siehe AVL-Baum)</a:t>
+            </a:r>
+          </a:p>
+        </p:txBody>
+      </p:sp>
+      <p:pic>
+        <p:nvPicPr>
+          <p:cNvPr id="6" name="Inhaltsplatzhalter 5" descr="Ein Bild, das Objekt, Uhr enthält.&#10;&#10;Automatisch generierte Beschreibung">
+            <a:extLst>
+              <a:ext uri="{FF2B5EF4-FFF2-40B4-BE49-F238E27FC236}">
+                <a16:creationId xmlns:a16="http://schemas.microsoft.com/office/drawing/2014/main" id="{E8FCBDE3-2548-4664-BABF-0C2D5C1A810E}"/>
+              </a:ext>
+            </a:extLst>
+          </p:cNvPr>
+          <p:cNvPicPr>
+            <a:picLocks noGrp="1" noChangeAspect="1"/>
+          </p:cNvPicPr>
+          <p:nvPr>
+            <p:ph sz="half" idx="2"/>
+          </p:nvPr>
+        </p:nvPicPr>
+        <p:blipFill>
+          <a:blip r:embed="rId2">
+            <a:extLst>
+              <a:ext uri="{28A0092B-C50C-407E-A947-70E740481C1C}">
+                <a14:useLocalDpi xmlns:a14="http://schemas.microsoft.com/office/drawing/2010/main" val="0"/>
+              </a:ext>
+            </a:extLst>
+          </a:blip>
+          <a:stretch>
+            <a:fillRect/>
+          </a:stretch>
+        </p:blipFill>
+        <p:spPr>
+          <a:xfrm>
+            <a:off x="6172200" y="2091690"/>
+            <a:ext cx="4914900" cy="3589020"/>
+          </a:xfrm>
+        </p:spPr>
+      </p:pic>
+      <p:sp>
+        <p:nvSpPr>
+          <p:cNvPr id="7" name="Textfeld 6">
+            <a:extLst>
+              <a:ext uri="{FF2B5EF4-FFF2-40B4-BE49-F238E27FC236}">
+                <a16:creationId xmlns:a16="http://schemas.microsoft.com/office/drawing/2014/main" id="{91ABECF0-CEBD-4B4A-9E8B-0B6F61F89474}"/>
+              </a:ext>
+            </a:extLst>
+          </p:cNvPr>
+          <p:cNvSpPr txBox="1"/>
+          <p:nvPr/>
+        </p:nvSpPr>
+        <p:spPr>
+          <a:xfrm>
+            <a:off x="6172200" y="2091690"/>
+            <a:ext cx="2120460" cy="369332"/>
+          </a:xfrm>
+          <a:prstGeom prst="rect">
+            <a:avLst/>
+          </a:prstGeom>
+          <a:noFill/>
+        </p:spPr>
+        <p:txBody>
+          <a:bodyPr wrap="square" rtlCol="0">
+            <a:spAutoFit/>
+          </a:bodyPr>
+          <a:lstStyle/>
+          <a:p>
+            <a:r>
+              <a:rPr lang="de-DE" dirty="0"/>
+              <a:t>Suche nach </a:t>
+            </a:r>
+            <a:r>
+              <a:rPr lang="de-DE" u="sng" dirty="0"/>
+              <a:t>3:</a:t>
+            </a:r>
+          </a:p>
+        </p:txBody>
+      </p:sp>
+      <p:sp>
+        <p:nvSpPr>
+          <p:cNvPr id="9" name="Flussdiagramm: Verbinder 8">
+            <a:extLst>
+              <a:ext uri="{FF2B5EF4-FFF2-40B4-BE49-F238E27FC236}">
+                <a16:creationId xmlns:a16="http://schemas.microsoft.com/office/drawing/2014/main" id="{EE42FB66-83BE-442F-B51F-6B3A51600C3B}"/>
+              </a:ext>
+            </a:extLst>
+          </p:cNvPr>
+          <p:cNvSpPr/>
+          <p:nvPr/>
+        </p:nvSpPr>
+        <p:spPr>
+          <a:xfrm>
+            <a:off x="8597461" y="2504090"/>
+            <a:ext cx="924911" cy="943303"/>
+          </a:xfrm>
+          <a:prstGeom prst="flowChartConnector">
+            <a:avLst/>
+          </a:prstGeom>
+          <a:noFill/>
+          <a:ln>
+            <a:solidFill>
+              <a:srgbClr val="FF0000"/>
+            </a:solidFill>
+          </a:ln>
+        </p:spPr>
+        <p:style>
+          <a:lnRef idx="2">
+            <a:schemeClr val="accent1">
+              <a:shade val="50000"/>
+            </a:schemeClr>
+          </a:lnRef>
+          <a:fillRef idx="1">
+            <a:schemeClr val="accent1"/>
+          </a:fillRef>
+          <a:effectRef idx="0">
+            <a:schemeClr val="accent1"/>
+          </a:effectRef>
+          <a:fontRef idx="minor">
+            <a:schemeClr val="lt1"/>
+          </a:fontRef>
+        </p:style>
+        <p:txBody>
+          <a:bodyPr rtlCol="0" anchor="ctr"/>
+          <a:lstStyle/>
+          <a:p>
+            <a:pPr algn="ctr"/>
+            <a:endParaRPr lang="de-DE" dirty="0"/>
+          </a:p>
+        </p:txBody>
+      </p:sp>
+      <p:sp>
+        <p:nvSpPr>
+          <p:cNvPr id="10" name="Flussdiagramm: Verbinder 9">
+            <a:extLst>
+              <a:ext uri="{FF2B5EF4-FFF2-40B4-BE49-F238E27FC236}">
+                <a16:creationId xmlns:a16="http://schemas.microsoft.com/office/drawing/2014/main" id="{A99D9230-A627-462D-A5D7-5321E46D9333}"/>
+              </a:ext>
+            </a:extLst>
+          </p:cNvPr>
+          <p:cNvSpPr/>
+          <p:nvPr/>
+        </p:nvSpPr>
+        <p:spPr>
+          <a:xfrm>
+            <a:off x="7635765" y="3476297"/>
+            <a:ext cx="924911" cy="943303"/>
+          </a:xfrm>
+          <a:prstGeom prst="flowChartConnector">
+            <a:avLst/>
+          </a:prstGeom>
+          <a:noFill/>
+          <a:ln>
+            <a:solidFill>
+              <a:srgbClr val="FF0000"/>
+            </a:solidFill>
+          </a:ln>
+        </p:spPr>
+        <p:style>
+          <a:lnRef idx="2">
+            <a:schemeClr val="accent1">
+              <a:shade val="50000"/>
+            </a:schemeClr>
+          </a:lnRef>
+          <a:fillRef idx="1">
+            <a:schemeClr val="accent1"/>
+          </a:fillRef>
+          <a:effectRef idx="0">
+            <a:schemeClr val="accent1"/>
+          </a:effectRef>
+          <a:fontRef idx="minor">
+            <a:schemeClr val="lt1"/>
+          </a:fontRef>
+        </p:style>
+        <p:txBody>
+          <a:bodyPr rtlCol="0" anchor="ctr"/>
+          <a:lstStyle/>
+          <a:p>
+            <a:pPr algn="ctr"/>
+            <a:endParaRPr lang="de-DE" dirty="0"/>
+          </a:p>
+        </p:txBody>
+      </p:sp>
+      <p:sp>
+        <p:nvSpPr>
+          <p:cNvPr id="11" name="Flussdiagramm: Verbinder 10">
+            <a:extLst>
+              <a:ext uri="{FF2B5EF4-FFF2-40B4-BE49-F238E27FC236}">
+                <a16:creationId xmlns:a16="http://schemas.microsoft.com/office/drawing/2014/main" id="{74027E2E-53C8-45C8-BAFF-A6114344AAD6}"/>
+              </a:ext>
+            </a:extLst>
+          </p:cNvPr>
+          <p:cNvSpPr/>
+          <p:nvPr/>
+        </p:nvSpPr>
+        <p:spPr>
+          <a:xfrm>
+            <a:off x="8602716" y="4432738"/>
+            <a:ext cx="924911" cy="943303"/>
+          </a:xfrm>
+          <a:prstGeom prst="flowChartConnector">
+            <a:avLst/>
+          </a:prstGeom>
+          <a:noFill/>
+          <a:ln>
+            <a:solidFill>
+              <a:srgbClr val="FF0000"/>
+            </a:solidFill>
+          </a:ln>
+        </p:spPr>
+        <p:style>
+          <a:lnRef idx="2">
+            <a:schemeClr val="accent1">
+              <a:shade val="50000"/>
+            </a:schemeClr>
+          </a:lnRef>
+          <a:fillRef idx="1">
+            <a:schemeClr val="accent1"/>
+          </a:fillRef>
+          <a:effectRef idx="0">
+            <a:schemeClr val="accent1"/>
+          </a:effectRef>
+          <a:fontRef idx="minor">
+            <a:schemeClr val="lt1"/>
+          </a:fontRef>
+        </p:style>
+        <p:txBody>
+          <a:bodyPr rtlCol="0" anchor="ctr"/>
+          <a:lstStyle/>
+          <a:p>
+            <a:pPr algn="ctr"/>
+            <a:endParaRPr lang="de-DE" dirty="0"/>
+          </a:p>
+        </p:txBody>
+      </p:sp>
+      <p:cxnSp>
+        <p:nvCxnSpPr>
+          <p:cNvPr id="13" name="Gerade Verbindung mit Pfeil 12">
+            <a:extLst>
+              <a:ext uri="{FF2B5EF4-FFF2-40B4-BE49-F238E27FC236}">
+                <a16:creationId xmlns:a16="http://schemas.microsoft.com/office/drawing/2014/main" id="{ECA5B5C0-D5F3-41AC-8B0C-E414EAB3E7BA}"/>
+              </a:ext>
+            </a:extLst>
+          </p:cNvPr>
+          <p:cNvCxnSpPr>
+            <a:cxnSpLocks/>
+          </p:cNvCxnSpPr>
+          <p:nvPr/>
+        </p:nvCxnSpPr>
+        <p:spPr>
+          <a:xfrm flipH="1">
+            <a:off x="7566660" y="2504090"/>
+            <a:ext cx="873147" cy="875460"/>
+          </a:xfrm>
+          <a:prstGeom prst="straightConnector1">
+            <a:avLst/>
+          </a:prstGeom>
+          <a:ln w="38100">
+            <a:solidFill>
+              <a:srgbClr val="FF0000"/>
+            </a:solidFill>
+            <a:tailEnd type="triangle"/>
+          </a:ln>
+        </p:spPr>
+        <p:style>
+          <a:lnRef idx="1">
+            <a:schemeClr val="accent1"/>
+          </a:lnRef>
+          <a:fillRef idx="0">
+            <a:schemeClr val="accent1"/>
+          </a:fillRef>
+          <a:effectRef idx="0">
+            <a:schemeClr val="accent1"/>
+          </a:effectRef>
+          <a:fontRef idx="minor">
+            <a:schemeClr val="tx1"/>
+          </a:fontRef>
+        </p:style>
+      </p:cxnSp>
+      <p:cxnSp>
+        <p:nvCxnSpPr>
+          <p:cNvPr id="15" name="Gerade Verbindung mit Pfeil 14">
+            <a:extLst>
+              <a:ext uri="{FF2B5EF4-FFF2-40B4-BE49-F238E27FC236}">
+                <a16:creationId xmlns:a16="http://schemas.microsoft.com/office/drawing/2014/main" id="{08E17DB2-7C0E-4B56-AE1E-19020168608F}"/>
+              </a:ext>
+            </a:extLst>
+          </p:cNvPr>
+          <p:cNvCxnSpPr>
+            <a:cxnSpLocks/>
+          </p:cNvCxnSpPr>
+          <p:nvPr/>
+        </p:nvCxnSpPr>
+        <p:spPr>
+          <a:xfrm>
+            <a:off x="7635765" y="4516347"/>
+            <a:ext cx="875250" cy="859694"/>
+          </a:xfrm>
+          <a:prstGeom prst="straightConnector1">
+            <a:avLst/>
+          </a:prstGeom>
+          <a:ln w="38100">
+            <a:solidFill>
+              <a:srgbClr val="FF0000"/>
+            </a:solidFill>
+            <a:tailEnd type="triangle"/>
+          </a:ln>
+        </p:spPr>
+        <p:style>
+          <a:lnRef idx="1">
+            <a:schemeClr val="accent1"/>
+          </a:lnRef>
+          <a:fillRef idx="0">
+            <a:schemeClr val="accent1"/>
+          </a:fillRef>
+          <a:effectRef idx="0">
+            <a:schemeClr val="accent1"/>
+          </a:effectRef>
+          <a:fontRef idx="minor">
+            <a:schemeClr val="tx1"/>
+          </a:fontRef>
+        </p:style>
+      </p:cxnSp>
+      <p:sp>
+        <p:nvSpPr>
+          <p:cNvPr id="18" name="Textfeld 17">
+            <a:extLst>
+              <a:ext uri="{FF2B5EF4-FFF2-40B4-BE49-F238E27FC236}">
+                <a16:creationId xmlns:a16="http://schemas.microsoft.com/office/drawing/2014/main" id="{72EF2145-9F9F-4249-BC6A-C9EE44242E3A}"/>
+              </a:ext>
+            </a:extLst>
+          </p:cNvPr>
+          <p:cNvSpPr txBox="1"/>
+          <p:nvPr/>
+        </p:nvSpPr>
+        <p:spPr>
+          <a:xfrm>
+            <a:off x="8671327" y="2014755"/>
+            <a:ext cx="777177" cy="369332"/>
+          </a:xfrm>
+          <a:prstGeom prst="rect">
+            <a:avLst/>
+          </a:prstGeom>
+          <a:noFill/>
+        </p:spPr>
+        <p:txBody>
+          <a:bodyPr wrap="square" rtlCol="0">
+            <a:spAutoFit/>
+          </a:bodyPr>
+          <a:lstStyle/>
+          <a:p>
+            <a:r>
+              <a:rPr lang="de-DE" dirty="0"/>
+              <a:t>3 &lt; 4</a:t>
+            </a:r>
+          </a:p>
+        </p:txBody>
+      </p:sp>
+      <p:sp>
+        <p:nvSpPr>
+          <p:cNvPr id="19" name="Textfeld 18">
+            <a:extLst>
+              <a:ext uri="{FF2B5EF4-FFF2-40B4-BE49-F238E27FC236}">
+                <a16:creationId xmlns:a16="http://schemas.microsoft.com/office/drawing/2014/main" id="{819E0138-D604-4238-8F45-073234898B0B}"/>
+              </a:ext>
+            </a:extLst>
+          </p:cNvPr>
+          <p:cNvSpPr txBox="1"/>
+          <p:nvPr/>
+        </p:nvSpPr>
+        <p:spPr>
+          <a:xfrm>
+            <a:off x="6486415" y="3763282"/>
+            <a:ext cx="996950" cy="369332"/>
+          </a:xfrm>
+          <a:prstGeom prst="rect">
+            <a:avLst/>
+          </a:prstGeom>
+          <a:noFill/>
+        </p:spPr>
+        <p:txBody>
+          <a:bodyPr wrap="square" rtlCol="0">
+            <a:spAutoFit/>
+          </a:bodyPr>
+          <a:lstStyle/>
+          <a:p>
+            <a:r>
+              <a:rPr lang="de-DE" dirty="0"/>
+              <a:t>3 &gt; 2</a:t>
+            </a:r>
+          </a:p>
+        </p:txBody>
+      </p:sp>
+      <p:sp>
+        <p:nvSpPr>
+          <p:cNvPr id="20" name="Textfeld 19">
+            <a:extLst>
+              <a:ext uri="{FF2B5EF4-FFF2-40B4-BE49-F238E27FC236}">
+                <a16:creationId xmlns:a16="http://schemas.microsoft.com/office/drawing/2014/main" id="{1FE883E3-0946-43E1-B0D3-79EB3FBC1C06}"/>
+              </a:ext>
+            </a:extLst>
+          </p:cNvPr>
+          <p:cNvSpPr txBox="1"/>
+          <p:nvPr/>
+        </p:nvSpPr>
+        <p:spPr>
+          <a:xfrm>
+            <a:off x="9880643" y="4719723"/>
+            <a:ext cx="853440" cy="369332"/>
+          </a:xfrm>
+          <a:prstGeom prst="rect">
+            <a:avLst/>
+          </a:prstGeom>
+          <a:noFill/>
+        </p:spPr>
+        <p:txBody>
+          <a:bodyPr wrap="square" rtlCol="0">
+            <a:spAutoFit/>
+          </a:bodyPr>
+          <a:lstStyle/>
+          <a:p>
+            <a:r>
+              <a:rPr lang="de-DE" dirty="0"/>
+              <a:t>3 = 3</a:t>
+            </a:r>
+          </a:p>
+        </p:txBody>
+      </p:sp>
+    </p:spTree>
+    <p:extLst>
+      <p:ext uri="{BB962C8B-B14F-4D97-AF65-F5344CB8AC3E}">
+        <p14:creationId xmlns:p14="http://schemas.microsoft.com/office/powerpoint/2010/main" val="1298739856"/>
+      </p:ext>
+    </p:extLst>
+  </p:cSld>
+  <p:clrMapOvr>
+    <a:masterClrMapping/>
+  </p:clrMapOvr>
+  <mc:AlternateContent xmlns:mc="http://schemas.openxmlformats.org/markup-compatibility/2006" xmlns:p14="http://schemas.microsoft.com/office/powerpoint/2010/main">
+    <mc:Choice Requires="p14">
+      <p:transition spd="med" p14:dur="700">
+        <p:fade/>
+      </p:transition>
+    </mc:Choice>
+    <mc:Fallback xmlns="">
+      <p:transition spd="med">
+        <p:fade/>
+      </p:transition>
+    </mc:Fallback>
+  </mc:AlternateContent>
+  <p:timing>
+    <p:tnLst>
+      <p:par>
+        <p:cTn id="1" dur="indefinite" restart="never" nodeType="tmRoot">
+          <p:childTnLst>
+            <p:seq concurrent="1" nextAc="seek">
+              <p:cTn id="2" dur="indefinite" nodeType="mainSeq">
+                <p:childTnLst>
+                  <p:par>
+                    <p:cTn id="3" fill="hold">
+                      <p:stCondLst>
+                        <p:cond delay="indefinite"/>
+                      </p:stCondLst>
+                      <p:childTnLst>
+                        <p:par>
+                          <p:cTn id="4" fill="hold">
+                            <p:stCondLst>
+                              <p:cond delay="0"/>
+                            </p:stCondLst>
+                            <p:childTnLst>
+                              <p:par>
+                                <p:cTn id="5" presetID="1" presetClass="entr" presetSubtype="0" fill="hold" nodeType="clickEffect">
+                                  <p:stCondLst>
+                                    <p:cond delay="0"/>
+                                  </p:stCondLst>
+                                  <p:childTnLst>
+                                    <p:set>
+                                      <p:cBhvr>
+                                        <p:cTn id="6" dur="1" fill="hold">
+                                          <p:stCondLst>
+                                            <p:cond delay="0"/>
+                                          </p:stCondLst>
+                                        </p:cTn>
+                                        <p:tgtEl>
+                                          <p:spTgt spid="3">
+                                            <p:txEl>
+                                              <p:pRg st="0" end="0"/>
+                                            </p:txEl>
+                                          </p:spTgt>
+                                        </p:tgtEl>
+                                        <p:attrNameLst>
+                                          <p:attrName>style.visibility</p:attrName>
+                                        </p:attrNameLst>
+                                      </p:cBhvr>
+                                      <p:to>
+                                        <p:strVal val="visible"/>
+                                      </p:to>
+                                    </p:set>
+                                  </p:childTnLst>
+                                </p:cTn>
+                              </p:par>
+                            </p:childTnLst>
+                          </p:cTn>
+                        </p:par>
+                      </p:childTnLst>
+                    </p:cTn>
+                  </p:par>
+                  <p:par>
+                    <p:cTn id="7" fill="hold">
+                      <p:stCondLst>
+                        <p:cond delay="indefinite"/>
+                      </p:stCondLst>
+                      <p:childTnLst>
+                        <p:par>
+                          <p:cTn id="8" fill="hold">
+                            <p:stCondLst>
+                              <p:cond delay="0"/>
+                            </p:stCondLst>
+                            <p:childTnLst>
+                              <p:par>
+                                <p:cTn id="9" presetID="1" presetClass="entr" presetSubtype="0" fill="hold" grpId="0" nodeType="clickEffect">
+                                  <p:stCondLst>
+                                    <p:cond delay="0"/>
+                                  </p:stCondLst>
+                                  <p:childTnLst>
+                                    <p:set>
+                                      <p:cBhvr>
+                                        <p:cTn id="10" dur="1" fill="hold">
+                                          <p:stCondLst>
+                                            <p:cond delay="0"/>
+                                          </p:stCondLst>
+                                        </p:cTn>
+                                        <p:tgtEl>
+                                          <p:spTgt spid="7"/>
+                                        </p:tgtEl>
+                                        <p:attrNameLst>
+                                          <p:attrName>style.visibility</p:attrName>
+                                        </p:attrNameLst>
+                                      </p:cBhvr>
+                                      <p:to>
+                                        <p:strVal val="visible"/>
+                                      </p:to>
+                                    </p:set>
+                                  </p:childTnLst>
+                                </p:cTn>
+                              </p:par>
+                            </p:childTnLst>
+                          </p:cTn>
+                        </p:par>
+                      </p:childTnLst>
+                    </p:cTn>
+                  </p:par>
+                  <p:par>
+                    <p:cTn id="11" fill="hold">
+                      <p:stCondLst>
+                        <p:cond delay="indefinite"/>
+                      </p:stCondLst>
+                      <p:childTnLst>
+                        <p:par>
+                          <p:cTn id="12" fill="hold">
+                            <p:stCondLst>
+                              <p:cond delay="0"/>
+                            </p:stCondLst>
+                            <p:childTnLst>
+                              <p:par>
+                                <p:cTn id="13" presetID="1" presetClass="entr" presetSubtype="0" fill="hold" nodeType="clickEffect">
+                                  <p:stCondLst>
+                                    <p:cond delay="0"/>
+                                  </p:stCondLst>
+                                  <p:childTnLst>
+                                    <p:set>
+                                      <p:cBhvr>
+                                        <p:cTn id="14" dur="1" fill="hold">
+                                          <p:stCondLst>
+                                            <p:cond delay="0"/>
+                                          </p:stCondLst>
+                                        </p:cTn>
+                                        <p:tgtEl>
+                                          <p:spTgt spid="6"/>
+                                        </p:tgtEl>
+                                        <p:attrNameLst>
+                                          <p:attrName>style.visibility</p:attrName>
+                                        </p:attrNameLst>
+                                      </p:cBhvr>
+                                      <p:to>
+                                        <p:strVal val="visible"/>
+                                      </p:to>
+                                    </p:set>
+                                  </p:childTnLst>
+                                </p:cTn>
+                              </p:par>
+                            </p:childTnLst>
+                          </p:cTn>
+                        </p:par>
+                        <p:par>
+                          <p:cTn id="15" fill="hold">
+                            <p:stCondLst>
+                              <p:cond delay="0"/>
+                            </p:stCondLst>
+                            <p:childTnLst>
+                              <p:par>
+                                <p:cTn id="16" presetID="1" presetClass="entr" presetSubtype="0" fill="hold" grpId="0" nodeType="afterEffect">
+                                  <p:stCondLst>
+                                    <p:cond delay="0"/>
+                                  </p:stCondLst>
+                                  <p:childTnLst>
+                                    <p:set>
+                                      <p:cBhvr>
+                                        <p:cTn id="17" dur="1" fill="hold">
+                                          <p:stCondLst>
+                                            <p:cond delay="0"/>
+                                          </p:stCondLst>
+                                        </p:cTn>
+                                        <p:tgtEl>
+                                          <p:spTgt spid="9"/>
+                                        </p:tgtEl>
+                                        <p:attrNameLst>
+                                          <p:attrName>style.visibility</p:attrName>
+                                        </p:attrNameLst>
+                                      </p:cBhvr>
+                                      <p:to>
+                                        <p:strVal val="visible"/>
+                                      </p:to>
+                                    </p:set>
+                                  </p:childTnLst>
+                                </p:cTn>
+                              </p:par>
+                            </p:childTnLst>
+                          </p:cTn>
+                        </p:par>
+                      </p:childTnLst>
+                    </p:cTn>
+                  </p:par>
+                  <p:par>
+                    <p:cTn id="18" fill="hold">
+                      <p:stCondLst>
+                        <p:cond delay="indefinite"/>
+                      </p:stCondLst>
+                      <p:childTnLst>
+                        <p:par>
+                          <p:cTn id="19" fill="hold">
+                            <p:stCondLst>
+                              <p:cond delay="0"/>
+                            </p:stCondLst>
+                            <p:childTnLst>
+                              <p:par>
+                                <p:cTn id="20" presetID="1" presetClass="entr" presetSubtype="0" fill="hold" grpId="0" nodeType="clickEffect">
+                                  <p:stCondLst>
+                                    <p:cond delay="0"/>
+                                  </p:stCondLst>
+                                  <p:childTnLst>
+                                    <p:set>
+                                      <p:cBhvr>
+                                        <p:cTn id="21" dur="1" fill="hold">
+                                          <p:stCondLst>
+                                            <p:cond delay="0"/>
+                                          </p:stCondLst>
+                                        </p:cTn>
+                                        <p:tgtEl>
+                                          <p:spTgt spid="18"/>
+                                        </p:tgtEl>
+                                        <p:attrNameLst>
+                                          <p:attrName>style.visibility</p:attrName>
+                                        </p:attrNameLst>
+                                      </p:cBhvr>
+                                      <p:to>
+                                        <p:strVal val="visible"/>
+                                      </p:to>
+                                    </p:set>
+                                  </p:childTnLst>
+                                </p:cTn>
+                              </p:par>
+                            </p:childTnLst>
+                          </p:cTn>
+                        </p:par>
+                      </p:childTnLst>
+                    </p:cTn>
+                  </p:par>
+                  <p:par>
+                    <p:cTn id="22" fill="hold">
+                      <p:stCondLst>
+                        <p:cond delay="indefinite"/>
+                      </p:stCondLst>
+                      <p:childTnLst>
+                        <p:par>
+                          <p:cTn id="23" fill="hold">
+                            <p:stCondLst>
+                              <p:cond delay="0"/>
+                            </p:stCondLst>
+                            <p:childTnLst>
+                              <p:par>
+                                <p:cTn id="24" presetID="1" presetClass="entr" presetSubtype="0" fill="hold" nodeType="clickEffect">
+                                  <p:stCondLst>
+                                    <p:cond delay="0"/>
+                                  </p:stCondLst>
+                                  <p:childTnLst>
+                                    <p:set>
+                                      <p:cBhvr>
+                                        <p:cTn id="25" dur="1" fill="hold">
+                                          <p:stCondLst>
+                                            <p:cond delay="0"/>
+                                          </p:stCondLst>
+                                        </p:cTn>
+                                        <p:tgtEl>
+                                          <p:spTgt spid="13"/>
+                                        </p:tgtEl>
+                                        <p:attrNameLst>
+                                          <p:attrName>style.visibility</p:attrName>
+                                        </p:attrNameLst>
+                                      </p:cBhvr>
+                                      <p:to>
+                                        <p:strVal val="visible"/>
+                                      </p:to>
+                                    </p:set>
+                                  </p:childTnLst>
+                                </p:cTn>
+                              </p:par>
+                            </p:childTnLst>
+                          </p:cTn>
+                        </p:par>
+                      </p:childTnLst>
+                    </p:cTn>
+                  </p:par>
+                  <p:par>
+                    <p:cTn id="26" fill="hold">
+                      <p:stCondLst>
+                        <p:cond delay="indefinite"/>
+                      </p:stCondLst>
+                      <p:childTnLst>
+                        <p:par>
+                          <p:cTn id="27" fill="hold">
+                            <p:stCondLst>
+                              <p:cond delay="0"/>
+                            </p:stCondLst>
+                            <p:childTnLst>
+                              <p:par>
+                                <p:cTn id="28" presetID="1" presetClass="entr" presetSubtype="0" fill="hold" grpId="0" nodeType="clickEffect">
+                                  <p:stCondLst>
+                                    <p:cond delay="0"/>
+                                  </p:stCondLst>
+                                  <p:childTnLst>
+                                    <p:set>
+                                      <p:cBhvr>
+                                        <p:cTn id="29" dur="1" fill="hold">
+                                          <p:stCondLst>
+                                            <p:cond delay="0"/>
+                                          </p:stCondLst>
+                                        </p:cTn>
+                                        <p:tgtEl>
+                                          <p:spTgt spid="10"/>
+                                        </p:tgtEl>
+                                        <p:attrNameLst>
+                                          <p:attrName>style.visibility</p:attrName>
+                                        </p:attrNameLst>
+                                      </p:cBhvr>
+                                      <p:to>
+                                        <p:strVal val="visible"/>
+                                      </p:to>
+                                    </p:set>
+                                  </p:childTnLst>
+                                </p:cTn>
+                              </p:par>
+                            </p:childTnLst>
+                          </p:cTn>
+                        </p:par>
+                      </p:childTnLst>
+                    </p:cTn>
+                  </p:par>
+                  <p:par>
+                    <p:cTn id="30" fill="hold">
+                      <p:stCondLst>
+                        <p:cond delay="indefinite"/>
+                      </p:stCondLst>
+                      <p:childTnLst>
+                        <p:par>
+                          <p:cTn id="31" fill="hold">
+                            <p:stCondLst>
+                              <p:cond delay="0"/>
+                            </p:stCondLst>
+                            <p:childTnLst>
+                              <p:par>
+                                <p:cTn id="32" presetID="1" presetClass="entr" presetSubtype="0" fill="hold" grpId="0" nodeType="clickEffect">
+                                  <p:stCondLst>
+                                    <p:cond delay="0"/>
+                                  </p:stCondLst>
+                                  <p:childTnLst>
+                                    <p:set>
+                                      <p:cBhvr>
+                                        <p:cTn id="33" dur="1" fill="hold">
+                                          <p:stCondLst>
+                                            <p:cond delay="0"/>
+                                          </p:stCondLst>
+                                        </p:cTn>
+                                        <p:tgtEl>
+                                          <p:spTgt spid="19"/>
+                                        </p:tgtEl>
+                                        <p:attrNameLst>
+                                          <p:attrName>style.visibility</p:attrName>
+                                        </p:attrNameLst>
+                                      </p:cBhvr>
+                                      <p:to>
+                                        <p:strVal val="visible"/>
+                                      </p:to>
+                                    </p:set>
+                                  </p:childTnLst>
+                                </p:cTn>
+                              </p:par>
+                            </p:childTnLst>
+                          </p:cTn>
+                        </p:par>
+                      </p:childTnLst>
+                    </p:cTn>
+                  </p:par>
+                  <p:par>
+                    <p:cTn id="34" fill="hold">
+                      <p:stCondLst>
+                        <p:cond delay="indefinite"/>
+                      </p:stCondLst>
+                      <p:childTnLst>
+                        <p:par>
+                          <p:cTn id="35" fill="hold">
+                            <p:stCondLst>
+                              <p:cond delay="0"/>
+                            </p:stCondLst>
+                            <p:childTnLst>
+                              <p:par>
+                                <p:cTn id="36" presetID="1" presetClass="entr" presetSubtype="0" fill="hold" nodeType="clickEffect">
+                                  <p:stCondLst>
+                                    <p:cond delay="0"/>
+                                  </p:stCondLst>
+                                  <p:childTnLst>
+                                    <p:set>
+                                      <p:cBhvr>
+                                        <p:cTn id="37" dur="1" fill="hold">
+                                          <p:stCondLst>
+                                            <p:cond delay="0"/>
+                                          </p:stCondLst>
+                                        </p:cTn>
+                                        <p:tgtEl>
+                                          <p:spTgt spid="15"/>
+                                        </p:tgtEl>
+                                        <p:attrNameLst>
+                                          <p:attrName>style.visibility</p:attrName>
+                                        </p:attrNameLst>
+                                      </p:cBhvr>
+                                      <p:to>
+                                        <p:strVal val="visible"/>
+                                      </p:to>
+                                    </p:set>
+                                  </p:childTnLst>
+                                </p:cTn>
+                              </p:par>
+                            </p:childTnLst>
+                          </p:cTn>
+                        </p:par>
+                      </p:childTnLst>
+                    </p:cTn>
+                  </p:par>
+                  <p:par>
+                    <p:cTn id="38" fill="hold">
+                      <p:stCondLst>
+                        <p:cond delay="indefinite"/>
+                      </p:stCondLst>
+                      <p:childTnLst>
+                        <p:par>
+                          <p:cTn id="39" fill="hold">
+                            <p:stCondLst>
+                              <p:cond delay="0"/>
+                            </p:stCondLst>
+                            <p:childTnLst>
+                              <p:par>
+                                <p:cTn id="40" presetID="1" presetClass="entr" presetSubtype="0" fill="hold" grpId="0" nodeType="clickEffect">
+                                  <p:stCondLst>
+                                    <p:cond delay="0"/>
+                                  </p:stCondLst>
+                                  <p:childTnLst>
+                                    <p:set>
+                                      <p:cBhvr>
+                                        <p:cTn id="41" dur="1" fill="hold">
+                                          <p:stCondLst>
+                                            <p:cond delay="0"/>
+                                          </p:stCondLst>
+                                        </p:cTn>
+                                        <p:tgtEl>
+                                          <p:spTgt spid="11"/>
+                                        </p:tgtEl>
+                                        <p:attrNameLst>
+                                          <p:attrName>style.visibility</p:attrName>
+                                        </p:attrNameLst>
+                                      </p:cBhvr>
+                                      <p:to>
+                                        <p:strVal val="visible"/>
+                                      </p:to>
+                                    </p:set>
+                                  </p:childTnLst>
+                                </p:cTn>
+                              </p:par>
+                            </p:childTnLst>
+                          </p:cTn>
+                        </p:par>
+                      </p:childTnLst>
+                    </p:cTn>
+                  </p:par>
+                  <p:par>
+                    <p:cTn id="42" fill="hold">
+                      <p:stCondLst>
+                        <p:cond delay="indefinite"/>
+                      </p:stCondLst>
+                      <p:childTnLst>
+                        <p:par>
+                          <p:cTn id="43" fill="hold">
+                            <p:stCondLst>
+                              <p:cond delay="0"/>
+                            </p:stCondLst>
+                            <p:childTnLst>
+                              <p:par>
+                                <p:cTn id="44" presetID="1" presetClass="entr" presetSubtype="0" fill="hold" grpId="0" nodeType="clickEffect">
+                                  <p:stCondLst>
+                                    <p:cond delay="0"/>
+                                  </p:stCondLst>
+                                  <p:childTnLst>
+                                    <p:set>
+                                      <p:cBhvr>
+                                        <p:cTn id="45" dur="1" fill="hold">
+                                          <p:stCondLst>
+                                            <p:cond delay="0"/>
+                                          </p:stCondLst>
+                                        </p:cTn>
+                                        <p:tgtEl>
+                                          <p:spTgt spid="20"/>
+                                        </p:tgtEl>
+                                        <p:attrNameLst>
+                                          <p:attrName>style.visibility</p:attrName>
+                                        </p:attrNameLst>
+                                      </p:cBhvr>
+                                      <p:to>
+                                        <p:strVal val="visible"/>
+                                      </p:to>
+                                    </p:set>
+                                  </p:childTnLst>
+                                </p:cTn>
+                              </p:par>
+                            </p:childTnLst>
+                          </p:cTn>
+                        </p:par>
+                      </p:childTnLst>
+                    </p:cTn>
+                  </p:par>
+                  <p:par>
+                    <p:cTn id="46" fill="hold">
+                      <p:stCondLst>
+                        <p:cond delay="indefinite"/>
+                      </p:stCondLst>
+                      <p:childTnLst>
+                        <p:par>
+                          <p:cTn id="47" fill="hold">
+                            <p:stCondLst>
+                              <p:cond delay="0"/>
+                            </p:stCondLst>
+                            <p:childTnLst>
+                              <p:par>
+                                <p:cTn id="48" presetID="1" presetClass="entr" presetSubtype="0" fill="hold" nodeType="clickEffect">
+                                  <p:stCondLst>
+                                    <p:cond delay="0"/>
+                                  </p:stCondLst>
+                                  <p:childTnLst>
+                                    <p:set>
+                                      <p:cBhvr>
+                                        <p:cTn id="49" dur="1" fill="hold">
+                                          <p:stCondLst>
+                                            <p:cond delay="0"/>
+                                          </p:stCondLst>
+                                        </p:cTn>
+                                        <p:tgtEl>
+                                          <p:spTgt spid="3">
+                                            <p:txEl>
+                                              <p:pRg st="1" end="1"/>
+                                            </p:txEl>
+                                          </p:spTgt>
+                                        </p:tgtEl>
+                                        <p:attrNameLst>
+                                          <p:attrName>style.visibility</p:attrName>
+                                        </p:attrNameLst>
+                                      </p:cBhvr>
+                                      <p:to>
+                                        <p:strVal val="visible"/>
+                                      </p:to>
+                                    </p:set>
+                                  </p:childTnLst>
+                                </p:cTn>
+                              </p:par>
+                            </p:childTnLst>
+                          </p:cTn>
+                        </p:par>
+                      </p:childTnLst>
+                    </p:cTn>
+                  </p:par>
+                  <p:par>
+                    <p:cTn id="50" fill="hold">
+                      <p:stCondLst>
+                        <p:cond delay="indefinite"/>
+                      </p:stCondLst>
+                      <p:childTnLst>
+                        <p:par>
+                          <p:cTn id="51" fill="hold">
+                            <p:stCondLst>
+                              <p:cond delay="0"/>
+                            </p:stCondLst>
+                            <p:childTnLst>
+                              <p:par>
+                                <p:cTn id="52" presetID="1" presetClass="entr" presetSubtype="0" fill="hold" nodeType="clickEffect">
+                                  <p:stCondLst>
+                                    <p:cond delay="0"/>
+                                  </p:stCondLst>
+                                  <p:childTnLst>
+                                    <p:set>
+                                      <p:cBhvr>
+                                        <p:cTn id="53" dur="1" fill="hold">
+                                          <p:stCondLst>
+                                            <p:cond delay="0"/>
+                                          </p:stCondLst>
+                                        </p:cTn>
+                                        <p:tgtEl>
+                                          <p:spTgt spid="3">
+                                            <p:txEl>
+                                              <p:pRg st="2" end="2"/>
+                                            </p:txEl>
+                                          </p:spTgt>
+                                        </p:tgtEl>
+                                        <p:attrNameLst>
+                                          <p:attrName>style.visibility</p:attrName>
+                                        </p:attrNameLst>
+                                      </p:cBhvr>
+                                      <p:to>
+                                        <p:strVal val="visible"/>
+                                      </p:to>
+                                    </p:set>
+                                  </p:childTnLst>
+                                </p:cTn>
+                              </p:par>
+                            </p:childTnLst>
+                          </p:cTn>
+                        </p:par>
+                      </p:childTnLst>
+                    </p:cTn>
+                  </p:par>
+                </p:childTnLst>
+              </p:cTn>
+              <p:prevCondLst>
+                <p:cond evt="onPrev" delay="0">
+                  <p:tgtEl>
+                    <p:sldTgt/>
+                  </p:tgtEl>
+                </p:cond>
+              </p:prevCondLst>
+              <p:nextCondLst>
+                <p:cond evt="onNext" delay="0">
+                  <p:tgtEl>
+                    <p:sldTgt/>
+                  </p:tgtEl>
+                </p:cond>
+              </p:nextCondLst>
+            </p:seq>
+          </p:childTnLst>
+        </p:cTn>
+      </p:par>
+    </p:tnLst>
+    <p:bldLst>
+      <p:bldP spid="7" grpId="0"/>
+      <p:bldP spid="9" grpId="0" animBg="1"/>
+      <p:bldP spid="10" grpId="0" animBg="1"/>
+      <p:bldP spid="11" grpId="0" animBg="1"/>
+      <p:bldP spid="18" grpId="0"/>
+      <p:bldP spid="19" grpId="0"/>
+      <p:bldP spid="20" grpId="0"/>
+    </p:bldLst>
+  </p:timing>
+</p:sld>
+</file>
+
+<file path=ppt/slides/slide7.xml><?xml version="1.0" encoding="utf-8"?>
+<p:sld xmlns:a="http://schemas.openxmlformats.org/drawingml/2006/main" xmlns:r="http://schemas.openxmlformats.org/officeDocument/2006/relationships" xmlns:p="http://schemas.openxmlformats.org/presentationml/2006/main">
+  <p:cSld>
+    <p:spTree>
+      <p:nvGrpSpPr>
+        <p:cNvPr id="1" name=""/>
+        <p:cNvGrpSpPr/>
+        <p:nvPr/>
+      </p:nvGrpSpPr>
+      <p:grpSpPr>
+        <a:xfrm>
+          <a:off x="0" y="0"/>
+          <a:ext cx="0" cy="0"/>
+          <a:chOff x="0" y="0"/>
+          <a:chExt cx="0" cy="0"/>
+        </a:xfrm>
+      </p:grpSpPr>
+      <p:sp>
+        <p:nvSpPr>
+          <p:cNvPr id="2" name="Titel 1">
+            <a:extLst>
+              <a:ext uri="{FF2B5EF4-FFF2-40B4-BE49-F238E27FC236}">
+                <a16:creationId xmlns:a16="http://schemas.microsoft.com/office/drawing/2014/main" id="{A8BCC4B3-0B97-4F3B-A1D2-5EDD6C52C2E1}"/>
+              </a:ext>
+            </a:extLst>
+          </p:cNvPr>
+          <p:cNvSpPr>
+            <a:spLocks noGrp="1"/>
+          </p:cNvSpPr>
+          <p:nvPr>
+            <p:ph type="title"/>
+          </p:nvPr>
+        </p:nvSpPr>
+        <p:spPr/>
+        <p:txBody>
+          <a:bodyPr/>
+          <a:lstStyle/>
+          <a:p>
+            <a:r>
+              <a:rPr lang="de-DE" dirty="0"/>
+              <a:t>Binärer Suchbaum – Einfügen eines Elements</a:t>
+            </a:r>
+          </a:p>
+        </p:txBody>
+      </p:sp>
+      <p:pic>
+        <p:nvPicPr>
+          <p:cNvPr id="7" name="Inhaltsplatzhalter 6">
+            <a:extLst>
+              <a:ext uri="{FF2B5EF4-FFF2-40B4-BE49-F238E27FC236}">
+                <a16:creationId xmlns:a16="http://schemas.microsoft.com/office/drawing/2014/main" id="{FE5821C5-982A-4F26-9B6E-5742186E81B9}"/>
+              </a:ext>
+            </a:extLst>
+          </p:cNvPr>
+          <p:cNvPicPr>
+            <a:picLocks noGrp="1" noChangeAspect="1"/>
+          </p:cNvPicPr>
+          <p:nvPr>
+            <p:ph idx="1"/>
+          </p:nvPr>
+        </p:nvPicPr>
+        <p:blipFill rotWithShape="1">
+          <a:blip r:embed="rId2">
+            <a:extLst>
+              <a:ext uri="{28A0092B-C50C-407E-A947-70E740481C1C}">
+                <a14:useLocalDpi xmlns:a14="http://schemas.microsoft.com/office/drawing/2010/main" val="0"/>
+              </a:ext>
+            </a:extLst>
+          </a:blip>
+          <a:srcRect r="76217"/>
+          <a:stretch/>
+        </p:blipFill>
+        <p:spPr>
+          <a:xfrm>
+            <a:off x="331124" y="2173146"/>
+            <a:ext cx="2603029" cy="2977529"/>
+          </a:xfrm>
+        </p:spPr>
+      </p:pic>
+      <p:pic>
+        <p:nvPicPr>
+          <p:cNvPr id="9" name="Grafik 8">
+            <a:extLst>
+              <a:ext uri="{FF2B5EF4-FFF2-40B4-BE49-F238E27FC236}">
+                <a16:creationId xmlns:a16="http://schemas.microsoft.com/office/drawing/2014/main" id="{BC1EEA65-DA68-4C0C-9255-2C3263FDB5C3}"/>
+              </a:ext>
+            </a:extLst>
+          </p:cNvPr>
+          <p:cNvPicPr>
+            <a:picLocks noChangeAspect="1"/>
+          </p:cNvPicPr>
+          <p:nvPr/>
+        </p:nvPicPr>
+        <p:blipFill rotWithShape="1">
+          <a:blip r:embed="rId3">
+            <a:extLst>
+              <a:ext uri="{28A0092B-C50C-407E-A947-70E740481C1C}">
+                <a14:useLocalDpi xmlns:a14="http://schemas.microsoft.com/office/drawing/2010/main" val="0"/>
+              </a:ext>
+            </a:extLst>
+          </a:blip>
+          <a:srcRect l="22672" r="65259"/>
+          <a:stretch/>
+        </p:blipFill>
+        <p:spPr>
+          <a:xfrm>
+            <a:off x="2764220" y="1770630"/>
+            <a:ext cx="1471447" cy="3316739"/>
+          </a:xfrm>
+          <a:prstGeom prst="rect">
+            <a:avLst/>
+          </a:prstGeom>
+        </p:spPr>
+      </p:pic>
+      <p:pic>
+        <p:nvPicPr>
+          <p:cNvPr id="11" name="Grafik 10" descr="Ein Bild, das Objekt enthält.&#10;&#10;Automatisch generierte Beschreibung">
+            <a:extLst>
+              <a:ext uri="{FF2B5EF4-FFF2-40B4-BE49-F238E27FC236}">
+                <a16:creationId xmlns:a16="http://schemas.microsoft.com/office/drawing/2014/main" id="{6274CA27-3E52-4C7A-8F9E-D4744D6C6018}"/>
+              </a:ext>
+            </a:extLst>
+          </p:cNvPr>
+          <p:cNvPicPr>
+            <a:picLocks noChangeAspect="1"/>
+          </p:cNvPicPr>
+          <p:nvPr/>
+        </p:nvPicPr>
+        <p:blipFill rotWithShape="1">
+          <a:blip r:embed="rId4">
+            <a:extLst>
+              <a:ext uri="{28A0092B-C50C-407E-A947-70E740481C1C}">
+                <a14:useLocalDpi xmlns:a14="http://schemas.microsoft.com/office/drawing/2010/main" val="0"/>
+              </a:ext>
+            </a:extLst>
+          </a:blip>
+          <a:srcRect l="34741" r="42500"/>
+          <a:stretch/>
+        </p:blipFill>
+        <p:spPr>
+          <a:xfrm>
+            <a:off x="4235668" y="2109840"/>
+            <a:ext cx="2490953" cy="2977529"/>
+          </a:xfrm>
+          <a:prstGeom prst="rect">
+            <a:avLst/>
+          </a:prstGeom>
+        </p:spPr>
+      </p:pic>
+      <p:pic>
+        <p:nvPicPr>
+          <p:cNvPr id="13" name="Grafik 12">
+            <a:extLst>
+              <a:ext uri="{FF2B5EF4-FFF2-40B4-BE49-F238E27FC236}">
+                <a16:creationId xmlns:a16="http://schemas.microsoft.com/office/drawing/2014/main" id="{9B110C74-BFA7-49F5-A4CF-D25B025B2B17}"/>
+              </a:ext>
+            </a:extLst>
+          </p:cNvPr>
+          <p:cNvPicPr>
+            <a:picLocks noChangeAspect="1"/>
+          </p:cNvPicPr>
+          <p:nvPr/>
+        </p:nvPicPr>
+        <p:blipFill rotWithShape="1">
+          <a:blip r:embed="rId5">
+            <a:extLst>
+              <a:ext uri="{28A0092B-C50C-407E-A947-70E740481C1C}">
+                <a14:useLocalDpi xmlns:a14="http://schemas.microsoft.com/office/drawing/2010/main" val="0"/>
+              </a:ext>
+            </a:extLst>
+          </a:blip>
+          <a:srcRect l="56811" r="30086"/>
+          <a:stretch/>
+        </p:blipFill>
+        <p:spPr>
+          <a:xfrm>
+            <a:off x="6726621" y="1833936"/>
+            <a:ext cx="1597573" cy="3316739"/>
+          </a:xfrm>
+          <a:prstGeom prst="rect">
+            <a:avLst/>
+          </a:prstGeom>
+        </p:spPr>
+      </p:pic>
+      <p:pic>
+        <p:nvPicPr>
+          <p:cNvPr id="15" name="Grafik 14">
+            <a:extLst>
+              <a:ext uri="{FF2B5EF4-FFF2-40B4-BE49-F238E27FC236}">
+                <a16:creationId xmlns:a16="http://schemas.microsoft.com/office/drawing/2014/main" id="{EDC00E07-B5BC-4D54-8A61-A6ACB11D89F6}"/>
+              </a:ext>
+            </a:extLst>
+          </p:cNvPr>
+          <p:cNvPicPr>
+            <a:picLocks noChangeAspect="1"/>
+          </p:cNvPicPr>
+          <p:nvPr/>
+        </p:nvPicPr>
+        <p:blipFill rotWithShape="1">
+          <a:blip r:embed="rId6">
+            <a:extLst>
+              <a:ext uri="{28A0092B-C50C-407E-A947-70E740481C1C}">
+                <a14:useLocalDpi xmlns:a14="http://schemas.microsoft.com/office/drawing/2010/main" val="0"/>
+              </a:ext>
+            </a:extLst>
+          </a:blip>
+          <a:srcRect l="68250"/>
+          <a:stretch/>
+        </p:blipFill>
+        <p:spPr>
+          <a:xfrm>
+            <a:off x="8170908" y="2173146"/>
+            <a:ext cx="3480693" cy="2982305"/>
+          </a:xfrm>
+          <a:prstGeom prst="rect">
+            <a:avLst/>
+          </a:prstGeom>
+        </p:spPr>
+      </p:pic>
+    </p:spTree>
+    <p:extLst>
+      <p:ext uri="{BB962C8B-B14F-4D97-AF65-F5344CB8AC3E}">
+        <p14:creationId xmlns:p14="http://schemas.microsoft.com/office/powerpoint/2010/main" val="1236313361"/>
+      </p:ext>
+    </p:extLst>
+  </p:cSld>
+  <p:clrMapOvr>
+    <a:masterClrMapping/>
+  </p:clrMapOvr>
+  <mc:AlternateContent xmlns:mc="http://schemas.openxmlformats.org/markup-compatibility/2006" xmlns:p14="http://schemas.microsoft.com/office/powerpoint/2010/main">
+    <mc:Choice Requires="p14">
+      <p:transition spd="med" p14:dur="700">
+        <p:fade/>
+      </p:transition>
+    </mc:Choice>
+    <mc:Fallback xmlns="">
+      <p:transition spd="med">
+        <p:fade/>
+      </p:transition>
+    </mc:Fallback>
+  </mc:AlternateContent>
+  <p:timing>
+    <p:tnLst>
+      <p:par>
+        <p:cTn id="1" dur="indefinite" restart="never" nodeType="tmRoot">
+          <p:childTnLst>
+            <p:seq concurrent="1" nextAc="seek">
+              <p:cTn id="2" dur="indefinite" nodeType="mainSeq">
+                <p:childTnLst>
+                  <p:par>
+                    <p:cTn id="3" fill="hold">
+                      <p:stCondLst>
+                        <p:cond delay="indefinite"/>
+                      </p:stCondLst>
+                      <p:childTnLst>
+                        <p:par>
+                          <p:cTn id="4" fill="hold">
+                            <p:stCondLst>
+                              <p:cond delay="0"/>
+                            </p:stCondLst>
+                            <p:childTnLst>
+                              <p:par>
+                                <p:cTn id="5" presetID="1" presetClass="entr" presetSubtype="0" fill="hold" nodeType="clickEffect">
+                                  <p:stCondLst>
+                                    <p:cond delay="0"/>
+                                  </p:stCondLst>
+                                  <p:childTnLst>
+                                    <p:set>
+                                      <p:cBhvr>
+                                        <p:cTn id="6" dur="1" fill="hold">
+                                          <p:stCondLst>
+                                            <p:cond delay="0"/>
+                                          </p:stCondLst>
+                                        </p:cTn>
+                                        <p:tgtEl>
+                                          <p:spTgt spid="7"/>
+                                        </p:tgtEl>
+                                        <p:attrNameLst>
+                                          <p:attrName>style.visibility</p:attrName>
+                                        </p:attrNameLst>
+                                      </p:cBhvr>
+                                      <p:to>
+                                        <p:strVal val="visible"/>
+                                      </p:to>
+                                    </p:set>
+                                  </p:childTnLst>
+                                </p:cTn>
+                              </p:par>
+                            </p:childTnLst>
+                          </p:cTn>
+                        </p:par>
+                      </p:childTnLst>
+                    </p:cTn>
+                  </p:par>
+                  <p:par>
+                    <p:cTn id="7" fill="hold">
+                      <p:stCondLst>
+                        <p:cond delay="indefinite"/>
+                      </p:stCondLst>
+                      <p:childTnLst>
+                        <p:par>
+                          <p:cTn id="8" fill="hold">
+                            <p:stCondLst>
+                              <p:cond delay="0"/>
+                            </p:stCondLst>
+                            <p:childTnLst>
+                              <p:par>
+                                <p:cTn id="9" presetID="1" presetClass="entr" presetSubtype="0" fill="hold" nodeType="clickEffect">
+                                  <p:stCondLst>
+                                    <p:cond delay="0"/>
+                                  </p:stCondLst>
+                                  <p:childTnLst>
+                                    <p:set>
+                                      <p:cBhvr>
+                                        <p:cTn id="10" dur="1" fill="hold">
+                                          <p:stCondLst>
+                                            <p:cond delay="0"/>
+                                          </p:stCondLst>
+                                        </p:cTn>
+                                        <p:tgtEl>
+                                          <p:spTgt spid="9"/>
+                                        </p:tgtEl>
+                                        <p:attrNameLst>
+                                          <p:attrName>style.visibility</p:attrName>
+                                        </p:attrNameLst>
+                                      </p:cBhvr>
+                                      <p:to>
+                                        <p:strVal val="visible"/>
+                                      </p:to>
+                                    </p:set>
+                                  </p:childTnLst>
+                                </p:cTn>
+                              </p:par>
+                            </p:childTnLst>
+                          </p:cTn>
+                        </p:par>
+                      </p:childTnLst>
+                    </p:cTn>
+                  </p:par>
+                  <p:par>
+                    <p:cTn id="11" fill="hold">
+                      <p:stCondLst>
+                        <p:cond delay="indefinite"/>
+                      </p:stCondLst>
+                      <p:childTnLst>
+                        <p:par>
+                          <p:cTn id="12" fill="hold">
+                            <p:stCondLst>
+                              <p:cond delay="0"/>
+                            </p:stCondLst>
+                            <p:childTnLst>
+                              <p:par>
+                                <p:cTn id="13" presetID="1" presetClass="entr" presetSubtype="0" fill="hold" nodeType="clickEffect">
+                                  <p:stCondLst>
+                                    <p:cond delay="0"/>
+                                  </p:stCondLst>
+                                  <p:childTnLst>
+                                    <p:set>
+                                      <p:cBhvr>
+                                        <p:cTn id="14" dur="1" fill="hold">
+                                          <p:stCondLst>
+                                            <p:cond delay="0"/>
+                                          </p:stCondLst>
+                                        </p:cTn>
+                                        <p:tgtEl>
+                                          <p:spTgt spid="11"/>
+                                        </p:tgtEl>
+                                        <p:attrNameLst>
+                                          <p:attrName>style.visibility</p:attrName>
+                                        </p:attrNameLst>
+                                      </p:cBhvr>
+                                      <p:to>
+                                        <p:strVal val="visible"/>
+                                      </p:to>
+                                    </p:set>
+                                  </p:childTnLst>
+                                </p:cTn>
+                              </p:par>
+                            </p:childTnLst>
+                          </p:cTn>
+                        </p:par>
+                      </p:childTnLst>
+                    </p:cTn>
+                  </p:par>
+                  <p:par>
+                    <p:cTn id="15" fill="hold">
+                      <p:stCondLst>
+                        <p:cond delay="indefinite"/>
+                      </p:stCondLst>
+                      <p:childTnLst>
+                        <p:par>
+                          <p:cTn id="16" fill="hold">
+                            <p:stCondLst>
+                              <p:cond delay="0"/>
+                            </p:stCondLst>
+                            <p:childTnLst>
+                              <p:par>
+                                <p:cTn id="17" presetID="1" presetClass="entr" presetSubtype="0" fill="hold" nodeType="clickEffect">
+                                  <p:stCondLst>
+                                    <p:cond delay="0"/>
+                                  </p:stCondLst>
+                                  <p:childTnLst>
+                                    <p:set>
+                                      <p:cBhvr>
+                                        <p:cTn id="18" dur="1" fill="hold">
+                                          <p:stCondLst>
+                                            <p:cond delay="0"/>
+                                          </p:stCondLst>
+                                        </p:cTn>
+                                        <p:tgtEl>
+                                          <p:spTgt spid="13"/>
+                                        </p:tgtEl>
+                                        <p:attrNameLst>
+                                          <p:attrName>style.visibility</p:attrName>
+                                        </p:attrNameLst>
+                                      </p:cBhvr>
+                                      <p:to>
+                                        <p:strVal val="visible"/>
+                                      </p:to>
+                                    </p:set>
+                                  </p:childTnLst>
+                                </p:cTn>
+                              </p:par>
+                            </p:childTnLst>
+                          </p:cTn>
+                        </p:par>
+                      </p:childTnLst>
+                    </p:cTn>
+                  </p:par>
+                  <p:par>
+                    <p:cTn id="19" fill="hold">
+                      <p:stCondLst>
+                        <p:cond delay="indefinite"/>
+                      </p:stCondLst>
+                      <p:childTnLst>
+                        <p:par>
+                          <p:cTn id="20" fill="hold">
+                            <p:stCondLst>
+                              <p:cond delay="0"/>
+                            </p:stCondLst>
+                            <p:childTnLst>
+                              <p:par>
+                                <p:cTn id="21" presetID="1" presetClass="entr" presetSubtype="0" fill="hold" nodeType="clickEffect">
+                                  <p:stCondLst>
+                                    <p:cond delay="0"/>
+                                  </p:stCondLst>
+                                  <p:childTnLst>
+                                    <p:set>
+                                      <p:cBhvr>
+                                        <p:cTn id="22" dur="1" fill="hold">
+                                          <p:stCondLst>
+                                            <p:cond delay="0"/>
+                                          </p:stCondLst>
+                                        </p:cTn>
+                                        <p:tgtEl>
+                                          <p:spTgt spid="15"/>
+                                        </p:tgtEl>
+                                        <p:attrNameLst>
+                                          <p:attrName>style.visibility</p:attrName>
+                                        </p:attrNameLst>
+                                      </p:cBhvr>
+                                      <p:to>
+                                        <p:strVal val="visible"/>
+                                      </p:to>
+                                    </p:set>
+                                  </p:childTnLst>
+                                </p:cTn>
+                              </p:par>
+                            </p:childTnLst>
+                          </p:cTn>
+                        </p:par>
+                      </p:childTnLst>
+                    </p:cTn>
+                  </p:par>
+                </p:childTnLst>
+              </p:cTn>
+              <p:prevCondLst>
+                <p:cond evt="onPrev" delay="0">
+                  <p:tgtEl>
+                    <p:sldTgt/>
+                  </p:tgtEl>
+                </p:cond>
+              </p:prevCondLst>
+              <p:nextCondLst>
+                <p:cond evt="onNext" delay="0">
+                  <p:tgtEl>
+                    <p:sldTgt/>
+                  </p:tgtEl>
+                </p:cond>
+              </p:nextCondLst>
+            </p:seq>
+          </p:childTnLst>
+        </p:cTn>
+      </p:par>
+    </p:tnLst>
+  </p:timing>
+</p:sld>
+</file>
+
+<file path=ppt/slides/slide8.xml><?xml version="1.0" encoding="utf-8"?>
+<p:sld xmlns:a="http://schemas.openxmlformats.org/drawingml/2006/main" xmlns:r="http://schemas.openxmlformats.org/officeDocument/2006/relationships" xmlns:p="http://schemas.openxmlformats.org/presentationml/2006/main">
+  <p:cSld>
+    <p:spTree>
+      <p:nvGrpSpPr>
+        <p:cNvPr id="1" name=""/>
+        <p:cNvGrpSpPr/>
+        <p:nvPr/>
+      </p:nvGrpSpPr>
+      <p:grpSpPr>
+        <a:xfrm>
+          <a:off x="0" y="0"/>
+          <a:ext cx="0" cy="0"/>
+          <a:chOff x="0" y="0"/>
+          <a:chExt cx="0" cy="0"/>
+        </a:xfrm>
+      </p:grpSpPr>
+      <p:sp>
+        <p:nvSpPr>
+          <p:cNvPr id="2" name="Titel 1">
+            <a:extLst>
+              <a:ext uri="{FF2B5EF4-FFF2-40B4-BE49-F238E27FC236}">
+                <a16:creationId xmlns:a16="http://schemas.microsoft.com/office/drawing/2014/main" id="{7DCD9A2E-495F-4157-9058-7BC59FF9B754}"/>
+              </a:ext>
+            </a:extLst>
+          </p:cNvPr>
+          <p:cNvSpPr>
+            <a:spLocks noGrp="1"/>
+          </p:cNvSpPr>
+          <p:nvPr>
+            <p:ph type="title"/>
+          </p:nvPr>
+        </p:nvSpPr>
+        <p:spPr/>
+        <p:txBody>
+          <a:bodyPr/>
+          <a:lstStyle/>
+          <a:p>
+            <a:r>
+              <a:rPr lang="de-DE" dirty="0"/>
+              <a:t>Binärer Suchbaum – Löschen eines Elements</a:t>
+            </a:r>
+          </a:p>
+        </p:txBody>
+      </p:sp>
+      <p:sp>
+        <p:nvSpPr>
+          <p:cNvPr id="3" name="Inhaltsplatzhalter 2">
+            <a:extLst>
+              <a:ext uri="{FF2B5EF4-FFF2-40B4-BE49-F238E27FC236}">
+                <a16:creationId xmlns:a16="http://schemas.microsoft.com/office/drawing/2014/main" id="{74CD95B2-8CB7-400F-8540-756C2F6C1A69}"/>
+              </a:ext>
+            </a:extLst>
+          </p:cNvPr>
+          <p:cNvSpPr>
+            <a:spLocks noGrp="1"/>
+          </p:cNvSpPr>
+          <p:nvPr>
+            <p:ph sz="half" idx="1"/>
+          </p:nvPr>
+        </p:nvSpPr>
+        <p:spPr>
+          <a:xfrm>
+            <a:off x="1104900" y="1600200"/>
+            <a:ext cx="4914900" cy="4571999"/>
+          </a:xfrm>
+        </p:spPr>
+        <p:txBody>
+          <a:bodyPr/>
+          <a:lstStyle/>
+          <a:p>
+            <a:pPr>
+              <a:buFont typeface="Arial" panose="020B0604020202020204" pitchFamily="34" charset="0"/>
+              <a:buChar char="•"/>
+            </a:pPr>
+            <a:r>
+              <a:rPr lang="de-DE" dirty="0"/>
+              <a:t>Fall 1: Keine Nachfolger</a:t>
+            </a:r>
+          </a:p>
+          <a:p>
+            <a:pPr>
+              <a:buFont typeface="Arial" panose="020B0604020202020204" pitchFamily="34" charset="0"/>
+              <a:buChar char="•"/>
+            </a:pPr>
+            <a:r>
+              <a:rPr lang="de-DE" dirty="0"/>
+              <a:t>Fall 2: Einen Nachfolger</a:t>
+            </a:r>
+          </a:p>
+          <a:p>
+            <a:pPr>
+              <a:buFont typeface="Arial" panose="020B0604020202020204" pitchFamily="34" charset="0"/>
+              <a:buChar char="•"/>
+            </a:pPr>
+            <a:r>
+              <a:rPr lang="de-DE" dirty="0"/>
+              <a:t>Fall 3: Zwei Nachfolger</a:t>
+            </a:r>
+          </a:p>
+          <a:p>
+            <a:pPr>
+              <a:buFont typeface="Arial" panose="020B0604020202020204" pitchFamily="34" charset="0"/>
+              <a:buChar char="•"/>
+            </a:pPr>
+            <a:endParaRPr lang="de-DE" dirty="0"/>
+          </a:p>
+          <a:p>
+            <a:pPr>
+              <a:buFont typeface="Arial" panose="020B0604020202020204" pitchFamily="34" charset="0"/>
+              <a:buChar char="•"/>
+            </a:pPr>
+            <a:endParaRPr lang="de-DE" dirty="0"/>
+          </a:p>
+          <a:p>
+            <a:pPr>
+              <a:buFont typeface="Arial" panose="020B0604020202020204" pitchFamily="34" charset="0"/>
+              <a:buChar char="•"/>
+            </a:pPr>
+            <a:endParaRPr lang="de-DE" dirty="0"/>
+          </a:p>
+          <a:p>
+            <a:pPr>
+              <a:buFont typeface="Arial" panose="020B0604020202020204" pitchFamily="34" charset="0"/>
+              <a:buChar char="•"/>
+            </a:pPr>
+            <a:endParaRPr lang="de-DE" dirty="0"/>
+          </a:p>
+        </p:txBody>
+      </p:sp>
+      <p:sp>
+        <p:nvSpPr>
+          <p:cNvPr id="21" name="Textfeld 20">
+            <a:extLst>
+              <a:ext uri="{FF2B5EF4-FFF2-40B4-BE49-F238E27FC236}">
+                <a16:creationId xmlns:a16="http://schemas.microsoft.com/office/drawing/2014/main" id="{8553EFDB-2D24-490E-9B44-9656A2097FBF}"/>
+              </a:ext>
+            </a:extLst>
+          </p:cNvPr>
+          <p:cNvSpPr txBox="1"/>
+          <p:nvPr/>
+        </p:nvSpPr>
+        <p:spPr>
+          <a:xfrm>
+            <a:off x="6364854" y="5201479"/>
+            <a:ext cx="4275061" cy="382956"/>
+          </a:xfrm>
+          <a:prstGeom prst="rect">
+            <a:avLst/>
+          </a:prstGeom>
+          <a:noFill/>
+        </p:spPr>
+        <p:txBody>
+          <a:bodyPr wrap="square" rtlCol="0">
+            <a:spAutoFit/>
+          </a:bodyPr>
+          <a:lstStyle/>
+          <a:p>
+            <a:r>
+              <a:rPr lang="de-DE" dirty="0"/>
+              <a:t>Löschen bei keinem Nachfolger</a:t>
+            </a:r>
+          </a:p>
+        </p:txBody>
+      </p:sp>
+      <p:pic>
+        <p:nvPicPr>
+          <p:cNvPr id="6" name="Grafik 5" descr="Ein Bild, das Objekt enthält.&#10;&#10;Automatisch generierte Beschreibung">
+            <a:extLst>
+              <a:ext uri="{FF2B5EF4-FFF2-40B4-BE49-F238E27FC236}">
+                <a16:creationId xmlns:a16="http://schemas.microsoft.com/office/drawing/2014/main" id="{1FEEFD7C-76DF-470A-88BA-90941E09CA19}"/>
+              </a:ext>
+            </a:extLst>
+          </p:cNvPr>
+          <p:cNvPicPr>
+            <a:picLocks noChangeAspect="1"/>
+          </p:cNvPicPr>
+          <p:nvPr/>
+        </p:nvPicPr>
+        <p:blipFill rotWithShape="1">
+          <a:blip r:embed="rId2">
+            <a:extLst>
+              <a:ext uri="{28A0092B-C50C-407E-A947-70E740481C1C}">
+                <a14:useLocalDpi xmlns:a14="http://schemas.microsoft.com/office/drawing/2010/main" val="0"/>
+              </a:ext>
+            </a:extLst>
+          </a:blip>
+          <a:srcRect l="-244" r="57116"/>
+          <a:stretch/>
+        </p:blipFill>
+        <p:spPr>
+          <a:xfrm>
+            <a:off x="4598552" y="2176287"/>
+            <a:ext cx="3709932" cy="2505425"/>
+          </a:xfrm>
+          <a:prstGeom prst="rect">
+            <a:avLst/>
+          </a:prstGeom>
+        </p:spPr>
+      </p:pic>
+      <p:pic>
+        <p:nvPicPr>
+          <p:cNvPr id="8" name="Grafik 7" descr="Ein Bild, das Objekt enthält.&#10;&#10;Automatisch generierte Beschreibung">
+            <a:extLst>
+              <a:ext uri="{FF2B5EF4-FFF2-40B4-BE49-F238E27FC236}">
+                <a16:creationId xmlns:a16="http://schemas.microsoft.com/office/drawing/2014/main" id="{2B222A1C-B922-4F5D-9978-D57D2594F4F8}"/>
+              </a:ext>
+            </a:extLst>
+          </p:cNvPr>
+          <p:cNvPicPr>
+            <a:picLocks noChangeAspect="1"/>
+          </p:cNvPicPr>
+          <p:nvPr/>
+        </p:nvPicPr>
+        <p:blipFill rotWithShape="1">
+          <a:blip r:embed="rId3">
+            <a:extLst>
+              <a:ext uri="{28A0092B-C50C-407E-A947-70E740481C1C}">
+                <a14:useLocalDpi xmlns:a14="http://schemas.microsoft.com/office/drawing/2010/main" val="0"/>
+              </a:ext>
+            </a:extLst>
+          </a:blip>
+          <a:srcRect l="58186"/>
+          <a:stretch/>
+        </p:blipFill>
+        <p:spPr>
+          <a:xfrm>
+            <a:off x="8595056" y="2176287"/>
+            <a:ext cx="3596944" cy="2505425"/>
+          </a:xfrm>
+          <a:prstGeom prst="rect">
+            <a:avLst/>
+          </a:prstGeom>
+        </p:spPr>
+      </p:pic>
+      <p:pic>
+        <p:nvPicPr>
+          <p:cNvPr id="10" name="Grafik 9">
+            <a:extLst>
+              <a:ext uri="{FF2B5EF4-FFF2-40B4-BE49-F238E27FC236}">
+                <a16:creationId xmlns:a16="http://schemas.microsoft.com/office/drawing/2014/main" id="{31454D17-E0D9-4153-A728-9C8827DD0F1B}"/>
+              </a:ext>
+            </a:extLst>
+          </p:cNvPr>
+          <p:cNvPicPr>
+            <a:picLocks noChangeAspect="1"/>
+          </p:cNvPicPr>
+          <p:nvPr/>
+        </p:nvPicPr>
+        <p:blipFill rotWithShape="1">
+          <a:blip r:embed="rId4">
+            <a:extLst>
+              <a:ext uri="{28A0092B-C50C-407E-A947-70E740481C1C}">
+                <a14:useLocalDpi xmlns:a14="http://schemas.microsoft.com/office/drawing/2010/main" val="0"/>
+              </a:ext>
+            </a:extLst>
+          </a:blip>
+          <a:srcRect l="41010" r="41563" b="3460"/>
+          <a:stretch/>
+        </p:blipFill>
+        <p:spPr>
+          <a:xfrm>
+            <a:off x="7561527" y="1600200"/>
+            <a:ext cx="1499171" cy="2418716"/>
+          </a:xfrm>
+          <a:prstGeom prst="rect">
+            <a:avLst/>
+          </a:prstGeom>
+        </p:spPr>
+      </p:pic>
+      <p:pic>
+        <p:nvPicPr>
+          <p:cNvPr id="13" name="Grafik 12">
+            <a:extLst>
+              <a:ext uri="{FF2B5EF4-FFF2-40B4-BE49-F238E27FC236}">
+                <a16:creationId xmlns:a16="http://schemas.microsoft.com/office/drawing/2014/main" id="{5D41358F-F23A-4F3E-A0EE-1B9925A868D1}"/>
+              </a:ext>
+            </a:extLst>
+          </p:cNvPr>
+          <p:cNvPicPr>
+            <a:picLocks noChangeAspect="1"/>
+          </p:cNvPicPr>
+          <p:nvPr/>
+        </p:nvPicPr>
+        <p:blipFill rotWithShape="1">
+          <a:blip r:embed="rId5">
+            <a:extLst>
+              <a:ext uri="{28A0092B-C50C-407E-A947-70E740481C1C}">
+                <a14:useLocalDpi xmlns:a14="http://schemas.microsoft.com/office/drawing/2010/main" val="0"/>
+              </a:ext>
+            </a:extLst>
+          </a:blip>
+          <a:srcRect l="44083" r="33668"/>
+          <a:stretch/>
+        </p:blipFill>
+        <p:spPr>
+          <a:xfrm>
+            <a:off x="7731888" y="1432034"/>
+            <a:ext cx="1716978" cy="3464966"/>
+          </a:xfrm>
+          <a:prstGeom prst="rect">
+            <a:avLst/>
+          </a:prstGeom>
+        </p:spPr>
+      </p:pic>
+      <p:pic>
+        <p:nvPicPr>
+          <p:cNvPr id="15" name="Grafik 14">
+            <a:extLst>
+              <a:ext uri="{FF2B5EF4-FFF2-40B4-BE49-F238E27FC236}">
+                <a16:creationId xmlns:a16="http://schemas.microsoft.com/office/drawing/2014/main" id="{6D2A10D9-0D0F-42CE-8CB9-DF80FE7FD7DD}"/>
+              </a:ext>
+            </a:extLst>
+          </p:cNvPr>
+          <p:cNvPicPr>
+            <a:picLocks noChangeAspect="1"/>
+          </p:cNvPicPr>
+          <p:nvPr/>
+        </p:nvPicPr>
+        <p:blipFill rotWithShape="1">
+          <a:blip r:embed="rId6">
+            <a:extLst>
+              <a:ext uri="{28A0092B-C50C-407E-A947-70E740481C1C}">
+                <a14:useLocalDpi xmlns:a14="http://schemas.microsoft.com/office/drawing/2010/main" val="0"/>
+              </a:ext>
+            </a:extLst>
+          </a:blip>
+          <a:srcRect r="48276"/>
+          <a:stretch/>
+        </p:blipFill>
+        <p:spPr>
+          <a:xfrm>
+            <a:off x="4418207" y="1775752"/>
+            <a:ext cx="3991506" cy="3464966"/>
+          </a:xfrm>
+          <a:prstGeom prst="rect">
+            <a:avLst/>
+          </a:prstGeom>
+        </p:spPr>
+      </p:pic>
+      <p:pic>
+        <p:nvPicPr>
+          <p:cNvPr id="17" name="Grafik 16">
+            <a:extLst>
+              <a:ext uri="{FF2B5EF4-FFF2-40B4-BE49-F238E27FC236}">
+                <a16:creationId xmlns:a16="http://schemas.microsoft.com/office/drawing/2014/main" id="{4BB6EC72-539A-4AC6-AB72-259F9FE0644C}"/>
+              </a:ext>
+            </a:extLst>
+          </p:cNvPr>
+          <p:cNvPicPr>
+            <a:picLocks noChangeAspect="1"/>
+          </p:cNvPicPr>
+          <p:nvPr/>
+        </p:nvPicPr>
+        <p:blipFill rotWithShape="1">
+          <a:blip r:embed="rId7">
+            <a:extLst>
+              <a:ext uri="{28A0092B-C50C-407E-A947-70E740481C1C}">
+                <a14:useLocalDpi xmlns:a14="http://schemas.microsoft.com/office/drawing/2010/main" val="0"/>
+              </a:ext>
+            </a:extLst>
+          </a:blip>
+          <a:srcRect l="60832"/>
+          <a:stretch/>
+        </p:blipFill>
+        <p:spPr>
+          <a:xfrm>
+            <a:off x="9176162" y="1775753"/>
+            <a:ext cx="3022599" cy="3464966"/>
+          </a:xfrm>
+          <a:prstGeom prst="rect">
+            <a:avLst/>
+          </a:prstGeom>
+        </p:spPr>
+      </p:pic>
+      <p:sp>
+        <p:nvSpPr>
+          <p:cNvPr id="19" name="Textfeld 18">
+            <a:extLst>
+              <a:ext uri="{FF2B5EF4-FFF2-40B4-BE49-F238E27FC236}">
+                <a16:creationId xmlns:a16="http://schemas.microsoft.com/office/drawing/2014/main" id="{07922AE2-96D6-4690-A528-95BB684AF274}"/>
+              </a:ext>
+            </a:extLst>
+          </p:cNvPr>
+          <p:cNvSpPr txBox="1"/>
+          <p:nvPr/>
+        </p:nvSpPr>
+        <p:spPr>
+          <a:xfrm>
+            <a:off x="6365451" y="5201479"/>
+            <a:ext cx="4088524" cy="382956"/>
+          </a:xfrm>
+          <a:prstGeom prst="rect">
+            <a:avLst/>
+          </a:prstGeom>
+          <a:noFill/>
+        </p:spPr>
+        <p:txBody>
+          <a:bodyPr wrap="square" rtlCol="0">
+            <a:spAutoFit/>
+          </a:bodyPr>
+          <a:lstStyle/>
+          <a:p>
+            <a:r>
+              <a:rPr lang="de-DE" dirty="0"/>
+              <a:t>Löschen bei genau einem Nachfolger</a:t>
+            </a:r>
+          </a:p>
+        </p:txBody>
+      </p:sp>
+      <p:sp>
+        <p:nvSpPr>
+          <p:cNvPr id="24" name="Textfeld 23">
+            <a:extLst>
+              <a:ext uri="{FF2B5EF4-FFF2-40B4-BE49-F238E27FC236}">
+                <a16:creationId xmlns:a16="http://schemas.microsoft.com/office/drawing/2014/main" id="{4EA02B51-D479-4F24-A925-F1C1B13A04B0}"/>
+              </a:ext>
+            </a:extLst>
+          </p:cNvPr>
+          <p:cNvSpPr txBox="1"/>
+          <p:nvPr/>
+        </p:nvSpPr>
+        <p:spPr>
+          <a:xfrm>
+            <a:off x="6364853" y="5196772"/>
+            <a:ext cx="4275061" cy="382956"/>
+          </a:xfrm>
+          <a:prstGeom prst="rect">
+            <a:avLst/>
+          </a:prstGeom>
+          <a:noFill/>
+        </p:spPr>
+        <p:txBody>
+          <a:bodyPr wrap="square" rtlCol="0">
+            <a:spAutoFit/>
+          </a:bodyPr>
+          <a:lstStyle/>
+          <a:p>
+            <a:r>
+              <a:rPr lang="de-DE" dirty="0"/>
+              <a:t>Löschen bei zwei Nachfolgern</a:t>
+            </a:r>
+          </a:p>
+        </p:txBody>
+      </p:sp>
+      <p:pic>
+        <p:nvPicPr>
+          <p:cNvPr id="30" name="Grafik 29" descr="Ein Bild, das Objekt enthält.&#10;&#10;Automatisch generierte Beschreibung">
+            <a:extLst>
+              <a:ext uri="{FF2B5EF4-FFF2-40B4-BE49-F238E27FC236}">
+                <a16:creationId xmlns:a16="http://schemas.microsoft.com/office/drawing/2014/main" id="{55E81ECB-3D04-4A80-9AAB-E96F2F6B15D5}"/>
+              </a:ext>
+            </a:extLst>
+          </p:cNvPr>
+          <p:cNvPicPr>
+            <a:picLocks noChangeAspect="1"/>
+          </p:cNvPicPr>
+          <p:nvPr/>
+        </p:nvPicPr>
+        <p:blipFill rotWithShape="1">
+          <a:blip r:embed="rId8">
+            <a:extLst>
+              <a:ext uri="{28A0092B-C50C-407E-A947-70E740481C1C}">
+                <a14:useLocalDpi xmlns:a14="http://schemas.microsoft.com/office/drawing/2010/main" val="0"/>
+              </a:ext>
+            </a:extLst>
+          </a:blip>
+          <a:srcRect l="2214" r="51274"/>
+          <a:stretch/>
+        </p:blipFill>
+        <p:spPr>
+          <a:xfrm>
+            <a:off x="4772919" y="1917414"/>
+            <a:ext cx="3685935" cy="2700437"/>
+          </a:xfrm>
+          <a:prstGeom prst="rect">
+            <a:avLst/>
+          </a:prstGeom>
+        </p:spPr>
+      </p:pic>
+      <p:pic>
+        <p:nvPicPr>
+          <p:cNvPr id="32" name="Grafik 31">
+            <a:extLst>
+              <a:ext uri="{FF2B5EF4-FFF2-40B4-BE49-F238E27FC236}">
+                <a16:creationId xmlns:a16="http://schemas.microsoft.com/office/drawing/2014/main" id="{6554028D-9B6B-4460-AC64-30EEDEDC0EC5}"/>
+              </a:ext>
+            </a:extLst>
+          </p:cNvPr>
+          <p:cNvPicPr>
+            <a:picLocks noChangeAspect="1"/>
+          </p:cNvPicPr>
+          <p:nvPr/>
+        </p:nvPicPr>
+        <p:blipFill rotWithShape="1">
+          <a:blip r:embed="rId9">
+            <a:extLst>
+              <a:ext uri="{28A0092B-C50C-407E-A947-70E740481C1C}">
+                <a14:useLocalDpi xmlns:a14="http://schemas.microsoft.com/office/drawing/2010/main" val="0"/>
+              </a:ext>
+            </a:extLst>
+          </a:blip>
+          <a:srcRect l="45918" r="32990"/>
+          <a:stretch/>
+        </p:blipFill>
+        <p:spPr>
+          <a:xfrm>
+            <a:off x="7928668" y="1432034"/>
+            <a:ext cx="1671513" cy="2700436"/>
+          </a:xfrm>
+          <a:prstGeom prst="rect">
+            <a:avLst/>
+          </a:prstGeom>
+        </p:spPr>
+      </p:pic>
+      <p:pic>
+        <p:nvPicPr>
+          <p:cNvPr id="34" name="Grafik 33" descr="Ein Bild, das Objekt enthält.&#10;&#10;Automatisch generierte Beschreibung">
+            <a:extLst>
+              <a:ext uri="{FF2B5EF4-FFF2-40B4-BE49-F238E27FC236}">
+                <a16:creationId xmlns:a16="http://schemas.microsoft.com/office/drawing/2014/main" id="{736DD948-12AA-41A2-97CE-EA1F5928A6BF}"/>
+              </a:ext>
+            </a:extLst>
+          </p:cNvPr>
+          <p:cNvPicPr>
+            <a:picLocks noChangeAspect="1"/>
+          </p:cNvPicPr>
+          <p:nvPr/>
+        </p:nvPicPr>
+        <p:blipFill rotWithShape="1">
+          <a:blip r:embed="rId10">
+            <a:extLst>
+              <a:ext uri="{28A0092B-C50C-407E-A947-70E740481C1C}">
+                <a14:useLocalDpi xmlns:a14="http://schemas.microsoft.com/office/drawing/2010/main" val="0"/>
+              </a:ext>
+            </a:extLst>
+          </a:blip>
+          <a:srcRect l="58727" r="3017"/>
+          <a:stretch/>
+        </p:blipFill>
+        <p:spPr>
+          <a:xfrm>
+            <a:off x="8488829" y="1917415"/>
+            <a:ext cx="3031659" cy="2700437"/>
+          </a:xfrm>
+          <a:prstGeom prst="rect">
+            <a:avLst/>
+          </a:prstGeom>
+        </p:spPr>
+      </p:pic>
+    </p:spTree>
+    <p:extLst>
+      <p:ext uri="{BB962C8B-B14F-4D97-AF65-F5344CB8AC3E}">
+        <p14:creationId xmlns:p14="http://schemas.microsoft.com/office/powerpoint/2010/main" val="2259750940"/>
+      </p:ext>
+    </p:extLst>
+  </p:cSld>
+  <p:clrMapOvr>
+    <a:masterClrMapping/>
+  </p:clrMapOvr>
+  <mc:AlternateContent xmlns:mc="http://schemas.openxmlformats.org/markup-compatibility/2006" xmlns:p14="http://schemas.microsoft.com/office/powerpoint/2010/main">
+    <mc:Choice Requires="p14">
+      <p:transition spd="med" p14:dur="700">
+        <p:fade/>
+      </p:transition>
+    </mc:Choice>
+    <mc:Fallback xmlns="">
+      <p:transition spd="med">
+        <p:fade/>
+      </p:transition>
+    </mc:Fallback>
+  </mc:AlternateContent>
+  <p:timing>
+    <p:tnLst>
+      <p:par>
+        <p:cTn id="1" dur="indefinite" restart="never" nodeType="tmRoot">
+          <p:childTnLst>
+            <p:seq concurrent="1" nextAc="seek">
+              <p:cTn id="2" dur="indefinite" nodeType="mainSeq">
+                <p:childTnLst>
+                  <p:par>
+                    <p:cTn id="3" fill="hold">
+                      <p:stCondLst>
+                        <p:cond delay="indefinite"/>
+                      </p:stCondLst>
+                      <p:childTnLst>
+                        <p:par>
+                          <p:cTn id="4" fill="hold">
+                            <p:stCondLst>
+                              <p:cond delay="0"/>
+                            </p:stCondLst>
+                            <p:childTnLst>
+                              <p:par>
+                                <p:cTn id="5" presetID="1" presetClass="entr" presetSubtype="0" fill="hold" nodeType="clickEffect">
+                                  <p:stCondLst>
+                                    <p:cond delay="0"/>
+                                  </p:stCondLst>
+                                  <p:childTnLst>
+                                    <p:set>
+                                      <p:cBhvr>
+                                        <p:cTn id="6" dur="1" fill="hold">
+                                          <p:stCondLst>
+                                            <p:cond delay="0"/>
+                                          </p:stCondLst>
+                                        </p:cTn>
+                                        <p:tgtEl>
+                                          <p:spTgt spid="3">
+                                            <p:txEl>
+                                              <p:pRg st="0" end="0"/>
+                                            </p:txEl>
+                                          </p:spTgt>
+                                        </p:tgtEl>
+                                        <p:attrNameLst>
+                                          <p:attrName>style.visibility</p:attrName>
+                                        </p:attrNameLst>
+                                      </p:cBhvr>
+                                      <p:to>
+                                        <p:strVal val="visible"/>
+                                      </p:to>
+                                    </p:set>
+                                  </p:childTnLst>
+                                </p:cTn>
+                              </p:par>
+                            </p:childTnLst>
+                          </p:cTn>
+                        </p:par>
+                      </p:childTnLst>
+                    </p:cTn>
+                  </p:par>
+                  <p:par>
+                    <p:cTn id="7" fill="hold">
+                      <p:stCondLst>
+                        <p:cond delay="indefinite"/>
+                      </p:stCondLst>
+                      <p:childTnLst>
+                        <p:par>
+                          <p:cTn id="8" fill="hold">
+                            <p:stCondLst>
+                              <p:cond delay="0"/>
+                            </p:stCondLst>
+                            <p:childTnLst>
+                              <p:par>
+                                <p:cTn id="9" presetID="1" presetClass="entr" presetSubtype="0" fill="hold" nodeType="clickEffect">
+                                  <p:stCondLst>
+                                    <p:cond delay="0"/>
+                                  </p:stCondLst>
+                                  <p:childTnLst>
+                                    <p:set>
+                                      <p:cBhvr>
+                                        <p:cTn id="10" dur="1" fill="hold">
+                                          <p:stCondLst>
+                                            <p:cond delay="0"/>
+                                          </p:stCondLst>
+                                        </p:cTn>
+                                        <p:tgtEl>
+                                          <p:spTgt spid="6"/>
+                                        </p:tgtEl>
+                                        <p:attrNameLst>
+                                          <p:attrName>style.visibility</p:attrName>
+                                        </p:attrNameLst>
+                                      </p:cBhvr>
+                                      <p:to>
+                                        <p:strVal val="visible"/>
+                                      </p:to>
+                                    </p:set>
+                                  </p:childTnLst>
+                                </p:cTn>
+                              </p:par>
+                              <p:par>
+                                <p:cTn id="11" presetID="1" presetClass="entr" presetSubtype="0" fill="hold" grpId="0" nodeType="withEffect">
+                                  <p:stCondLst>
+                                    <p:cond delay="0"/>
+                                  </p:stCondLst>
+                                  <p:childTnLst>
+                                    <p:set>
+                                      <p:cBhvr>
+                                        <p:cTn id="12" dur="1" fill="hold">
+                                          <p:stCondLst>
+                                            <p:cond delay="0"/>
+                                          </p:stCondLst>
+                                        </p:cTn>
+                                        <p:tgtEl>
+                                          <p:spTgt spid="21"/>
+                                        </p:tgtEl>
+                                        <p:attrNameLst>
+                                          <p:attrName>style.visibility</p:attrName>
+                                        </p:attrNameLst>
+                                      </p:cBhvr>
+                                      <p:to>
+                                        <p:strVal val="visible"/>
+                                      </p:to>
+                                    </p:set>
+                                  </p:childTnLst>
+                                </p:cTn>
+                              </p:par>
+                            </p:childTnLst>
+                          </p:cTn>
+                        </p:par>
+                      </p:childTnLst>
+                    </p:cTn>
+                  </p:par>
+                  <p:par>
+                    <p:cTn id="13" fill="hold">
+                      <p:stCondLst>
+                        <p:cond delay="indefinite"/>
+                      </p:stCondLst>
+                      <p:childTnLst>
+                        <p:par>
+                          <p:cTn id="14" fill="hold">
+                            <p:stCondLst>
+                              <p:cond delay="0"/>
+                            </p:stCondLst>
+                            <p:childTnLst>
+                              <p:par>
+                                <p:cTn id="15" presetID="1" presetClass="entr" presetSubtype="0" fill="hold" nodeType="clickEffect">
+                                  <p:stCondLst>
+                                    <p:cond delay="0"/>
+                                  </p:stCondLst>
+                                  <p:childTnLst>
+                                    <p:set>
+                                      <p:cBhvr>
+                                        <p:cTn id="16" dur="1" fill="hold">
+                                          <p:stCondLst>
+                                            <p:cond delay="0"/>
+                                          </p:stCondLst>
+                                        </p:cTn>
+                                        <p:tgtEl>
+                                          <p:spTgt spid="10"/>
+                                        </p:tgtEl>
+                                        <p:attrNameLst>
+                                          <p:attrName>style.visibility</p:attrName>
+                                        </p:attrNameLst>
+                                      </p:cBhvr>
+                                      <p:to>
+                                        <p:strVal val="visible"/>
+                                      </p:to>
+                                    </p:set>
+                                  </p:childTnLst>
+                                </p:cTn>
+                              </p:par>
+                            </p:childTnLst>
+                          </p:cTn>
+                        </p:par>
+                      </p:childTnLst>
+                    </p:cTn>
+                  </p:par>
+                  <p:par>
+                    <p:cTn id="17" fill="hold">
+                      <p:stCondLst>
+                        <p:cond delay="indefinite"/>
+                      </p:stCondLst>
+                      <p:childTnLst>
+                        <p:par>
+                          <p:cTn id="18" fill="hold">
+                            <p:stCondLst>
+                              <p:cond delay="0"/>
+                            </p:stCondLst>
+                            <p:childTnLst>
+                              <p:par>
+                                <p:cTn id="19" presetID="1" presetClass="entr" presetSubtype="0" fill="hold" nodeType="clickEffect">
+                                  <p:stCondLst>
+                                    <p:cond delay="0"/>
+                                  </p:stCondLst>
+                                  <p:childTnLst>
+                                    <p:set>
+                                      <p:cBhvr>
+                                        <p:cTn id="20" dur="1" fill="hold">
+                                          <p:stCondLst>
+                                            <p:cond delay="0"/>
+                                          </p:stCondLst>
+                                        </p:cTn>
+                                        <p:tgtEl>
+                                          <p:spTgt spid="8"/>
+                                        </p:tgtEl>
+                                        <p:attrNameLst>
+                                          <p:attrName>style.visibility</p:attrName>
+                                        </p:attrNameLst>
+                                      </p:cBhvr>
+                                      <p:to>
+                                        <p:strVal val="visible"/>
+                                      </p:to>
+                                    </p:set>
+                                  </p:childTnLst>
+                                </p:cTn>
+                              </p:par>
+                            </p:childTnLst>
+                          </p:cTn>
+                        </p:par>
+                      </p:childTnLst>
+                    </p:cTn>
+                  </p:par>
+                  <p:par>
+                    <p:cTn id="21" fill="hold">
+                      <p:stCondLst>
+                        <p:cond delay="indefinite"/>
+                      </p:stCondLst>
+                      <p:childTnLst>
+                        <p:par>
+                          <p:cTn id="22" fill="hold">
+                            <p:stCondLst>
+                              <p:cond delay="0"/>
+                            </p:stCondLst>
+                            <p:childTnLst>
+                              <p:par>
+                                <p:cTn id="23" presetID="1" presetClass="exit" presetSubtype="0" fill="hold" nodeType="clickEffect">
+                                  <p:stCondLst>
+                                    <p:cond delay="0"/>
+                                  </p:stCondLst>
+                                  <p:childTnLst>
+                                    <p:set>
+                                      <p:cBhvr>
+                                        <p:cTn id="24" dur="1" fill="hold">
+                                          <p:stCondLst>
+                                            <p:cond delay="0"/>
+                                          </p:stCondLst>
+                                        </p:cTn>
+                                        <p:tgtEl>
+                                          <p:spTgt spid="6"/>
+                                        </p:tgtEl>
+                                        <p:attrNameLst>
+                                          <p:attrName>style.visibility</p:attrName>
+                                        </p:attrNameLst>
+                                      </p:cBhvr>
+                                      <p:to>
+                                        <p:strVal val="hidden"/>
+                                      </p:to>
+                                    </p:set>
+                                  </p:childTnLst>
+                                </p:cTn>
+                              </p:par>
+                              <p:par>
+                                <p:cTn id="25" presetID="1" presetClass="exit" presetSubtype="0" fill="hold" grpId="1" nodeType="withEffect">
+                                  <p:stCondLst>
+                                    <p:cond delay="0"/>
+                                  </p:stCondLst>
+                                  <p:childTnLst>
+                                    <p:set>
+                                      <p:cBhvr>
+                                        <p:cTn id="26" dur="1" fill="hold">
+                                          <p:stCondLst>
+                                            <p:cond delay="0"/>
+                                          </p:stCondLst>
+                                        </p:cTn>
+                                        <p:tgtEl>
+                                          <p:spTgt spid="21"/>
+                                        </p:tgtEl>
+                                        <p:attrNameLst>
+                                          <p:attrName>style.visibility</p:attrName>
+                                        </p:attrNameLst>
+                                      </p:cBhvr>
+                                      <p:to>
+                                        <p:strVal val="hidden"/>
+                                      </p:to>
+                                    </p:set>
+                                  </p:childTnLst>
+                                </p:cTn>
+                              </p:par>
+                              <p:par>
+                                <p:cTn id="27" presetID="1" presetClass="exit" presetSubtype="0" fill="hold" nodeType="withEffect">
+                                  <p:stCondLst>
+                                    <p:cond delay="0"/>
+                                  </p:stCondLst>
+                                  <p:childTnLst>
+                                    <p:set>
+                                      <p:cBhvr>
+                                        <p:cTn id="28" dur="1" fill="hold">
+                                          <p:stCondLst>
+                                            <p:cond delay="0"/>
+                                          </p:stCondLst>
+                                        </p:cTn>
+                                        <p:tgtEl>
+                                          <p:spTgt spid="10"/>
+                                        </p:tgtEl>
+                                        <p:attrNameLst>
+                                          <p:attrName>style.visibility</p:attrName>
+                                        </p:attrNameLst>
+                                      </p:cBhvr>
+                                      <p:to>
+                                        <p:strVal val="hidden"/>
+                                      </p:to>
+                                    </p:set>
+                                  </p:childTnLst>
+                                </p:cTn>
+                              </p:par>
+                              <p:par>
+                                <p:cTn id="29" presetID="1" presetClass="exit" presetSubtype="0" fill="hold" nodeType="withEffect">
+                                  <p:stCondLst>
+                                    <p:cond delay="0"/>
+                                  </p:stCondLst>
+                                  <p:childTnLst>
+                                    <p:set>
+                                      <p:cBhvr>
+                                        <p:cTn id="30" dur="1" fill="hold">
+                                          <p:stCondLst>
+                                            <p:cond delay="0"/>
+                                          </p:stCondLst>
+                                        </p:cTn>
+                                        <p:tgtEl>
+                                          <p:spTgt spid="8"/>
+                                        </p:tgtEl>
+                                        <p:attrNameLst>
+                                          <p:attrName>style.visibility</p:attrName>
+                                        </p:attrNameLst>
+                                      </p:cBhvr>
+                                      <p:to>
+                                        <p:strVal val="hidden"/>
+                                      </p:to>
+                                    </p:set>
+                                  </p:childTnLst>
+                                </p:cTn>
+                              </p:par>
+                            </p:childTnLst>
+                          </p:cTn>
+                        </p:par>
+                      </p:childTnLst>
+                    </p:cTn>
+                  </p:par>
+                  <p:par>
+                    <p:cTn id="31" fill="hold">
+                      <p:stCondLst>
+                        <p:cond delay="indefinite"/>
+                      </p:stCondLst>
+                      <p:childTnLst>
+                        <p:par>
+                          <p:cTn id="32" fill="hold">
+                            <p:stCondLst>
+                              <p:cond delay="0"/>
+                            </p:stCondLst>
+                            <p:childTnLst>
+                              <p:par>
+                                <p:cTn id="33" presetID="1" presetClass="entr" presetSubtype="0" fill="hold" nodeType="clickEffect">
+                                  <p:stCondLst>
+                                    <p:cond delay="0"/>
+                                  </p:stCondLst>
+                                  <p:childTnLst>
+                                    <p:set>
+                                      <p:cBhvr>
+                                        <p:cTn id="34" dur="1" fill="hold">
+                                          <p:stCondLst>
+                                            <p:cond delay="0"/>
+                                          </p:stCondLst>
+                                        </p:cTn>
+                                        <p:tgtEl>
+                                          <p:spTgt spid="3">
+                                            <p:txEl>
+                                              <p:pRg st="1" end="1"/>
+                                            </p:txEl>
+                                          </p:spTgt>
+                                        </p:tgtEl>
+                                        <p:attrNameLst>
+                                          <p:attrName>style.visibility</p:attrName>
+                                        </p:attrNameLst>
+                                      </p:cBhvr>
+                                      <p:to>
+                                        <p:strVal val="visible"/>
+                                      </p:to>
+                                    </p:set>
+                                  </p:childTnLst>
+                                </p:cTn>
+                              </p:par>
+                            </p:childTnLst>
+                          </p:cTn>
+                        </p:par>
+                      </p:childTnLst>
+                    </p:cTn>
+                  </p:par>
+                  <p:par>
+                    <p:cTn id="35" fill="hold">
+                      <p:stCondLst>
+                        <p:cond delay="indefinite"/>
+                      </p:stCondLst>
+                      <p:childTnLst>
+                        <p:par>
+                          <p:cTn id="36" fill="hold">
+                            <p:stCondLst>
+                              <p:cond delay="0"/>
+                            </p:stCondLst>
+                            <p:childTnLst>
+                              <p:par>
+                                <p:cTn id="37" presetID="1" presetClass="entr" presetSubtype="0" fill="hold" nodeType="clickEffect">
+                                  <p:stCondLst>
+                                    <p:cond delay="0"/>
+                                  </p:stCondLst>
+                                  <p:childTnLst>
+                                    <p:set>
+                                      <p:cBhvr>
+                                        <p:cTn id="38" dur="1" fill="hold">
+                                          <p:stCondLst>
+                                            <p:cond delay="0"/>
+                                          </p:stCondLst>
+                                        </p:cTn>
+                                        <p:tgtEl>
+                                          <p:spTgt spid="15"/>
+                                        </p:tgtEl>
+                                        <p:attrNameLst>
+                                          <p:attrName>style.visibility</p:attrName>
+                                        </p:attrNameLst>
+                                      </p:cBhvr>
+                                      <p:to>
+                                        <p:strVal val="visible"/>
+                                      </p:to>
+                                    </p:set>
+                                  </p:childTnLst>
+                                </p:cTn>
+                              </p:par>
+                              <p:par>
+                                <p:cTn id="39" presetID="1" presetClass="entr" presetSubtype="0" fill="hold" grpId="0" nodeType="withEffect">
+                                  <p:stCondLst>
+                                    <p:cond delay="0"/>
+                                  </p:stCondLst>
+                                  <p:childTnLst>
+                                    <p:set>
+                                      <p:cBhvr>
+                                        <p:cTn id="40" dur="1" fill="hold">
+                                          <p:stCondLst>
+                                            <p:cond delay="0"/>
+                                          </p:stCondLst>
+                                        </p:cTn>
+                                        <p:tgtEl>
+                                          <p:spTgt spid="19"/>
+                                        </p:tgtEl>
+                                        <p:attrNameLst>
+                                          <p:attrName>style.visibility</p:attrName>
+                                        </p:attrNameLst>
+                                      </p:cBhvr>
+                                      <p:to>
+                                        <p:strVal val="visible"/>
+                                      </p:to>
+                                    </p:set>
+                                  </p:childTnLst>
+                                </p:cTn>
+                              </p:par>
+                            </p:childTnLst>
+                          </p:cTn>
+                        </p:par>
+                      </p:childTnLst>
+                    </p:cTn>
+                  </p:par>
+                  <p:par>
+                    <p:cTn id="41" fill="hold">
+                      <p:stCondLst>
+                        <p:cond delay="indefinite"/>
+                      </p:stCondLst>
+                      <p:childTnLst>
+                        <p:par>
+                          <p:cTn id="42" fill="hold">
+                            <p:stCondLst>
+                              <p:cond delay="0"/>
+                            </p:stCondLst>
+                            <p:childTnLst>
+                              <p:par>
+                                <p:cTn id="43" presetID="1" presetClass="entr" presetSubtype="0" fill="hold" nodeType="clickEffect">
+                                  <p:stCondLst>
+                                    <p:cond delay="0"/>
+                                  </p:stCondLst>
+                                  <p:childTnLst>
+                                    <p:set>
+                                      <p:cBhvr>
+                                        <p:cTn id="44" dur="1" fill="hold">
+                                          <p:stCondLst>
+                                            <p:cond delay="0"/>
+                                          </p:stCondLst>
+                                        </p:cTn>
+                                        <p:tgtEl>
+                                          <p:spTgt spid="13"/>
+                                        </p:tgtEl>
+                                        <p:attrNameLst>
+                                          <p:attrName>style.visibility</p:attrName>
+                                        </p:attrNameLst>
+                                      </p:cBhvr>
+                                      <p:to>
+                                        <p:strVal val="visible"/>
+                                      </p:to>
+                                    </p:set>
+                                  </p:childTnLst>
+                                </p:cTn>
+                              </p:par>
+                            </p:childTnLst>
+                          </p:cTn>
+                        </p:par>
+                      </p:childTnLst>
+                    </p:cTn>
+                  </p:par>
+                  <p:par>
+                    <p:cTn id="45" fill="hold">
+                      <p:stCondLst>
+                        <p:cond delay="indefinite"/>
+                      </p:stCondLst>
+                      <p:childTnLst>
+                        <p:par>
+                          <p:cTn id="46" fill="hold">
+                            <p:stCondLst>
+                              <p:cond delay="0"/>
+                            </p:stCondLst>
+                            <p:childTnLst>
+                              <p:par>
+                                <p:cTn id="47" presetID="1" presetClass="entr" presetSubtype="0" fill="hold" nodeType="clickEffect">
+                                  <p:stCondLst>
+                                    <p:cond delay="0"/>
+                                  </p:stCondLst>
+                                  <p:childTnLst>
+                                    <p:set>
+                                      <p:cBhvr>
+                                        <p:cTn id="48" dur="1" fill="hold">
+                                          <p:stCondLst>
+                                            <p:cond delay="0"/>
+                                          </p:stCondLst>
+                                        </p:cTn>
+                                        <p:tgtEl>
+                                          <p:spTgt spid="17"/>
+                                        </p:tgtEl>
+                                        <p:attrNameLst>
+                                          <p:attrName>style.visibility</p:attrName>
+                                        </p:attrNameLst>
+                                      </p:cBhvr>
+                                      <p:to>
+                                        <p:strVal val="visible"/>
+                                      </p:to>
+                                    </p:set>
+                                  </p:childTnLst>
+                                </p:cTn>
+                              </p:par>
+                            </p:childTnLst>
+                          </p:cTn>
+                        </p:par>
+                      </p:childTnLst>
+                    </p:cTn>
+                  </p:par>
+                  <p:par>
+                    <p:cTn id="49" fill="hold">
+                      <p:stCondLst>
+                        <p:cond delay="indefinite"/>
+                      </p:stCondLst>
+                      <p:childTnLst>
+                        <p:par>
+                          <p:cTn id="50" fill="hold">
+                            <p:stCondLst>
+                              <p:cond delay="0"/>
+                            </p:stCondLst>
+                            <p:childTnLst>
+                              <p:par>
+                                <p:cTn id="51" presetID="1" presetClass="exit" presetSubtype="0" fill="hold" nodeType="clickEffect">
+                                  <p:stCondLst>
+                                    <p:cond delay="0"/>
+                                  </p:stCondLst>
+                                  <p:childTnLst>
+                                    <p:set>
+                                      <p:cBhvr>
+                                        <p:cTn id="52" dur="1" fill="hold">
+                                          <p:stCondLst>
+                                            <p:cond delay="0"/>
+                                          </p:stCondLst>
+                                        </p:cTn>
+                                        <p:tgtEl>
+                                          <p:spTgt spid="15"/>
+                                        </p:tgtEl>
+                                        <p:attrNameLst>
+                                          <p:attrName>style.visibility</p:attrName>
+                                        </p:attrNameLst>
+                                      </p:cBhvr>
+                                      <p:to>
+                                        <p:strVal val="hidden"/>
+                                      </p:to>
+                                    </p:set>
+                                  </p:childTnLst>
+                                </p:cTn>
+                              </p:par>
+                              <p:par>
+                                <p:cTn id="53" presetID="1" presetClass="exit" presetSubtype="0" fill="hold" grpId="1" nodeType="withEffect">
+                                  <p:stCondLst>
+                                    <p:cond delay="0"/>
+                                  </p:stCondLst>
+                                  <p:childTnLst>
+                                    <p:set>
+                                      <p:cBhvr>
+                                        <p:cTn id="54" dur="1" fill="hold">
+                                          <p:stCondLst>
+                                            <p:cond delay="0"/>
+                                          </p:stCondLst>
+                                        </p:cTn>
+                                        <p:tgtEl>
+                                          <p:spTgt spid="19"/>
+                                        </p:tgtEl>
+                                        <p:attrNameLst>
+                                          <p:attrName>style.visibility</p:attrName>
+                                        </p:attrNameLst>
+                                      </p:cBhvr>
+                                      <p:to>
+                                        <p:strVal val="hidden"/>
+                                      </p:to>
+                                    </p:set>
+                                  </p:childTnLst>
+                                </p:cTn>
+                              </p:par>
+                              <p:par>
+                                <p:cTn id="55" presetID="1" presetClass="exit" presetSubtype="0" fill="hold" nodeType="withEffect">
+                                  <p:stCondLst>
+                                    <p:cond delay="0"/>
+                                  </p:stCondLst>
+                                  <p:childTnLst>
+                                    <p:set>
+                                      <p:cBhvr>
+                                        <p:cTn id="56" dur="1" fill="hold">
+                                          <p:stCondLst>
+                                            <p:cond delay="0"/>
+                                          </p:stCondLst>
+                                        </p:cTn>
+                                        <p:tgtEl>
+                                          <p:spTgt spid="13"/>
+                                        </p:tgtEl>
+                                        <p:attrNameLst>
+                                          <p:attrName>style.visibility</p:attrName>
+                                        </p:attrNameLst>
+                                      </p:cBhvr>
+                                      <p:to>
+                                        <p:strVal val="hidden"/>
+                                      </p:to>
+                                    </p:set>
+                                  </p:childTnLst>
+                                </p:cTn>
+                              </p:par>
+                              <p:par>
+                                <p:cTn id="57" presetID="1" presetClass="exit" presetSubtype="0" fill="hold" nodeType="withEffect">
+                                  <p:stCondLst>
+                                    <p:cond delay="0"/>
+                                  </p:stCondLst>
+                                  <p:childTnLst>
+                                    <p:set>
+                                      <p:cBhvr>
+                                        <p:cTn id="58" dur="1" fill="hold">
+                                          <p:stCondLst>
+                                            <p:cond delay="0"/>
+                                          </p:stCondLst>
+                                        </p:cTn>
+                                        <p:tgtEl>
+                                          <p:spTgt spid="17"/>
+                                        </p:tgtEl>
+                                        <p:attrNameLst>
+                                          <p:attrName>style.visibility</p:attrName>
+                                        </p:attrNameLst>
+                                      </p:cBhvr>
+                                      <p:to>
+                                        <p:strVal val="hidden"/>
+                                      </p:to>
+                                    </p:set>
+                                  </p:childTnLst>
+                                </p:cTn>
+                              </p:par>
+                            </p:childTnLst>
+                          </p:cTn>
+                        </p:par>
+                      </p:childTnLst>
+                    </p:cTn>
+                  </p:par>
+                  <p:par>
+                    <p:cTn id="59" fill="hold">
+                      <p:stCondLst>
+                        <p:cond delay="indefinite"/>
+                      </p:stCondLst>
+                      <p:childTnLst>
+                        <p:par>
+                          <p:cTn id="60" fill="hold">
+                            <p:stCondLst>
+                              <p:cond delay="0"/>
+                            </p:stCondLst>
+                            <p:childTnLst>
+                              <p:par>
+                                <p:cTn id="61" presetID="1" presetClass="entr" presetSubtype="0" fill="hold" nodeType="clickEffect">
+                                  <p:stCondLst>
+                                    <p:cond delay="0"/>
+                                  </p:stCondLst>
+                                  <p:childTnLst>
+                                    <p:set>
+                                      <p:cBhvr>
+                                        <p:cTn id="62" dur="1" fill="hold">
+                                          <p:stCondLst>
+                                            <p:cond delay="0"/>
+                                          </p:stCondLst>
+                                        </p:cTn>
+                                        <p:tgtEl>
+                                          <p:spTgt spid="3">
+                                            <p:txEl>
+                                              <p:pRg st="2" end="2"/>
+                                            </p:txEl>
+                                          </p:spTgt>
+                                        </p:tgtEl>
+                                        <p:attrNameLst>
+                                          <p:attrName>style.visibility</p:attrName>
+                                        </p:attrNameLst>
+                                      </p:cBhvr>
+                                      <p:to>
+                                        <p:strVal val="visible"/>
+                                      </p:to>
+                                    </p:set>
+                                  </p:childTnLst>
+                                </p:cTn>
+                              </p:par>
+                            </p:childTnLst>
+                          </p:cTn>
+                        </p:par>
+                      </p:childTnLst>
+                    </p:cTn>
+                  </p:par>
+                  <p:par>
+                    <p:cTn id="63" fill="hold">
+                      <p:stCondLst>
+                        <p:cond delay="indefinite"/>
+                      </p:stCondLst>
+                      <p:childTnLst>
+                        <p:par>
+                          <p:cTn id="64" fill="hold">
+                            <p:stCondLst>
+                              <p:cond delay="0"/>
+                            </p:stCondLst>
+                            <p:childTnLst>
+                              <p:par>
+                                <p:cTn id="65" presetID="1" presetClass="entr" presetSubtype="0" fill="hold" nodeType="clickEffect">
+                                  <p:stCondLst>
+                                    <p:cond delay="0"/>
+                                  </p:stCondLst>
+                                  <p:childTnLst>
+                                    <p:set>
+                                      <p:cBhvr>
+                                        <p:cTn id="66" dur="1" fill="hold">
+                                          <p:stCondLst>
+                                            <p:cond delay="0"/>
+                                          </p:stCondLst>
+                                        </p:cTn>
+                                        <p:tgtEl>
+                                          <p:spTgt spid="30"/>
+                                        </p:tgtEl>
+                                        <p:attrNameLst>
+                                          <p:attrName>style.visibility</p:attrName>
+                                        </p:attrNameLst>
+                                      </p:cBhvr>
+                                      <p:to>
+                                        <p:strVal val="visible"/>
+                                      </p:to>
+                                    </p:set>
+                                  </p:childTnLst>
+                                </p:cTn>
+                              </p:par>
+                              <p:par>
+                                <p:cTn id="67" presetID="1" presetClass="entr" presetSubtype="0" fill="hold" grpId="0" nodeType="withEffect">
+                                  <p:stCondLst>
+                                    <p:cond delay="0"/>
+                                  </p:stCondLst>
+                                  <p:childTnLst>
+                                    <p:set>
+                                      <p:cBhvr>
+                                        <p:cTn id="68" dur="1" fill="hold">
+                                          <p:stCondLst>
+                                            <p:cond delay="0"/>
+                                          </p:stCondLst>
+                                        </p:cTn>
+                                        <p:tgtEl>
+                                          <p:spTgt spid="24"/>
+                                        </p:tgtEl>
+                                        <p:attrNameLst>
+                                          <p:attrName>style.visibility</p:attrName>
+                                        </p:attrNameLst>
+                                      </p:cBhvr>
+                                      <p:to>
+                                        <p:strVal val="visible"/>
+                                      </p:to>
+                                    </p:set>
+                                  </p:childTnLst>
+                                </p:cTn>
+                              </p:par>
+                            </p:childTnLst>
+                          </p:cTn>
+                        </p:par>
+                      </p:childTnLst>
+                    </p:cTn>
+                  </p:par>
+                  <p:par>
+                    <p:cTn id="69" fill="hold">
+                      <p:stCondLst>
+                        <p:cond delay="indefinite"/>
+                      </p:stCondLst>
+                      <p:childTnLst>
+                        <p:par>
+                          <p:cTn id="70" fill="hold">
+                            <p:stCondLst>
+                              <p:cond delay="0"/>
+                            </p:stCondLst>
+                            <p:childTnLst>
+                              <p:par>
+                                <p:cTn id="71" presetID="1" presetClass="entr" presetSubtype="0" fill="hold" nodeType="clickEffect">
+                                  <p:stCondLst>
+                                    <p:cond delay="0"/>
+                                  </p:stCondLst>
+                                  <p:childTnLst>
+                                    <p:set>
+                                      <p:cBhvr>
+                                        <p:cTn id="72" dur="1" fill="hold">
+                                          <p:stCondLst>
+                                            <p:cond delay="0"/>
+                                          </p:stCondLst>
+                                        </p:cTn>
+                                        <p:tgtEl>
+                                          <p:spTgt spid="32"/>
+                                        </p:tgtEl>
+                                        <p:attrNameLst>
+                                          <p:attrName>style.visibility</p:attrName>
+                                        </p:attrNameLst>
+                                      </p:cBhvr>
+                                      <p:to>
+                                        <p:strVal val="visible"/>
+                                      </p:to>
+                                    </p:set>
+                                  </p:childTnLst>
+                                </p:cTn>
+                              </p:par>
+                            </p:childTnLst>
+                          </p:cTn>
+                        </p:par>
+                      </p:childTnLst>
+                    </p:cTn>
+                  </p:par>
+                  <p:par>
+                    <p:cTn id="73" fill="hold">
+                      <p:stCondLst>
+                        <p:cond delay="indefinite"/>
+                      </p:stCondLst>
+                      <p:childTnLst>
+                        <p:par>
+                          <p:cTn id="74" fill="hold">
+                            <p:stCondLst>
+                              <p:cond delay="0"/>
+                            </p:stCondLst>
+                            <p:childTnLst>
+                              <p:par>
+                                <p:cTn id="75" presetID="1" presetClass="entr" presetSubtype="0" fill="hold" nodeType="clickEffect">
+                                  <p:stCondLst>
+                                    <p:cond delay="0"/>
+                                  </p:stCondLst>
+                                  <p:childTnLst>
+                                    <p:set>
+                                      <p:cBhvr>
+                                        <p:cTn id="76" dur="1" fill="hold">
+                                          <p:stCondLst>
+                                            <p:cond delay="0"/>
+                                          </p:stCondLst>
+                                        </p:cTn>
+                                        <p:tgtEl>
+                                          <p:spTgt spid="34"/>
+                                        </p:tgtEl>
+                                        <p:attrNameLst>
+                                          <p:attrName>style.visibility</p:attrName>
+                                        </p:attrNameLst>
+                                      </p:cBhvr>
+                                      <p:to>
+                                        <p:strVal val="visible"/>
+                                      </p:to>
+                                    </p:set>
+                                  </p:childTnLst>
+                                </p:cTn>
+                              </p:par>
+                            </p:childTnLst>
+                          </p:cTn>
+                        </p:par>
+                      </p:childTnLst>
+                    </p:cTn>
+                  </p:par>
+                </p:childTnLst>
+              </p:cTn>
+              <p:prevCondLst>
+                <p:cond evt="onPrev" delay="0">
+                  <p:tgtEl>
+                    <p:sldTgt/>
+                  </p:tgtEl>
+                </p:cond>
+              </p:prevCondLst>
+              <p:nextCondLst>
+                <p:cond evt="onNext" delay="0">
+                  <p:tgtEl>
+                    <p:sldTgt/>
+                  </p:tgtEl>
+                </p:cond>
+              </p:nextCondLst>
+            </p:seq>
+          </p:childTnLst>
+        </p:cTn>
+      </p:par>
+    </p:tnLst>
+    <p:bldLst>
+      <p:bldP spid="21" grpId="0"/>
+      <p:bldP spid="21" grpId="1"/>
+      <p:bldP spid="19" grpId="0"/>
+      <p:bldP spid="19" grpId="1"/>
+      <p:bldP spid="24" grpId="0"/>
+    </p:bldLst>
+  </p:timing>
+</p:sld>
+</file>
+
+<file path=ppt/slides/slide9.xml><?xml version="1.0" encoding="utf-8"?>
+<p:sld xmlns:a="http://schemas.openxmlformats.org/drawingml/2006/main" xmlns:r="http://schemas.openxmlformats.org/officeDocument/2006/relationships" xmlns:p="http://schemas.openxmlformats.org/presentationml/2006/main">
+  <p:cSld>
+    <p:spTree>
+      <p:nvGrpSpPr>
+        <p:cNvPr id="1" name=""/>
+        <p:cNvGrpSpPr/>
+        <p:nvPr/>
+      </p:nvGrpSpPr>
+      <p:grpSpPr>
+        <a:xfrm>
+          <a:off x="0" y="0"/>
+          <a:ext cx="0" cy="0"/>
+          <a:chOff x="0" y="0"/>
+          <a:chExt cx="0" cy="0"/>
+        </a:xfrm>
+      </p:grpSpPr>
+      <p:sp>
+        <p:nvSpPr>
+          <p:cNvPr id="2" name="Titel 1">
+            <a:extLst>
+              <a:ext uri="{FF2B5EF4-FFF2-40B4-BE49-F238E27FC236}">
+                <a16:creationId xmlns:a16="http://schemas.microsoft.com/office/drawing/2014/main" id="{3CEE429D-EA5B-47EA-9767-99755C379BE3}"/>
+              </a:ext>
+            </a:extLst>
+          </p:cNvPr>
+          <p:cNvSpPr>
+            <a:spLocks noGrp="1"/>
+          </p:cNvSpPr>
+          <p:nvPr>
+            <p:ph type="title"/>
+          </p:nvPr>
+        </p:nvSpPr>
+        <p:spPr/>
+        <p:txBody>
+          <a:bodyPr/>
+          <a:lstStyle/>
+          <a:p>
+            <a:r>
+              <a:rPr lang="de-DE" dirty="0"/>
+              <a:t>Traversierung</a:t>
+            </a:r>
+          </a:p>
+        </p:txBody>
+      </p:sp>
+      <p:sp>
+        <p:nvSpPr>
+          <p:cNvPr id="3" name="Inhaltsplatzhalter 2">
+            <a:extLst>
+              <a:ext uri="{FF2B5EF4-FFF2-40B4-BE49-F238E27FC236}">
+                <a16:creationId xmlns:a16="http://schemas.microsoft.com/office/drawing/2014/main" id="{8287FA66-A6A7-4F7E-A608-91CB42CA2326}"/>
+              </a:ext>
+            </a:extLst>
+          </p:cNvPr>
+          <p:cNvSpPr>
+            <a:spLocks noGrp="1"/>
+          </p:cNvSpPr>
+          <p:nvPr>
+            <p:ph sz="half" idx="1"/>
+          </p:nvPr>
+        </p:nvSpPr>
+        <p:spPr/>
+        <p:txBody>
+          <a:bodyPr>
+            <a:normAutofit/>
+          </a:bodyPr>
+          <a:lstStyle/>
+          <a:p>
+            <a:pPr marL="0" indent="0">
+              <a:buNone/>
+            </a:pPr>
+            <a:r>
+              <a:rPr lang="de-DE" dirty="0"/>
+              <a:t>Algorithmus zum kompletten Durchlaufen eines binären Baumes:</a:t>
+            </a:r>
+          </a:p>
+          <a:p>
+            <a:pPr>
+              <a:buFont typeface="Arial" panose="020B0604020202020204" pitchFamily="34" charset="0"/>
+              <a:buChar char="•"/>
+            </a:pPr>
+            <a:r>
+              <a:rPr lang="de-DE" dirty="0"/>
+              <a:t>Preorder </a:t>
+            </a:r>
+            <a:r>
+              <a:rPr lang="de-DE" dirty="0">
+                <a:sym typeface="Wingdings" panose="05000000000000000000" pitchFamily="2" charset="2"/>
+              </a:rPr>
+              <a:t>(Hauptreihenfolge</a:t>
+            </a:r>
+            <a:r>
+              <a:rPr lang="de-DE" dirty="0"/>
+              <a:t>):  	       </a:t>
+            </a:r>
+            <a:r>
+              <a:rPr lang="de-DE" b="1" dirty="0">
+                <a:solidFill>
+                  <a:srgbClr val="00B050"/>
+                </a:solidFill>
+              </a:rPr>
+              <a:t>Wurzel </a:t>
+            </a:r>
+            <a:r>
+              <a:rPr lang="de-DE" b="1" dirty="0"/>
+              <a:t>– </a:t>
+            </a:r>
+            <a:r>
+              <a:rPr lang="de-DE" b="1" dirty="0">
+                <a:solidFill>
+                  <a:srgbClr val="00B0F0"/>
+                </a:solidFill>
+              </a:rPr>
+              <a:t>Links </a:t>
+            </a:r>
+            <a:r>
+              <a:rPr lang="de-DE" b="1" dirty="0"/>
+              <a:t>– </a:t>
+            </a:r>
+            <a:r>
+              <a:rPr lang="de-DE" b="1" dirty="0">
+                <a:solidFill>
+                  <a:srgbClr val="FF0000"/>
+                </a:solidFill>
+              </a:rPr>
+              <a:t>Rechts </a:t>
+            </a:r>
+          </a:p>
+          <a:p>
+            <a:pPr>
+              <a:buFont typeface="Arial" panose="020B0604020202020204" pitchFamily="34" charset="0"/>
+              <a:buChar char="•"/>
+            </a:pPr>
+            <a:r>
+              <a:rPr lang="de-DE" dirty="0"/>
+              <a:t>Inorder (Symmetrische Reihenfolge):         </a:t>
+            </a:r>
+            <a:r>
+              <a:rPr lang="de-DE" b="1" dirty="0">
+                <a:solidFill>
+                  <a:srgbClr val="00B0F0"/>
+                </a:solidFill>
+              </a:rPr>
+              <a:t>Links </a:t>
+            </a:r>
+            <a:r>
+              <a:rPr lang="de-DE" b="1" dirty="0"/>
+              <a:t>– </a:t>
+            </a:r>
+            <a:r>
+              <a:rPr lang="de-DE" b="1" dirty="0">
+                <a:solidFill>
+                  <a:srgbClr val="00B050"/>
+                </a:solidFill>
+              </a:rPr>
+              <a:t>Wurzel </a:t>
+            </a:r>
+            <a:r>
+              <a:rPr lang="de-DE" b="1" dirty="0"/>
+              <a:t>– </a:t>
+            </a:r>
+            <a:r>
+              <a:rPr lang="de-DE" b="1" dirty="0">
+                <a:solidFill>
+                  <a:srgbClr val="FF0000"/>
+                </a:solidFill>
+              </a:rPr>
+              <a:t>Rechts </a:t>
+            </a:r>
+          </a:p>
+          <a:p>
+            <a:pPr>
+              <a:buFont typeface="Arial" panose="020B0604020202020204" pitchFamily="34" charset="0"/>
+              <a:buChar char="•"/>
+            </a:pPr>
+            <a:r>
+              <a:rPr lang="de-DE" dirty="0"/>
+              <a:t>Postorder (Nebenreihenfolge):       </a:t>
+            </a:r>
+            <a:r>
+              <a:rPr lang="de-DE" b="1" dirty="0">
+                <a:solidFill>
+                  <a:srgbClr val="00B0F0"/>
+                </a:solidFill>
+              </a:rPr>
+              <a:t>Links </a:t>
+            </a:r>
+            <a:r>
+              <a:rPr lang="de-DE" b="1" dirty="0"/>
+              <a:t>– </a:t>
+            </a:r>
+            <a:r>
+              <a:rPr lang="de-DE" b="1" dirty="0">
+                <a:solidFill>
+                  <a:srgbClr val="FF0000"/>
+                </a:solidFill>
+              </a:rPr>
+              <a:t>Rechts </a:t>
+            </a:r>
+            <a:r>
+              <a:rPr lang="de-DE" b="1" dirty="0"/>
+              <a:t>– </a:t>
+            </a:r>
+            <a:r>
+              <a:rPr lang="de-DE" b="1" dirty="0">
+                <a:solidFill>
+                  <a:srgbClr val="00B050"/>
+                </a:solidFill>
+              </a:rPr>
+              <a:t>Wurzel </a:t>
+            </a:r>
+          </a:p>
+        </p:txBody>
+      </p:sp>
+      <p:grpSp>
+        <p:nvGrpSpPr>
+          <p:cNvPr id="11" name="Gruppieren 10">
+            <a:extLst>
+              <a:ext uri="{FF2B5EF4-FFF2-40B4-BE49-F238E27FC236}">
+                <a16:creationId xmlns:a16="http://schemas.microsoft.com/office/drawing/2014/main" id="{E6717920-C001-4379-ADEF-42FD7BAFB6DB}"/>
+              </a:ext>
+            </a:extLst>
+          </p:cNvPr>
+          <p:cNvGrpSpPr/>
+          <p:nvPr/>
+        </p:nvGrpSpPr>
+        <p:grpSpPr>
+          <a:xfrm>
+            <a:off x="6345607" y="2087698"/>
+            <a:ext cx="4565050" cy="3051935"/>
+            <a:chOff x="6345607" y="2087698"/>
+            <a:chExt cx="4565050" cy="3051935"/>
+          </a:xfrm>
+        </p:grpSpPr>
+        <p:sp>
+          <p:nvSpPr>
+            <p:cNvPr id="7" name="Textfeld 6">
+              <a:extLst>
+                <a:ext uri="{FF2B5EF4-FFF2-40B4-BE49-F238E27FC236}">
+                  <a16:creationId xmlns:a16="http://schemas.microsoft.com/office/drawing/2014/main" id="{E4542795-1F1F-4348-9BC9-1AB4FE6B7D8C}"/>
+                </a:ext>
+              </a:extLst>
+            </p:cNvPr>
+            <p:cNvSpPr txBox="1"/>
+            <p:nvPr/>
+          </p:nvSpPr>
+          <p:spPr>
+            <a:xfrm>
+              <a:off x="6345607" y="4770301"/>
+              <a:ext cx="4565050" cy="369332"/>
+            </a:xfrm>
+            <a:prstGeom prst="rect">
+              <a:avLst/>
+            </a:prstGeom>
+            <a:noFill/>
+          </p:spPr>
+          <p:txBody>
+            <a:bodyPr wrap="square" rtlCol="0">
+              <a:spAutoFit/>
+            </a:bodyPr>
+            <a:lstStyle/>
+            <a:p>
+              <a:r>
+                <a:rPr lang="de-DE" dirty="0"/>
+                <a:t>Traversierung in der Preorder-Reihenfolge</a:t>
+              </a:r>
+            </a:p>
+          </p:txBody>
+        </p:sp>
+        <p:pic>
+          <p:nvPicPr>
+            <p:cNvPr id="10" name="Grafik 9">
+              <a:extLst>
+                <a:ext uri="{FF2B5EF4-FFF2-40B4-BE49-F238E27FC236}">
+                  <a16:creationId xmlns:a16="http://schemas.microsoft.com/office/drawing/2014/main" id="{E864A9E9-18D8-4FE8-88E7-AF4134BA014E}"/>
+                </a:ext>
+              </a:extLst>
+            </p:cNvPr>
+            <p:cNvPicPr>
+              <a:picLocks noChangeAspect="1"/>
+            </p:cNvPicPr>
+            <p:nvPr/>
+          </p:nvPicPr>
+          <p:blipFill>
+            <a:blip r:embed="rId2">
+              <a:extLst>
+                <a:ext uri="{28A0092B-C50C-407E-A947-70E740481C1C}">
+                  <a14:useLocalDpi xmlns:a14="http://schemas.microsoft.com/office/drawing/2010/main" val="0"/>
+                </a:ext>
+              </a:extLst>
+            </a:blip>
+            <a:stretch>
+              <a:fillRect/>
+            </a:stretch>
+          </p:blipFill>
+          <p:spPr>
+            <a:xfrm>
+              <a:off x="6345607" y="2087698"/>
+              <a:ext cx="4565050" cy="2682603"/>
+            </a:xfrm>
+            <a:prstGeom prst="rect">
+              <a:avLst/>
+            </a:prstGeom>
+          </p:spPr>
+        </p:pic>
+      </p:grpSp>
+      <p:grpSp>
+        <p:nvGrpSpPr>
+          <p:cNvPr id="12" name="Gruppieren 11">
+            <a:extLst>
+              <a:ext uri="{FF2B5EF4-FFF2-40B4-BE49-F238E27FC236}">
+                <a16:creationId xmlns:a16="http://schemas.microsoft.com/office/drawing/2014/main" id="{C22A066E-6D71-4992-83CA-8BBC58049A30}"/>
+              </a:ext>
+            </a:extLst>
+          </p:cNvPr>
+          <p:cNvGrpSpPr/>
+          <p:nvPr/>
+        </p:nvGrpSpPr>
+        <p:grpSpPr>
+          <a:xfrm>
+            <a:off x="6171019" y="2012927"/>
+            <a:ext cx="4948686" cy="3123838"/>
+            <a:chOff x="6278612" y="2388981"/>
+            <a:chExt cx="4731993" cy="2985220"/>
+          </a:xfrm>
+        </p:grpSpPr>
+        <p:sp>
+          <p:nvSpPr>
+            <p:cNvPr id="13" name="Textfeld 12">
+              <a:extLst>
+                <a:ext uri="{FF2B5EF4-FFF2-40B4-BE49-F238E27FC236}">
+                  <a16:creationId xmlns:a16="http://schemas.microsoft.com/office/drawing/2014/main" id="{38C1E027-0FC1-4B56-B2EE-F71655D44542}"/>
+                </a:ext>
+              </a:extLst>
+            </p:cNvPr>
+            <p:cNvSpPr txBox="1"/>
+            <p:nvPr/>
+          </p:nvSpPr>
+          <p:spPr>
+            <a:xfrm>
+              <a:off x="6445555" y="5021258"/>
+              <a:ext cx="4565050" cy="352943"/>
+            </a:xfrm>
+            <a:prstGeom prst="rect">
+              <a:avLst/>
+            </a:prstGeom>
+            <a:noFill/>
+          </p:spPr>
+          <p:txBody>
+            <a:bodyPr wrap="square" rtlCol="0">
+              <a:spAutoFit/>
+            </a:bodyPr>
+            <a:lstStyle/>
+            <a:p>
+              <a:r>
+                <a:rPr lang="de-DE" dirty="0"/>
+                <a:t>Traversierung in der Inorder-Reihenfolge</a:t>
+              </a:r>
+            </a:p>
+          </p:txBody>
+        </p:sp>
+        <p:pic>
+          <p:nvPicPr>
+            <p:cNvPr id="14" name="Grafik 13">
+              <a:extLst>
+                <a:ext uri="{FF2B5EF4-FFF2-40B4-BE49-F238E27FC236}">
+                  <a16:creationId xmlns:a16="http://schemas.microsoft.com/office/drawing/2014/main" id="{69F872D0-DBA3-4A58-AB12-A7C96A3E8986}"/>
+                </a:ext>
+              </a:extLst>
+            </p:cNvPr>
+            <p:cNvPicPr>
+              <a:picLocks noChangeAspect="1"/>
+            </p:cNvPicPr>
+            <p:nvPr/>
+          </p:nvPicPr>
+          <p:blipFill>
+            <a:blip r:embed="rId3">
+              <a:extLst>
+                <a:ext uri="{28A0092B-C50C-407E-A947-70E740481C1C}">
+                  <a14:useLocalDpi xmlns:a14="http://schemas.microsoft.com/office/drawing/2010/main" val="0"/>
+                </a:ext>
+              </a:extLst>
+            </a:blip>
+            <a:stretch>
+              <a:fillRect/>
+            </a:stretch>
+          </p:blipFill>
+          <p:spPr>
+            <a:xfrm>
+              <a:off x="6278612" y="2388981"/>
+              <a:ext cx="4626495" cy="2164363"/>
+            </a:xfrm>
+            <a:prstGeom prst="rect">
+              <a:avLst/>
+            </a:prstGeom>
+          </p:spPr>
+        </p:pic>
+      </p:grpSp>
+      <p:grpSp>
+        <p:nvGrpSpPr>
+          <p:cNvPr id="15" name="Gruppieren 14">
+            <a:extLst>
+              <a:ext uri="{FF2B5EF4-FFF2-40B4-BE49-F238E27FC236}">
+                <a16:creationId xmlns:a16="http://schemas.microsoft.com/office/drawing/2014/main" id="{5072AA45-CCA3-40E3-AACC-AFC7DBBB0999}"/>
+              </a:ext>
+            </a:extLst>
+          </p:cNvPr>
+          <p:cNvGrpSpPr/>
+          <p:nvPr/>
+        </p:nvGrpSpPr>
+        <p:grpSpPr>
+          <a:xfrm>
+            <a:off x="6311484" y="2087698"/>
+            <a:ext cx="4808218" cy="3049067"/>
+            <a:chOff x="6412928" y="2460434"/>
+            <a:chExt cx="4597677" cy="2913767"/>
+          </a:xfrm>
+        </p:grpSpPr>
+        <p:sp>
+          <p:nvSpPr>
+            <p:cNvPr id="16" name="Textfeld 15">
+              <a:extLst>
+                <a:ext uri="{FF2B5EF4-FFF2-40B4-BE49-F238E27FC236}">
+                  <a16:creationId xmlns:a16="http://schemas.microsoft.com/office/drawing/2014/main" id="{33A01FAB-0234-4B85-AE9E-79900C911F35}"/>
+                </a:ext>
+              </a:extLst>
+            </p:cNvPr>
+            <p:cNvSpPr txBox="1"/>
+            <p:nvPr/>
+          </p:nvSpPr>
+          <p:spPr>
+            <a:xfrm>
+              <a:off x="6445555" y="5021258"/>
+              <a:ext cx="4565050" cy="352943"/>
+            </a:xfrm>
+            <a:prstGeom prst="rect">
+              <a:avLst/>
+            </a:prstGeom>
+            <a:noFill/>
+          </p:spPr>
+          <p:txBody>
+            <a:bodyPr wrap="square" rtlCol="0">
+              <a:spAutoFit/>
+            </a:bodyPr>
+            <a:lstStyle/>
+            <a:p>
+              <a:r>
+                <a:rPr lang="de-DE" dirty="0"/>
+                <a:t>Traversierung in der Postorder-Reihenfolge</a:t>
+              </a:r>
+            </a:p>
+          </p:txBody>
+        </p:sp>
+        <p:pic>
+          <p:nvPicPr>
+            <p:cNvPr id="17" name="Grafik 16">
+              <a:extLst>
+                <a:ext uri="{FF2B5EF4-FFF2-40B4-BE49-F238E27FC236}">
+                  <a16:creationId xmlns:a16="http://schemas.microsoft.com/office/drawing/2014/main" id="{E9F6D38B-B814-4D4F-885B-7292C66F8B71}"/>
+                </a:ext>
+              </a:extLst>
+            </p:cNvPr>
+            <p:cNvPicPr>
+              <a:picLocks noChangeAspect="1"/>
+            </p:cNvPicPr>
+            <p:nvPr/>
+          </p:nvPicPr>
+          <p:blipFill>
+            <a:blip r:embed="rId4">
+              <a:extLst>
+                <a:ext uri="{28A0092B-C50C-407E-A947-70E740481C1C}">
+                  <a14:useLocalDpi xmlns:a14="http://schemas.microsoft.com/office/drawing/2010/main" val="0"/>
+                </a:ext>
+              </a:extLst>
+            </a:blip>
+            <a:stretch>
+              <a:fillRect/>
+            </a:stretch>
+          </p:blipFill>
+          <p:spPr>
+            <a:xfrm>
+              <a:off x="6412928" y="2460434"/>
+              <a:ext cx="4565050" cy="2629535"/>
+            </a:xfrm>
+            <a:prstGeom prst="rect">
+              <a:avLst/>
+            </a:prstGeom>
+          </p:spPr>
+        </p:pic>
+      </p:grpSp>
+    </p:spTree>
+    <p:extLst>
+      <p:ext uri="{BB962C8B-B14F-4D97-AF65-F5344CB8AC3E}">
+        <p14:creationId xmlns:p14="http://schemas.microsoft.com/office/powerpoint/2010/main" val="2119883309"/>
+      </p:ext>
+    </p:extLst>
+  </p:cSld>
+  <p:clrMapOvr>
+    <a:masterClrMapping/>
+  </p:clrMapOvr>
+  <mc:AlternateContent xmlns:mc="http://schemas.openxmlformats.org/markup-compatibility/2006" xmlns:p14="http://schemas.microsoft.com/office/powerpoint/2010/main">
+    <mc:Choice Requires="p14">
+      <p:transition spd="med" p14:dur="700">
+        <p:fade/>
+      </p:transition>
+    </mc:Choice>
+    <mc:Fallback xmlns="">
+      <p:transition spd="med">
+        <p:fade/>
+      </p:transition>
+    </mc:Fallback>
+  </mc:AlternateContent>
+  <p:timing>
+    <p:tnLst>
+      <p:par>
+        <p:cTn id="1" dur="indefinite" restart="never" nodeType="tmRoot">
+          <p:childTnLst>
+            <p:seq concurrent="1" nextAc="seek">
+              <p:cTn id="2" dur="indefinite" nodeType="mainSeq">
+                <p:childTnLst>
+                  <p:par>
+                    <p:cTn id="3" fill="hold">
+                      <p:stCondLst>
+                        <p:cond delay="indefinite"/>
+                      </p:stCondLst>
+                      <p:childTnLst>
+                        <p:par>
+                          <p:cTn id="4" fill="hold">
+                            <p:stCondLst>
+                              <p:cond delay="0"/>
+                            </p:stCondLst>
+                            <p:childTnLst>
+                              <p:par>
+                                <p:cTn id="5" presetID="1" presetClass="entr" presetSubtype="0" fill="hold" nodeType="clickEffect">
+                                  <p:stCondLst>
+                                    <p:cond delay="0"/>
+                                  </p:stCondLst>
+                                  <p:childTnLst>
+                                    <p:set>
+                                      <p:cBhvr>
+                                        <p:cTn id="6" dur="1" fill="hold">
+                                          <p:stCondLst>
+                                            <p:cond delay="0"/>
+                                          </p:stCondLst>
+                                        </p:cTn>
+                                        <p:tgtEl>
+                                          <p:spTgt spid="3">
+                                            <p:txEl>
+                                              <p:pRg st="0" end="0"/>
+                                            </p:txEl>
+                                          </p:spTgt>
+                                        </p:tgtEl>
+                                        <p:attrNameLst>
+                                          <p:attrName>style.visibility</p:attrName>
+                                        </p:attrNameLst>
+                                      </p:cBhvr>
+                                      <p:to>
+                                        <p:strVal val="visible"/>
+                                      </p:to>
+                                    </p:set>
+                                  </p:childTnLst>
+                                </p:cTn>
+                              </p:par>
+                            </p:childTnLst>
+                          </p:cTn>
+                        </p:par>
+                      </p:childTnLst>
+                    </p:cTn>
+                  </p:par>
+                  <p:par>
+                    <p:cTn id="7" fill="hold">
+                      <p:stCondLst>
+                        <p:cond delay="indefinite"/>
+                      </p:stCondLst>
+                      <p:childTnLst>
+                        <p:par>
+                          <p:cTn id="8" fill="hold">
+                            <p:stCondLst>
+                              <p:cond delay="0"/>
+                            </p:stCondLst>
+                            <p:childTnLst>
+                              <p:par>
+                                <p:cTn id="9" presetID="1" presetClass="entr" presetSubtype="0" fill="hold" nodeType="clickEffect">
+                                  <p:stCondLst>
+                                    <p:cond delay="0"/>
+                                  </p:stCondLst>
+                                  <p:childTnLst>
+                                    <p:set>
+                                      <p:cBhvr>
+                                        <p:cTn id="10" dur="1" fill="hold">
+                                          <p:stCondLst>
+                                            <p:cond delay="0"/>
+                                          </p:stCondLst>
+                                        </p:cTn>
+                                        <p:tgtEl>
+                                          <p:spTgt spid="3">
+                                            <p:txEl>
+                                              <p:pRg st="1" end="1"/>
+                                            </p:txEl>
+                                          </p:spTgt>
+                                        </p:tgtEl>
+                                        <p:attrNameLst>
+                                          <p:attrName>style.visibility</p:attrName>
+                                        </p:attrNameLst>
+                                      </p:cBhvr>
+                                      <p:to>
+                                        <p:strVal val="visible"/>
+                                      </p:to>
+                                    </p:set>
+                                  </p:childTnLst>
+                                </p:cTn>
+                              </p:par>
+                              <p:par>
+                                <p:cTn id="11" presetID="10" presetClass="entr" presetSubtype="0" fill="hold" nodeType="withEffect">
+                                  <p:stCondLst>
+                                    <p:cond delay="0"/>
+                                  </p:stCondLst>
+                                  <p:childTnLst>
+                                    <p:set>
+                                      <p:cBhvr>
+                                        <p:cTn id="12" dur="1" fill="hold">
+                                          <p:stCondLst>
+                                            <p:cond delay="0"/>
+                                          </p:stCondLst>
+                                        </p:cTn>
+                                        <p:tgtEl>
+                                          <p:spTgt spid="11"/>
+                                        </p:tgtEl>
+                                        <p:attrNameLst>
+                                          <p:attrName>style.visibility</p:attrName>
+                                        </p:attrNameLst>
+                                      </p:cBhvr>
+                                      <p:to>
+                                        <p:strVal val="visible"/>
+                                      </p:to>
+                                    </p:set>
+                                    <p:animEffect transition="in" filter="fade">
+                                      <p:cBhvr>
+                                        <p:cTn id="13" dur="500"/>
+                                        <p:tgtEl>
+                                          <p:spTgt spid="11"/>
+                                        </p:tgtEl>
+                                      </p:cBhvr>
+                                    </p:animEffect>
+                                  </p:childTnLst>
+                                </p:cTn>
+                              </p:par>
+                            </p:childTnLst>
+                          </p:cTn>
+                        </p:par>
+                      </p:childTnLst>
+                    </p:cTn>
+                  </p:par>
+                  <p:par>
+                    <p:cTn id="14" fill="hold">
+                      <p:stCondLst>
+                        <p:cond delay="indefinite"/>
+                      </p:stCondLst>
+                      <p:childTnLst>
+                        <p:par>
+                          <p:cTn id="15" fill="hold">
+                            <p:stCondLst>
+                              <p:cond delay="0"/>
+                            </p:stCondLst>
+                            <p:childTnLst>
+                              <p:par>
+                                <p:cTn id="16" presetID="1" presetClass="exit" presetSubtype="0" fill="hold" nodeType="clickEffect">
+                                  <p:stCondLst>
+                                    <p:cond delay="0"/>
+                                  </p:stCondLst>
+                                  <p:childTnLst>
+                                    <p:set>
+                                      <p:cBhvr>
+                                        <p:cTn id="17" dur="1" fill="hold">
+                                          <p:stCondLst>
+                                            <p:cond delay="0"/>
+                                          </p:stCondLst>
+                                        </p:cTn>
+                                        <p:tgtEl>
+                                          <p:spTgt spid="11"/>
+                                        </p:tgtEl>
+                                        <p:attrNameLst>
+                                          <p:attrName>style.visibility</p:attrName>
+                                        </p:attrNameLst>
+                                      </p:cBhvr>
+                                      <p:to>
+                                        <p:strVal val="hidden"/>
+                                      </p:to>
+                                    </p:set>
+                                  </p:childTnLst>
+                                </p:cTn>
+                              </p:par>
+                            </p:childTnLst>
+                          </p:cTn>
+                        </p:par>
+                      </p:childTnLst>
+                    </p:cTn>
+                  </p:par>
+                  <p:par>
+                    <p:cTn id="18" fill="hold">
+                      <p:stCondLst>
+                        <p:cond delay="indefinite"/>
+                      </p:stCondLst>
+                      <p:childTnLst>
+                        <p:par>
+                          <p:cTn id="19" fill="hold">
+                            <p:stCondLst>
+                              <p:cond delay="0"/>
+                            </p:stCondLst>
+                            <p:childTnLst>
+                              <p:par>
+                                <p:cTn id="20" presetID="1" presetClass="entr" presetSubtype="0" fill="hold" nodeType="clickEffect">
+                                  <p:stCondLst>
+                                    <p:cond delay="0"/>
+                                  </p:stCondLst>
+                                  <p:childTnLst>
+                                    <p:set>
+                                      <p:cBhvr>
+                                        <p:cTn id="21" dur="1" fill="hold">
+                                          <p:stCondLst>
+                                            <p:cond delay="0"/>
+                                          </p:stCondLst>
+                                        </p:cTn>
+                                        <p:tgtEl>
+                                          <p:spTgt spid="3">
+                                            <p:txEl>
+                                              <p:pRg st="2" end="2"/>
+                                            </p:txEl>
+                                          </p:spTgt>
+                                        </p:tgtEl>
+                                        <p:attrNameLst>
+                                          <p:attrName>style.visibility</p:attrName>
+                                        </p:attrNameLst>
+                                      </p:cBhvr>
+                                      <p:to>
+                                        <p:strVal val="visible"/>
+                                      </p:to>
+                                    </p:set>
+                                  </p:childTnLst>
+                                </p:cTn>
+                              </p:par>
+                              <p:par>
+                                <p:cTn id="22" presetID="10" presetClass="entr" presetSubtype="0" fill="hold" nodeType="withEffect">
+                                  <p:stCondLst>
+                                    <p:cond delay="0"/>
+                                  </p:stCondLst>
+                                  <p:childTnLst>
+                                    <p:set>
+                                      <p:cBhvr>
+                                        <p:cTn id="23" dur="1" fill="hold">
+                                          <p:stCondLst>
+                                            <p:cond delay="0"/>
+                                          </p:stCondLst>
+                                        </p:cTn>
+                                        <p:tgtEl>
+                                          <p:spTgt spid="12"/>
+                                        </p:tgtEl>
+                                        <p:attrNameLst>
+                                          <p:attrName>style.visibility</p:attrName>
+                                        </p:attrNameLst>
+                                      </p:cBhvr>
+                                      <p:to>
+                                        <p:strVal val="visible"/>
+                                      </p:to>
+                                    </p:set>
+                                    <p:animEffect transition="in" filter="fade">
+                                      <p:cBhvr>
+                                        <p:cTn id="24" dur="500"/>
+                                        <p:tgtEl>
+                                          <p:spTgt spid="12"/>
+                                        </p:tgtEl>
+                                      </p:cBhvr>
+                                    </p:animEffect>
+                                  </p:childTnLst>
+                                </p:cTn>
+                              </p:par>
+                            </p:childTnLst>
+                          </p:cTn>
+                        </p:par>
+                      </p:childTnLst>
+                    </p:cTn>
+                  </p:par>
+                  <p:par>
+                    <p:cTn id="25" fill="hold">
+                      <p:stCondLst>
+                        <p:cond delay="indefinite"/>
+                      </p:stCondLst>
+                      <p:childTnLst>
+                        <p:par>
+                          <p:cTn id="26" fill="hold">
+                            <p:stCondLst>
+                              <p:cond delay="0"/>
+                            </p:stCondLst>
+                            <p:childTnLst>
+                              <p:par>
+                                <p:cTn id="27" presetID="1" presetClass="exit" presetSubtype="0" fill="hold" nodeType="clickEffect">
+                                  <p:stCondLst>
+                                    <p:cond delay="0"/>
+                                  </p:stCondLst>
+                                  <p:childTnLst>
+                                    <p:set>
+                                      <p:cBhvr>
+                                        <p:cTn id="28" dur="1" fill="hold">
+                                          <p:stCondLst>
+                                            <p:cond delay="0"/>
+                                          </p:stCondLst>
+                                        </p:cTn>
+                                        <p:tgtEl>
+                                          <p:spTgt spid="12"/>
+                                        </p:tgtEl>
+                                        <p:attrNameLst>
+                                          <p:attrName>style.visibility</p:attrName>
+                                        </p:attrNameLst>
+                                      </p:cBhvr>
+                                      <p:to>
+                                        <p:strVal val="hidden"/>
+                                      </p:to>
+                                    </p:set>
+                                  </p:childTnLst>
+                                </p:cTn>
+                              </p:par>
+                            </p:childTnLst>
+                          </p:cTn>
+                        </p:par>
+                      </p:childTnLst>
+                    </p:cTn>
+                  </p:par>
+                  <p:par>
+                    <p:cTn id="29" fill="hold">
+                      <p:stCondLst>
+                        <p:cond delay="indefinite"/>
+                      </p:stCondLst>
+                      <p:childTnLst>
+                        <p:par>
+                          <p:cTn id="30" fill="hold">
+                            <p:stCondLst>
+                              <p:cond delay="0"/>
+                            </p:stCondLst>
+                            <p:childTnLst>
+                              <p:par>
+                                <p:cTn id="31" presetID="1" presetClass="entr" presetSubtype="0" fill="hold" nodeType="clickEffect">
+                                  <p:stCondLst>
+                                    <p:cond delay="0"/>
+                                  </p:stCondLst>
+                                  <p:childTnLst>
+                                    <p:set>
+                                      <p:cBhvr>
+                                        <p:cTn id="32" dur="1" fill="hold">
+                                          <p:stCondLst>
+                                            <p:cond delay="0"/>
+                                          </p:stCondLst>
+                                        </p:cTn>
+                                        <p:tgtEl>
+                                          <p:spTgt spid="3">
+                                            <p:txEl>
+                                              <p:pRg st="3" end="3"/>
+                                            </p:txEl>
+                                          </p:spTgt>
+                                        </p:tgtEl>
+                                        <p:attrNameLst>
+                                          <p:attrName>style.visibility</p:attrName>
+                                        </p:attrNameLst>
+                                      </p:cBhvr>
+                                      <p:to>
+                                        <p:strVal val="visible"/>
+                                      </p:to>
+                                    </p:set>
+                                  </p:childTnLst>
+                                </p:cTn>
+                              </p:par>
+                              <p:par>
+                                <p:cTn id="33" presetID="10" presetClass="entr" presetSubtype="0" fill="hold" nodeType="withEffect">
+                                  <p:stCondLst>
+                                    <p:cond delay="0"/>
+                                  </p:stCondLst>
+                                  <p:childTnLst>
+                                    <p:set>
+                                      <p:cBhvr>
+                                        <p:cTn id="34" dur="1" fill="hold">
+                                          <p:stCondLst>
+                                            <p:cond delay="0"/>
+                                          </p:stCondLst>
+                                        </p:cTn>
+                                        <p:tgtEl>
+                                          <p:spTgt spid="15"/>
+                                        </p:tgtEl>
+                                        <p:attrNameLst>
+                                          <p:attrName>style.visibility</p:attrName>
+                                        </p:attrNameLst>
+                                      </p:cBhvr>
+                                      <p:to>
+                                        <p:strVal val="visible"/>
+                                      </p:to>
+                                    </p:set>
+                                    <p:animEffect transition="in" filter="fade">
+                                      <p:cBhvr>
+                                        <p:cTn id="35" dur="500"/>
+                                        <p:tgtEl>
+                                          <p:spTgt spid="15"/>
+                                        </p:tgtEl>
+                                      </p:cBhvr>
+                                    </p:animEffect>
+                                  </p:childTnLst>
+                                </p:cTn>
+                              </p:par>
+                            </p:childTnLst>
+                          </p:cTn>
+                        </p:par>
+                      </p:childTnLst>
+                    </p:cTn>
+                  </p:par>
+                </p:childTnLst>
+              </p:cTn>
+              <p:prevCondLst>
+                <p:cond evt="onPrev" delay="0">
+                  <p:tgtEl>
+                    <p:sldTgt/>
+                  </p:tgtEl>
+                </p:cond>
+              </p:prevCondLst>
+              <p:nextCondLst>
+                <p:cond evt="onNext" delay="0">
+                  <p:tgtEl>
+                    <p:sldTgt/>
+                  </p:tgtEl>
+                </p:cond>
+              </p:nextCondLst>
+            </p:seq>
+          </p:childTnLst>
+        </p:cTn>
+      </p:par>
+    </p:tnLst>
+  </p:timing>
 </p:sld>
 </file>
 
@@ -7334,11 +13521,11 @@
   <ds:schemaRefs>
     <ds:schemaRef ds:uri="http://purl.org/dc/elements/1.1/"/>
     <ds:schemaRef ds:uri="http://schemas.microsoft.com/office/2006/metadata/properties"/>
-    <ds:schemaRef ds:uri="4873beb7-5857-4685-be1f-d57550cc96cc"/>
-    <ds:schemaRef ds:uri="http://schemas.openxmlformats.org/package/2006/metadata/core-properties"/>
     <ds:schemaRef ds:uri="http://purl.org/dc/terms/"/>
     <ds:schemaRef ds:uri="http://schemas.microsoft.com/office/2006/documentManagement/types"/>
+    <ds:schemaRef ds:uri="http://schemas.openxmlformats.org/package/2006/metadata/core-properties"/>
     <ds:schemaRef ds:uri="http://schemas.microsoft.com/office/infopath/2007/PartnerControls"/>
+    <ds:schemaRef ds:uri="4873beb7-5857-4685-be1f-d57550cc96cc"/>
     <ds:schemaRef ds:uri="http://www.w3.org/XML/1998/namespace"/>
     <ds:schemaRef ds:uri="http://purl.org/dc/dcmitype/"/>
   </ds:schemaRefs>
